--- a/FOODFLIX.pptx
+++ b/FOODFLIX.pptx
@@ -16,18 +16,19 @@
     <p:sldId id="261" r:id="rId11"/>
     <p:sldId id="262" r:id="rId12"/>
     <p:sldId id="263" r:id="rId13"/>
+    <p:sldId id="264" r:id="rId14"/>
   </p:sldIdLst>
   <p:sldSz cy="5143500" cx="9144000"/>
   <p:notesSz cx="6858000" cy="9144000"/>
   <p:embeddedFontLst>
     <p:embeddedFont>
       <p:font typeface="Average"/>
-      <p:regular r:id="rId14"/>
+      <p:regular r:id="rId15"/>
     </p:embeddedFont>
     <p:embeddedFont>
       <p:font typeface="Oswald"/>
-      <p:regular r:id="rId15"/>
-      <p:bold r:id="rId16"/>
+      <p:regular r:id="rId16"/>
+      <p:bold r:id="rId17"/>
     </p:embeddedFont>
   </p:embeddedFontLst>
   <p:defaultTextStyle>
@@ -1218,7 +1219,7 @@
       </p:grpSpPr>
       <p:sp>
         <p:nvSpPr>
-          <p:cNvPr id="90" name="Google Shape;90;gc8cabebcc4_1_0:notes"/>
+          <p:cNvPr id="90" name="Google Shape;90;gc8cabebcc4_1_50:notes"/>
           <p:cNvSpPr/>
           <p:nvPr>
             <p:ph idx="2" type="sldImg"/>
@@ -1253,7 +1254,7 @@
       </p:sp>
       <p:sp>
         <p:nvSpPr>
-          <p:cNvPr id="91" name="Google Shape;91;gc8cabebcc4_1_0:notes"/>
+          <p:cNvPr id="91" name="Google Shape;91;gc8cabebcc4_1_50:notes"/>
           <p:cNvSpPr txBox="1"/>
           <p:nvPr>
             <p:ph idx="1" type="body"/>
@@ -1303,7 +1304,7 @@
   <p:cSld>
     <p:spTree>
       <p:nvGrpSpPr>
-        <p:cNvPr id="95" name="Shape 95"/>
+        <p:cNvPr id="97" name="Shape 97"/>
         <p:cNvGrpSpPr/>
         <p:nvPr/>
       </p:nvGrpSpPr>
@@ -1317,7 +1318,7 @@
       </p:grpSpPr>
       <p:sp>
         <p:nvSpPr>
-          <p:cNvPr id="96" name="Google Shape;96;gc8cabebcc4_1_5:notes"/>
+          <p:cNvPr id="98" name="Google Shape;98;gc8cabebcc4_1_0:notes"/>
           <p:cNvSpPr/>
           <p:nvPr>
             <p:ph idx="2" type="sldImg"/>
@@ -1352,7 +1353,7 @@
       </p:sp>
       <p:sp>
         <p:nvSpPr>
-          <p:cNvPr id="97" name="Google Shape;97;gc8cabebcc4_1_5:notes"/>
+          <p:cNvPr id="99" name="Google Shape;99;gc8cabebcc4_1_0:notes"/>
           <p:cNvSpPr txBox="1"/>
           <p:nvPr>
             <p:ph idx="1" type="body"/>
@@ -1402,7 +1403,7 @@
   <p:cSld>
     <p:spTree>
       <p:nvGrpSpPr>
-        <p:cNvPr id="101" name="Shape 101"/>
+        <p:cNvPr id="103" name="Shape 103"/>
         <p:cNvGrpSpPr/>
         <p:nvPr/>
       </p:nvGrpSpPr>
@@ -1416,7 +1417,7 @@
       </p:grpSpPr>
       <p:sp>
         <p:nvSpPr>
-          <p:cNvPr id="102" name="Google Shape;102;gc8cabebcc4_1_10:notes"/>
+          <p:cNvPr id="104" name="Google Shape;104;gc8cabebcc4_1_5:notes"/>
           <p:cNvSpPr/>
           <p:nvPr>
             <p:ph idx="2" type="sldImg"/>
@@ -1451,7 +1452,106 @@
       </p:sp>
       <p:sp>
         <p:nvSpPr>
-          <p:cNvPr id="103" name="Google Shape;103;gc8cabebcc4_1_10:notes"/>
+          <p:cNvPr id="105" name="Google Shape;105;gc8cabebcc4_1_5:notes"/>
+          <p:cNvSpPr txBox="1"/>
+          <p:nvPr>
+            <p:ph idx="1" type="body"/>
+          </p:nvPr>
+        </p:nvSpPr>
+        <p:spPr>
+          <a:xfrm>
+            <a:off x="685800" y="4343400"/>
+            <a:ext cx="5486400" cy="4114800"/>
+          </a:xfrm>
+          <a:prstGeom prst="rect">
+            <a:avLst/>
+          </a:prstGeom>
+        </p:spPr>
+        <p:txBody>
+          <a:bodyPr anchorCtr="0" anchor="t" bIns="91425" lIns="91425" spcFirstLastPara="1" rIns="91425" wrap="square" tIns="91425">
+            <a:noAutofit/>
+          </a:bodyPr>
+          <a:lstStyle/>
+          <a:p>
+            <a:pPr indent="0" lvl="0" marL="0" rtl="0" algn="l">
+              <a:spcBef>
+                <a:spcPts val="0"/>
+              </a:spcBef>
+              <a:spcAft>
+                <a:spcPts val="0"/>
+              </a:spcAft>
+              <a:buNone/>
+            </a:pPr>
+            <a:r>
+              <a:t/>
+            </a:r>
+            <a:endParaRPr/>
+          </a:p>
+        </p:txBody>
+      </p:sp>
+    </p:spTree>
+  </p:cSld>
+  <p:clrMapOvr>
+    <a:masterClrMapping/>
+  </p:clrMapOvr>
+</p:notes>
+</file>
+
+<file path=ppt/notesSlides/notesSlide9.xml><?xml version="1.0" encoding="utf-8"?>
+<p:notes xmlns:a="http://schemas.openxmlformats.org/drawingml/2006/main" xmlns:r="http://schemas.openxmlformats.org/officeDocument/2006/relationships" xmlns:mc="http://schemas.openxmlformats.org/markup-compatibility/2006" xmlns:mv="urn:schemas-microsoft-com:mac:vml" xmlns:p="http://schemas.openxmlformats.org/presentationml/2006/main" xmlns:c="http://schemas.openxmlformats.org/drawingml/2006/chart" xmlns:dgm="http://schemas.openxmlformats.org/drawingml/2006/diagram" xmlns:o="urn:schemas-microsoft-com:office:office" xmlns:v="urn:schemas-microsoft-com:vml" xmlns:pvml="urn:schemas-microsoft-com:office:powerpoint" xmlns:com="http://schemas.openxmlformats.org/drawingml/2006/compatibility" xmlns:p14="http://schemas.microsoft.com/office/powerpoint/2010/main" xmlns:p15="http://schemas.microsoft.com/office/powerpoint/2012/main" xmlns:ahyp="http://schemas.microsoft.com/office/drawing/2018/hyperlinkcolor" showMasterPhAnim="0" showMasterSp="0">
+  <p:cSld>
+    <p:spTree>
+      <p:nvGrpSpPr>
+        <p:cNvPr id="109" name="Shape 109"/>
+        <p:cNvGrpSpPr/>
+        <p:nvPr/>
+      </p:nvGrpSpPr>
+      <p:grpSpPr>
+        <a:xfrm>
+          <a:off x="0" y="0"/>
+          <a:ext cx="0" cy="0"/>
+          <a:chOff x="0" y="0"/>
+          <a:chExt cx="0" cy="0"/>
+        </a:xfrm>
+      </p:grpSpPr>
+      <p:sp>
+        <p:nvSpPr>
+          <p:cNvPr id="110" name="Google Shape;110;gc8cabebcc4_1_10:notes"/>
+          <p:cNvSpPr/>
+          <p:nvPr>
+            <p:ph idx="2" type="sldImg"/>
+          </p:nvPr>
+        </p:nvSpPr>
+        <p:spPr>
+          <a:xfrm>
+            <a:off x="381300" y="685800"/>
+            <a:ext cx="6096000" cy="3429000"/>
+          </a:xfrm>
+          <a:custGeom>
+            <a:rect b="b" l="l" r="r" t="t"/>
+            <a:pathLst>
+              <a:path extrusionOk="0" h="120000" w="120000">
+                <a:moveTo>
+                  <a:pt x="0" y="0"/>
+                </a:moveTo>
+                <a:lnTo>
+                  <a:pt x="120000" y="0"/>
+                </a:lnTo>
+                <a:lnTo>
+                  <a:pt x="120000" y="120000"/>
+                </a:lnTo>
+                <a:lnTo>
+                  <a:pt x="0" y="120000"/>
+                </a:lnTo>
+                <a:close/>
+              </a:path>
+            </a:pathLst>
+          </a:custGeom>
+        </p:spPr>
+      </p:sp>
+      <p:sp>
+        <p:nvSpPr>
+          <p:cNvPr id="111" name="Google Shape;111;gc8cabebcc4_1_10:notes"/>
           <p:cNvSpPr txBox="1"/>
           <p:nvPr>
             <p:ph idx="1" type="body"/>
@@ -7507,7 +7607,7 @@
         </p:spPr>
         <p:txBody>
           <a:bodyPr anchorCtr="0" anchor="t" bIns="91425" lIns="91425" spcFirstLastPara="1" rIns="91425" wrap="square" tIns="91425">
-            <a:normAutofit/>
+            <a:normAutofit lnSpcReduction="10000"/>
           </a:bodyPr>
           <a:lstStyle/>
           <a:p>
@@ -7545,6 +7645,43 @@
               <a:buNone/>
             </a:pPr>
             <a:r>
+              <a:rPr lang="fr"/>
+              <a:t>Cette base de données est mondiale elle a  donc une taille conséquente, il est nécessaire de la télécharger en local:</a:t>
+            </a:r>
+            <a:endParaRPr/>
+          </a:p>
+          <a:p>
+            <a:pPr indent="0" lvl="0" marL="0" rtl="0" algn="l">
+              <a:spcBef>
+                <a:spcPts val="1200"/>
+              </a:spcBef>
+              <a:spcAft>
+                <a:spcPts val="0"/>
+              </a:spcAft>
+              <a:buNone/>
+            </a:pPr>
+            <a:r>
+              <a:rPr lang="fr" u="sng">
+                <a:solidFill>
+                  <a:schemeClr val="hlink"/>
+                </a:solidFill>
+                <a:hlinkClick r:id="rId3"/>
+              </a:rPr>
+              <a:t>https://www.kaggle.com/openfoodfacts/world-food-fact</a:t>
+            </a:r>
+            <a:endParaRPr/>
+          </a:p>
+          <a:p>
+            <a:pPr indent="0" lvl="0" marL="0" rtl="0" algn="l">
+              <a:spcBef>
+                <a:spcPts val="1200"/>
+              </a:spcBef>
+              <a:spcAft>
+                <a:spcPts val="0"/>
+              </a:spcAft>
+              <a:buNone/>
+            </a:pPr>
+            <a:r>
               <a:rPr b="1" lang="fr"/>
               <a:t>Open Food Facts </a:t>
             </a:r>
@@ -7566,7 +7703,19 @@
             </a:pPr>
             <a:r>
               <a:rPr lang="fr"/>
-              <a:t>Cette base de données est mondiale elle a  donc une taille conséquente.</a:t>
+              <a:t>Nous ne conserverons que les données </a:t>
+            </a:r>
+            <a:r>
+              <a:rPr lang="fr"/>
+              <a:t>française</a:t>
+            </a:r>
+            <a:r>
+              <a:rPr lang="fr"/>
+              <a:t> puisque l’application est destinée à un public </a:t>
+            </a:r>
+            <a:r>
+              <a:rPr lang="fr"/>
+              <a:t>français.</a:t>
             </a:r>
             <a:endParaRPr/>
           </a:p>
@@ -7607,6 +7756,282 @@
         </p:nvSpPr>
         <p:spPr>
           <a:xfrm>
+            <a:off x="64675" y="120000"/>
+            <a:ext cx="2839500" cy="513900"/>
+          </a:xfrm>
+          <a:prstGeom prst="rect">
+            <a:avLst/>
+          </a:prstGeom>
+        </p:spPr>
+        <p:txBody>
+          <a:bodyPr anchorCtr="0" anchor="b" bIns="91425" lIns="91425" spcFirstLastPara="1" rIns="91425" wrap="square" tIns="91425">
+            <a:normAutofit fontScale="90000"/>
+          </a:bodyPr>
+          <a:lstStyle/>
+          <a:p>
+            <a:pPr indent="0" lvl="0" marL="0" rtl="0" algn="l">
+              <a:spcBef>
+                <a:spcPts val="0"/>
+              </a:spcBef>
+              <a:spcAft>
+                <a:spcPts val="0"/>
+              </a:spcAft>
+              <a:buNone/>
+            </a:pPr>
+            <a:r>
+              <a:rPr lang="fr"/>
+              <a:t>Trello de départ</a:t>
+            </a:r>
+            <a:endParaRPr/>
+          </a:p>
+        </p:txBody>
+      </p:sp>
+      <p:sp>
+        <p:nvSpPr>
+          <p:cNvPr id="94" name="Google Shape;94;p18"/>
+          <p:cNvSpPr/>
+          <p:nvPr/>
+        </p:nvSpPr>
+        <p:spPr>
+          <a:xfrm>
+            <a:off x="330450" y="941050"/>
+            <a:ext cx="1644900" cy="1400700"/>
+          </a:xfrm>
+          <a:prstGeom prst="bracePair">
+            <a:avLst/>
+          </a:prstGeom>
+          <a:noFill/>
+          <a:ln cap="flat" cmpd="sng" w="9525">
+            <a:solidFill>
+              <a:schemeClr val="dk2"/>
+            </a:solidFill>
+            <a:prstDash val="solid"/>
+            <a:round/>
+            <a:headEnd len="sm" w="sm" type="none"/>
+            <a:tailEnd len="sm" w="sm" type="none"/>
+          </a:ln>
+        </p:spPr>
+        <p:txBody>
+          <a:bodyPr anchorCtr="0" anchor="ctr" bIns="91425" lIns="91425" spcFirstLastPara="1" rIns="91425" wrap="square" tIns="91425">
+            <a:noAutofit/>
+          </a:bodyPr>
+          <a:lstStyle/>
+          <a:p>
+            <a:pPr indent="0" lvl="0" marL="0" rtl="0" algn="l">
+              <a:spcBef>
+                <a:spcPts val="0"/>
+              </a:spcBef>
+              <a:spcAft>
+                <a:spcPts val="0"/>
+              </a:spcAft>
+              <a:buNone/>
+            </a:pPr>
+            <a:r>
+              <a:t/>
+            </a:r>
+            <a:endParaRPr b="1" sz="1600">
+              <a:solidFill>
+                <a:srgbClr val="CC0000"/>
+              </a:solidFill>
+            </a:endParaRPr>
+          </a:p>
+        </p:txBody>
+      </p:sp>
+      <p:pic>
+        <p:nvPicPr>
+          <p:cNvPr id="95" name="Google Shape;95;p18"/>
+          <p:cNvPicPr preferRelativeResize="0"/>
+          <p:nvPr/>
+        </p:nvPicPr>
+        <p:blipFill>
+          <a:blip r:embed="rId3">
+            <a:alphaModFix/>
+          </a:blip>
+          <a:stretch>
+            <a:fillRect/>
+          </a:stretch>
+        </p:blipFill>
+        <p:spPr>
+          <a:xfrm>
+            <a:off x="168824" y="633900"/>
+            <a:ext cx="1549350" cy="4409226"/>
+          </a:xfrm>
+          <a:prstGeom prst="rect">
+            <a:avLst/>
+          </a:prstGeom>
+          <a:noFill/>
+          <a:ln>
+            <a:noFill/>
+          </a:ln>
+        </p:spPr>
+      </p:pic>
+      <p:sp>
+        <p:nvSpPr>
+          <p:cNvPr id="96" name="Google Shape;96;p18"/>
+          <p:cNvSpPr txBox="1"/>
+          <p:nvPr/>
+        </p:nvSpPr>
+        <p:spPr>
+          <a:xfrm>
+            <a:off x="2061725" y="1441300"/>
+            <a:ext cx="5301600" cy="1046700"/>
+          </a:xfrm>
+          <a:prstGeom prst="rect">
+            <a:avLst/>
+          </a:prstGeom>
+          <a:noFill/>
+          <a:ln>
+            <a:noFill/>
+          </a:ln>
+        </p:spPr>
+        <p:txBody>
+          <a:bodyPr anchorCtr="0" anchor="t" bIns="91425" lIns="91425" spcFirstLastPara="1" rIns="91425" wrap="square" tIns="91425">
+            <a:spAutoFit/>
+          </a:bodyPr>
+          <a:lstStyle/>
+          <a:p>
+            <a:pPr indent="0" lvl="0" marL="0" rtl="0" algn="l">
+              <a:spcBef>
+                <a:spcPts val="0"/>
+              </a:spcBef>
+              <a:spcAft>
+                <a:spcPts val="0"/>
+              </a:spcAft>
+              <a:buNone/>
+            </a:pPr>
+            <a:r>
+              <a:rPr lang="fr">
+                <a:solidFill>
+                  <a:schemeClr val="dk1"/>
+                </a:solidFill>
+                <a:latin typeface="Average"/>
+                <a:ea typeface="Average"/>
+                <a:cs typeface="Average"/>
+                <a:sym typeface="Average"/>
+              </a:rPr>
+              <a:t>First cleaning : sur pycharm</a:t>
+            </a:r>
+            <a:endParaRPr>
+              <a:solidFill>
+                <a:schemeClr val="dk1"/>
+              </a:solidFill>
+              <a:latin typeface="Average"/>
+              <a:ea typeface="Average"/>
+              <a:cs typeface="Average"/>
+              <a:sym typeface="Average"/>
+            </a:endParaRPr>
+          </a:p>
+          <a:p>
+            <a:pPr indent="-317500" lvl="0" marL="457200" rtl="0" algn="l">
+              <a:spcBef>
+                <a:spcPts val="0"/>
+              </a:spcBef>
+              <a:spcAft>
+                <a:spcPts val="0"/>
+              </a:spcAft>
+              <a:buClr>
+                <a:schemeClr val="dk1"/>
+              </a:buClr>
+              <a:buSzPts val="1400"/>
+              <a:buFont typeface="Average"/>
+              <a:buChar char="-"/>
+            </a:pPr>
+            <a:r>
+              <a:rPr lang="fr">
+                <a:solidFill>
+                  <a:schemeClr val="dk1"/>
+                </a:solidFill>
+                <a:latin typeface="Average"/>
+                <a:ea typeface="Average"/>
+                <a:cs typeface="Average"/>
+                <a:sym typeface="Average"/>
+              </a:rPr>
+              <a:t>load_data.py : pour charger le fichier .tsv en dataframe.</a:t>
+            </a:r>
+            <a:endParaRPr>
+              <a:solidFill>
+                <a:schemeClr val="dk1"/>
+              </a:solidFill>
+              <a:latin typeface="Average"/>
+              <a:ea typeface="Average"/>
+              <a:cs typeface="Average"/>
+              <a:sym typeface="Average"/>
+            </a:endParaRPr>
+          </a:p>
+          <a:p>
+            <a:pPr indent="-317500" lvl="0" marL="457200" rtl="0" algn="l">
+              <a:spcBef>
+                <a:spcPts val="0"/>
+              </a:spcBef>
+              <a:spcAft>
+                <a:spcPts val="0"/>
+              </a:spcAft>
+              <a:buClr>
+                <a:schemeClr val="dk1"/>
+              </a:buClr>
+              <a:buSzPts val="1400"/>
+              <a:buFont typeface="Average"/>
+              <a:buChar char="-"/>
+            </a:pPr>
+            <a:r>
+              <a:rPr lang="fr">
+                <a:solidFill>
+                  <a:schemeClr val="dk1"/>
+                </a:solidFill>
+                <a:latin typeface="Average"/>
+                <a:ea typeface="Average"/>
+                <a:cs typeface="Average"/>
+                <a:sym typeface="Average"/>
+              </a:rPr>
+              <a:t>first_cleaning.py : pour modifier le sample et le sauvegarder dans la base sql en tant que “first_sample”</a:t>
+            </a:r>
+            <a:endParaRPr>
+              <a:solidFill>
+                <a:schemeClr val="dk1"/>
+              </a:solidFill>
+              <a:latin typeface="Average"/>
+              <a:ea typeface="Average"/>
+              <a:cs typeface="Average"/>
+              <a:sym typeface="Average"/>
+            </a:endParaRPr>
+          </a:p>
+        </p:txBody>
+      </p:sp>
+    </p:spTree>
+  </p:cSld>
+  <p:clrMapOvr>
+    <a:masterClrMapping/>
+  </p:clrMapOvr>
+</p:sld>
+</file>
+
+<file path=ppt/slides/slide7.xml><?xml version="1.0" encoding="utf-8"?>
+<p:sld xmlns:a="http://schemas.openxmlformats.org/drawingml/2006/main" xmlns:r="http://schemas.openxmlformats.org/officeDocument/2006/relationships" xmlns:mc="http://schemas.openxmlformats.org/markup-compatibility/2006" xmlns:mv="urn:schemas-microsoft-com:mac:vml" xmlns:p="http://schemas.openxmlformats.org/presentationml/2006/main" xmlns:c="http://schemas.openxmlformats.org/drawingml/2006/chart" xmlns:dgm="http://schemas.openxmlformats.org/drawingml/2006/diagram" xmlns:o="urn:schemas-microsoft-com:office:office" xmlns:v="urn:schemas-microsoft-com:vml" xmlns:pvml="urn:schemas-microsoft-com:office:powerpoint" xmlns:com="http://schemas.openxmlformats.org/drawingml/2006/compatibility" xmlns:p14="http://schemas.microsoft.com/office/powerpoint/2010/main" xmlns:p15="http://schemas.microsoft.com/office/powerpoint/2012/main" xmlns:ahyp="http://schemas.microsoft.com/office/drawing/2018/hyperlinkcolor">
+  <p:cSld>
+    <p:spTree>
+      <p:nvGrpSpPr>
+        <p:cNvPr id="100" name="Shape 100"/>
+        <p:cNvGrpSpPr/>
+        <p:nvPr/>
+      </p:nvGrpSpPr>
+      <p:grpSpPr>
+        <a:xfrm>
+          <a:off x="0" y="0"/>
+          <a:ext cx="0" cy="0"/>
+          <a:chOff x="0" y="0"/>
+          <a:chExt cx="0" cy="0"/>
+        </a:xfrm>
+      </p:grpSpPr>
+      <p:sp>
+        <p:nvSpPr>
+          <p:cNvPr id="101" name="Google Shape;101;p19"/>
+          <p:cNvSpPr txBox="1"/>
+          <p:nvPr>
+            <p:ph type="title"/>
+          </p:nvPr>
+        </p:nvSpPr>
+        <p:spPr>
+          <a:xfrm>
             <a:off x="311700" y="445025"/>
             <a:ext cx="8520600" cy="572700"/>
           </a:xfrm>
@@ -7639,7 +8064,7 @@
       </p:sp>
       <p:sp>
         <p:nvSpPr>
-          <p:cNvPr id="94" name="Google Shape;94;p18"/>
+          <p:cNvPr id="102" name="Google Shape;102;p19"/>
           <p:cNvSpPr txBox="1"/>
           <p:nvPr>
             <p:ph idx="1" type="body"/>
@@ -7684,12 +8109,12 @@
 </p:sld>
 </file>
 
-<file path=ppt/slides/slide7.xml><?xml version="1.0" encoding="utf-8"?>
+<file path=ppt/slides/slide8.xml><?xml version="1.0" encoding="utf-8"?>
 <p:sld xmlns:a="http://schemas.openxmlformats.org/drawingml/2006/main" xmlns:r="http://schemas.openxmlformats.org/officeDocument/2006/relationships" xmlns:mc="http://schemas.openxmlformats.org/markup-compatibility/2006" xmlns:mv="urn:schemas-microsoft-com:mac:vml" xmlns:p="http://schemas.openxmlformats.org/presentationml/2006/main" xmlns:c="http://schemas.openxmlformats.org/drawingml/2006/chart" xmlns:dgm="http://schemas.openxmlformats.org/drawingml/2006/diagram" xmlns:o="urn:schemas-microsoft-com:office:office" xmlns:v="urn:schemas-microsoft-com:vml" xmlns:pvml="urn:schemas-microsoft-com:office:powerpoint" xmlns:com="http://schemas.openxmlformats.org/drawingml/2006/compatibility" xmlns:p14="http://schemas.microsoft.com/office/powerpoint/2010/main" xmlns:p15="http://schemas.microsoft.com/office/powerpoint/2012/main" xmlns:ahyp="http://schemas.microsoft.com/office/drawing/2018/hyperlinkcolor">
   <p:cSld>
     <p:spTree>
       <p:nvGrpSpPr>
-        <p:cNvPr id="98" name="Shape 98"/>
+        <p:cNvPr id="106" name="Shape 106"/>
         <p:cNvGrpSpPr/>
         <p:nvPr/>
       </p:nvGrpSpPr>
@@ -7703,7 +8128,7 @@
       </p:grpSpPr>
       <p:sp>
         <p:nvSpPr>
-          <p:cNvPr id="99" name="Google Shape;99;p19"/>
+          <p:cNvPr id="107" name="Google Shape;107;p20"/>
           <p:cNvSpPr txBox="1"/>
           <p:nvPr>
             <p:ph type="title"/>
@@ -7735,7 +8160,7 @@
             </a:pPr>
             <a:r>
               <a:rPr lang="fr"/>
-              <a:t>livrable n°1: etat des lieux des data not clean et analyse</a:t>
+              <a:t>livrable n°1: état des lieux des data not clean et analyse</a:t>
             </a:r>
             <a:endParaRPr/>
           </a:p>
@@ -7743,7 +8168,7 @@
       </p:sp>
       <p:sp>
         <p:nvSpPr>
-          <p:cNvPr id="100" name="Google Shape;100;p19"/>
+          <p:cNvPr id="108" name="Google Shape;108;p20"/>
           <p:cNvSpPr txBox="1"/>
           <p:nvPr>
             <p:ph idx="1" type="body"/>
@@ -7760,7 +8185,7 @@
         </p:spPr>
         <p:txBody>
           <a:bodyPr anchorCtr="0" anchor="t" bIns="91425" lIns="91425" spcFirstLastPara="1" rIns="91425" wrap="square" tIns="91425">
-            <a:normAutofit fontScale="55000" lnSpcReduction="20000"/>
+            <a:normAutofit/>
           </a:bodyPr>
           <a:lstStyle/>
           <a:p>
@@ -7774,103 +8199,7 @@
               <a:buNone/>
             </a:pPr>
             <a:r>
-              <a:rPr lang="fr"/>
-              <a:t>garder que les données francaises dans un premier temps?</a:t>
-            </a:r>
-            <a:endParaRPr/>
-          </a:p>
-          <a:p>
-            <a:pPr indent="0" lvl="0" marL="0" rtl="0" algn="l">
-              <a:spcBef>
-                <a:spcPts val="1200"/>
-              </a:spcBef>
-              <a:spcAft>
-                <a:spcPts val="0"/>
-              </a:spcAft>
-              <a:buNone/>
-            </a:pPr>
-            <a:r>
-              <a:rPr lang="fr"/>
-              <a:t>meta data à oter</a:t>
-            </a:r>
-            <a:endParaRPr/>
-          </a:p>
-          <a:p>
-            <a:pPr indent="0" lvl="0" marL="0" rtl="0" algn="l">
-              <a:spcBef>
-                <a:spcPts val="1200"/>
-              </a:spcBef>
-              <a:spcAft>
-                <a:spcPts val="0"/>
-              </a:spcAft>
-              <a:buNone/>
-            </a:pPr>
-            <a:r>
-              <a:rPr lang="fr"/>
-              <a:t>on a des valeurs au 100g donc aucune valeur ne peut etre &gt;100g et &lt;0g</a:t>
-            </a:r>
-            <a:endParaRPr/>
-          </a:p>
-          <a:p>
-            <a:pPr indent="0" lvl="0" marL="0" rtl="0" algn="l">
-              <a:spcBef>
-                <a:spcPts val="1200"/>
-              </a:spcBef>
-              <a:spcAft>
-                <a:spcPts val="0"/>
-              </a:spcAft>
-              <a:buNone/>
-            </a:pPr>
-            <a:r>
               <a:t/>
-            </a:r>
-            <a:endParaRPr/>
-          </a:p>
-          <a:p>
-            <a:pPr indent="0" lvl="0" marL="0" rtl="0" algn="l">
-              <a:spcBef>
-                <a:spcPts val="1200"/>
-              </a:spcBef>
-              <a:spcAft>
-                <a:spcPts val="0"/>
-              </a:spcAft>
-              <a:buNone/>
-            </a:pPr>
-            <a:r>
-              <a:rPr lang="fr"/>
-              <a:t>valeurs manquantes dans col? si % élevé</a:t>
-            </a:r>
-            <a:endParaRPr/>
-          </a:p>
-          <a:p>
-            <a:pPr indent="0" lvl="0" marL="0" rtl="0" algn="l">
-              <a:spcBef>
-                <a:spcPts val="1200"/>
-              </a:spcBef>
-              <a:spcAft>
-                <a:spcPts val="0"/>
-              </a:spcAft>
-              <a:buNone/>
-            </a:pPr>
-            <a:r>
-              <a:rPr lang="fr"/>
-              <a:t>idem par row</a:t>
-            </a:r>
-            <a:endParaRPr/>
-          </a:p>
-          <a:p>
-            <a:pPr indent="0" lvl="0" marL="0" rtl="0" algn="l">
-              <a:spcBef>
-                <a:spcPts val="1200"/>
-              </a:spcBef>
-              <a:spcAft>
-                <a:spcPts val="0"/>
-              </a:spcAft>
-              <a:buNone/>
-            </a:pPr>
-            <a:r>
-              <a:rPr lang="fr"/>
-              <a:t>si valeurs manquantes création?suppression?imitation?machine learning?</a:t>
             </a:r>
             <a:endParaRPr/>
           </a:p>
@@ -7944,12 +8273,12 @@
 </p:sld>
 </file>
 
-<file path=ppt/slides/slide8.xml><?xml version="1.0" encoding="utf-8"?>
+<file path=ppt/slides/slide9.xml><?xml version="1.0" encoding="utf-8"?>
 <p:sld xmlns:a="http://schemas.openxmlformats.org/drawingml/2006/main" xmlns:r="http://schemas.openxmlformats.org/officeDocument/2006/relationships" xmlns:mc="http://schemas.openxmlformats.org/markup-compatibility/2006" xmlns:mv="urn:schemas-microsoft-com:mac:vml" xmlns:p="http://schemas.openxmlformats.org/presentationml/2006/main" xmlns:c="http://schemas.openxmlformats.org/drawingml/2006/chart" xmlns:dgm="http://schemas.openxmlformats.org/drawingml/2006/diagram" xmlns:o="urn:schemas-microsoft-com:office:office" xmlns:v="urn:schemas-microsoft-com:vml" xmlns:pvml="urn:schemas-microsoft-com:office:powerpoint" xmlns:com="http://schemas.openxmlformats.org/drawingml/2006/compatibility" xmlns:p14="http://schemas.microsoft.com/office/powerpoint/2010/main" xmlns:p15="http://schemas.microsoft.com/office/powerpoint/2012/main" xmlns:ahyp="http://schemas.microsoft.com/office/drawing/2018/hyperlinkcolor">
   <p:cSld>
     <p:spTree>
       <p:nvGrpSpPr>
-        <p:cNvPr id="104" name="Shape 104"/>
+        <p:cNvPr id="112" name="Shape 112"/>
         <p:cNvGrpSpPr/>
         <p:nvPr/>
       </p:nvGrpSpPr>
@@ -7963,7 +8292,7 @@
       </p:grpSpPr>
       <p:sp>
         <p:nvSpPr>
-          <p:cNvPr id="105" name="Google Shape;105;p20"/>
+          <p:cNvPr id="113" name="Google Shape;113;p21"/>
           <p:cNvSpPr txBox="1"/>
           <p:nvPr>
             <p:ph type="title"/>
@@ -8003,7 +8332,7 @@
       </p:sp>
       <p:sp>
         <p:nvSpPr>
-          <p:cNvPr id="106" name="Google Shape;106;p20"/>
+          <p:cNvPr id="114" name="Google Shape;114;p21"/>
           <p:cNvSpPr txBox="1"/>
           <p:nvPr>
             <p:ph idx="1" type="body"/>

--- a/FOODFLIX.pptx
+++ b/FOODFLIX.pptx
@@ -1304,7 +1304,7 @@
   <p:cSld>
     <p:spTree>
       <p:nvGrpSpPr>
-        <p:cNvPr id="97" name="Shape 97"/>
+        <p:cNvPr id="99" name="Shape 99"/>
         <p:cNvGrpSpPr/>
         <p:nvPr/>
       </p:nvGrpSpPr>
@@ -1318,7 +1318,7 @@
       </p:grpSpPr>
       <p:sp>
         <p:nvSpPr>
-          <p:cNvPr id="98" name="Google Shape;98;gc8cabebcc4_1_0:notes"/>
+          <p:cNvPr id="100" name="Google Shape;100;gc8cabebcc4_1_0:notes"/>
           <p:cNvSpPr/>
           <p:nvPr>
             <p:ph idx="2" type="sldImg"/>
@@ -1353,7 +1353,7 @@
       </p:sp>
       <p:sp>
         <p:nvSpPr>
-          <p:cNvPr id="99" name="Google Shape;99;gc8cabebcc4_1_0:notes"/>
+          <p:cNvPr id="101" name="Google Shape;101;gc8cabebcc4_1_0:notes"/>
           <p:cNvSpPr txBox="1"/>
           <p:nvPr>
             <p:ph idx="1" type="body"/>
@@ -1403,7 +1403,7 @@
   <p:cSld>
     <p:spTree>
       <p:nvGrpSpPr>
-        <p:cNvPr id="103" name="Shape 103"/>
+        <p:cNvPr id="105" name="Shape 105"/>
         <p:cNvGrpSpPr/>
         <p:nvPr/>
       </p:nvGrpSpPr>
@@ -1417,7 +1417,7 @@
       </p:grpSpPr>
       <p:sp>
         <p:nvSpPr>
-          <p:cNvPr id="104" name="Google Shape;104;gc8cabebcc4_1_5:notes"/>
+          <p:cNvPr id="106" name="Google Shape;106;gc8cabebcc4_1_5:notes"/>
           <p:cNvSpPr/>
           <p:nvPr>
             <p:ph idx="2" type="sldImg"/>
@@ -1452,7 +1452,7 @@
       </p:sp>
       <p:sp>
         <p:nvSpPr>
-          <p:cNvPr id="105" name="Google Shape;105;gc8cabebcc4_1_5:notes"/>
+          <p:cNvPr id="107" name="Google Shape;107;gc8cabebcc4_1_5:notes"/>
           <p:cNvSpPr txBox="1"/>
           <p:nvPr>
             <p:ph idx="1" type="body"/>
@@ -1502,7 +1502,7 @@
   <p:cSld>
     <p:spTree>
       <p:nvGrpSpPr>
-        <p:cNvPr id="109" name="Shape 109"/>
+        <p:cNvPr id="111" name="Shape 111"/>
         <p:cNvGrpSpPr/>
         <p:nvPr/>
       </p:nvGrpSpPr>
@@ -1516,7 +1516,7 @@
       </p:grpSpPr>
       <p:sp>
         <p:nvSpPr>
-          <p:cNvPr id="110" name="Google Shape;110;gc8cabebcc4_1_10:notes"/>
+          <p:cNvPr id="112" name="Google Shape;112;gc8cabebcc4_1_10:notes"/>
           <p:cNvSpPr/>
           <p:nvPr>
             <p:ph idx="2" type="sldImg"/>
@@ -1551,7 +1551,7 @@
       </p:sp>
       <p:sp>
         <p:nvSpPr>
-          <p:cNvPr id="111" name="Google Shape;111;gc8cabebcc4_1_10:notes"/>
+          <p:cNvPr id="113" name="Google Shape;113;gc8cabebcc4_1_10:notes"/>
           <p:cNvSpPr txBox="1"/>
           <p:nvPr>
             <p:ph idx="1" type="body"/>
@@ -7874,7 +7874,7 @@
         <p:spPr>
           <a:xfrm>
             <a:off x="2061725" y="1441300"/>
-            <a:ext cx="5301600" cy="1046700"/>
+            <a:ext cx="6666300" cy="1046700"/>
           </a:xfrm>
           <a:prstGeom prst="rect">
             <a:avLst/>
@@ -7946,7 +7946,7 @@
                 <a:cs typeface="Average"/>
                 <a:sym typeface="Average"/>
               </a:rPr>
-              <a:t>load_data.py : pour charger le fichier .tsv en dataframe.</a:t>
+              <a:t>load_data.py : pour charger le fichier .tsv en dataframe. (10000 lignes 163 col)</a:t>
             </a:r>
             <a:endParaRPr>
               <a:solidFill>
@@ -7959,7 +7959,7 @@
             </a:endParaRPr>
           </a:p>
           <a:p>
-            <a:pPr indent="-317500" lvl="0" marL="457200" rtl="0" algn="l">
+            <a:pPr indent="-317500" lvl="0" marL="457200" rtl="0" algn="just">
               <a:spcBef>
                 <a:spcPts val="0"/>
               </a:spcBef>
@@ -7983,9 +7983,222 @@
                 <a:cs typeface="Average"/>
                 <a:sym typeface="Average"/>
               </a:rPr>
-              <a:t>first_cleaning.py : pour modifier le sample et le sauvegarder dans la base sql en tant que “first_sample”</a:t>
+              <a:t>first_cleaning.py : pour modifier le sample et le sauvegarder dans la base sql en tant que “first_sample”. Reste 10000 lignes et 117 colonnes</a:t>
             </a:r>
             <a:endParaRPr>
+              <a:solidFill>
+                <a:schemeClr val="dk1"/>
+              </a:solidFill>
+              <a:latin typeface="Average"/>
+              <a:ea typeface="Average"/>
+              <a:cs typeface="Average"/>
+              <a:sym typeface="Average"/>
+            </a:endParaRPr>
+          </a:p>
+        </p:txBody>
+      </p:sp>
+      <p:sp>
+        <p:nvSpPr>
+          <p:cNvPr id="97" name="Google Shape;97;p18"/>
+          <p:cNvSpPr txBox="1"/>
+          <p:nvPr/>
+        </p:nvSpPr>
+        <p:spPr>
+          <a:xfrm>
+            <a:off x="2025800" y="2945275"/>
+            <a:ext cx="6702300" cy="1046700"/>
+          </a:xfrm>
+          <a:prstGeom prst="rect">
+            <a:avLst/>
+          </a:prstGeom>
+          <a:noFill/>
+          <a:ln>
+            <a:noFill/>
+          </a:ln>
+        </p:spPr>
+        <p:txBody>
+          <a:bodyPr anchorCtr="0" anchor="t" bIns="91425" lIns="91425" spcFirstLastPara="1" rIns="91425" wrap="square" tIns="91425">
+            <a:spAutoFit/>
+          </a:bodyPr>
+          <a:lstStyle/>
+          <a:p>
+            <a:pPr indent="0" lvl="0" marL="0" rtl="0" algn="just">
+              <a:spcBef>
+                <a:spcPts val="0"/>
+              </a:spcBef>
+              <a:spcAft>
+                <a:spcPts val="0"/>
+              </a:spcAft>
+              <a:buNone/>
+            </a:pPr>
+            <a:r>
+              <a:rPr lang="fr">
+                <a:solidFill>
+                  <a:schemeClr val="dk1"/>
+                </a:solidFill>
+                <a:latin typeface="Average"/>
+                <a:ea typeface="Average"/>
+                <a:cs typeface="Average"/>
+                <a:sym typeface="Average"/>
+              </a:rPr>
+              <a:t>Choix des colonnes à garder: pour un MVP:</a:t>
+            </a:r>
+            <a:endParaRPr>
+              <a:solidFill>
+                <a:schemeClr val="dk1"/>
+              </a:solidFill>
+              <a:latin typeface="Average"/>
+              <a:ea typeface="Average"/>
+              <a:cs typeface="Average"/>
+              <a:sym typeface="Average"/>
+            </a:endParaRPr>
+          </a:p>
+          <a:p>
+            <a:pPr indent="-317500" lvl="0" marL="457200" rtl="0" algn="just">
+              <a:spcBef>
+                <a:spcPts val="0"/>
+              </a:spcBef>
+              <a:spcAft>
+                <a:spcPts val="0"/>
+              </a:spcAft>
+              <a:buClr>
+                <a:schemeClr val="dk1"/>
+              </a:buClr>
+              <a:buSzPts val="1400"/>
+              <a:buFont typeface="Average"/>
+              <a:buChar char="-"/>
+            </a:pPr>
+            <a:r>
+              <a:rPr lang="fr">
+                <a:solidFill>
+                  <a:schemeClr val="dk1"/>
+                </a:solidFill>
+                <a:latin typeface="Average"/>
+                <a:ea typeface="Average"/>
+                <a:cs typeface="Average"/>
+                <a:sym typeface="Average"/>
+              </a:rPr>
+              <a:t>Toutes les colonnes participant au calcul du Nutri-score.(8 colonnes)</a:t>
+            </a:r>
+            <a:endParaRPr>
+              <a:solidFill>
+                <a:schemeClr val="dk1"/>
+              </a:solidFill>
+              <a:latin typeface="Average"/>
+              <a:ea typeface="Average"/>
+              <a:cs typeface="Average"/>
+              <a:sym typeface="Average"/>
+            </a:endParaRPr>
+          </a:p>
+          <a:p>
+            <a:pPr indent="-317500" lvl="0" marL="457200" rtl="0" algn="just">
+              <a:spcBef>
+                <a:spcPts val="0"/>
+              </a:spcBef>
+              <a:spcAft>
+                <a:spcPts val="0"/>
+              </a:spcAft>
+              <a:buClr>
+                <a:schemeClr val="dk1"/>
+              </a:buClr>
+              <a:buSzPts val="1400"/>
+              <a:buFont typeface="Average"/>
+              <a:buChar char="-"/>
+            </a:pPr>
+            <a:r>
+              <a:rPr lang="fr">
+                <a:solidFill>
+                  <a:schemeClr val="dk1"/>
+                </a:solidFill>
+                <a:latin typeface="Average"/>
+                <a:ea typeface="Average"/>
+                <a:cs typeface="Average"/>
+                <a:sym typeface="Average"/>
+              </a:rPr>
+              <a:t>La dénomination du produit.(1 colonne)</a:t>
+            </a:r>
+            <a:endParaRPr>
+              <a:solidFill>
+                <a:schemeClr val="dk1"/>
+              </a:solidFill>
+              <a:latin typeface="Average"/>
+              <a:ea typeface="Average"/>
+              <a:cs typeface="Average"/>
+              <a:sym typeface="Average"/>
+            </a:endParaRPr>
+          </a:p>
+          <a:p>
+            <a:pPr indent="0" lvl="0" marL="0" rtl="0" algn="just">
+              <a:spcBef>
+                <a:spcPts val="0"/>
+              </a:spcBef>
+              <a:spcAft>
+                <a:spcPts val="0"/>
+              </a:spcAft>
+              <a:buNone/>
+            </a:pPr>
+            <a:r>
+              <a:t/>
+            </a:r>
+            <a:endParaRPr>
+              <a:solidFill>
+                <a:schemeClr val="dk1"/>
+              </a:solidFill>
+              <a:latin typeface="Average"/>
+              <a:ea typeface="Average"/>
+              <a:cs typeface="Average"/>
+              <a:sym typeface="Average"/>
+            </a:endParaRPr>
+          </a:p>
+        </p:txBody>
+      </p:sp>
+      <p:sp>
+        <p:nvSpPr>
+          <p:cNvPr id="98" name="Google Shape;98;p18"/>
+          <p:cNvSpPr txBox="1"/>
+          <p:nvPr/>
+        </p:nvSpPr>
+        <p:spPr>
+          <a:xfrm>
+            <a:off x="2025800" y="4144975"/>
+            <a:ext cx="6666300" cy="431100"/>
+          </a:xfrm>
+          <a:prstGeom prst="rect">
+            <a:avLst/>
+          </a:prstGeom>
+          <a:noFill/>
+          <a:ln>
+            <a:noFill/>
+          </a:ln>
+        </p:spPr>
+        <p:txBody>
+          <a:bodyPr anchorCtr="0" anchor="t" bIns="91425" lIns="91425" spcFirstLastPara="1" rIns="91425" wrap="square" tIns="91425">
+            <a:spAutoFit/>
+          </a:bodyPr>
+          <a:lstStyle/>
+          <a:p>
+            <a:pPr indent="0" lvl="0" marL="0" rtl="0" algn="l">
+              <a:spcBef>
+                <a:spcPts val="0"/>
+              </a:spcBef>
+              <a:spcAft>
+                <a:spcPts val="0"/>
+              </a:spcAft>
+              <a:buNone/>
+            </a:pPr>
+            <a:r>
+              <a:rPr lang="fr" sz="1600">
+                <a:solidFill>
+                  <a:schemeClr val="dk1"/>
+                </a:solidFill>
+                <a:latin typeface="Average"/>
+                <a:ea typeface="Average"/>
+                <a:cs typeface="Average"/>
+                <a:sym typeface="Average"/>
+              </a:rPr>
+              <a:t>Le sample final comprend 10 000 lignes et 9 colonnes</a:t>
+            </a:r>
+            <a:endParaRPr sz="1600">
               <a:solidFill>
                 <a:schemeClr val="dk1"/>
               </a:solidFill>
@@ -8010,7 +8223,7 @@
   <p:cSld>
     <p:spTree>
       <p:nvGrpSpPr>
-        <p:cNvPr id="100" name="Shape 100"/>
+        <p:cNvPr id="102" name="Shape 102"/>
         <p:cNvGrpSpPr/>
         <p:nvPr/>
       </p:nvGrpSpPr>
@@ -8024,7 +8237,7 @@
       </p:grpSpPr>
       <p:sp>
         <p:nvSpPr>
-          <p:cNvPr id="101" name="Google Shape;101;p19"/>
+          <p:cNvPr id="103" name="Google Shape;103;p19"/>
           <p:cNvSpPr txBox="1"/>
           <p:nvPr>
             <p:ph type="title"/>
@@ -8064,7 +8277,7 @@
       </p:sp>
       <p:sp>
         <p:nvSpPr>
-          <p:cNvPr id="102" name="Google Shape;102;p19"/>
+          <p:cNvPr id="104" name="Google Shape;104;p19"/>
           <p:cNvSpPr txBox="1"/>
           <p:nvPr>
             <p:ph idx="1" type="body"/>
@@ -8114,7 +8327,7 @@
   <p:cSld>
     <p:spTree>
       <p:nvGrpSpPr>
-        <p:cNvPr id="106" name="Shape 106"/>
+        <p:cNvPr id="108" name="Shape 108"/>
         <p:cNvGrpSpPr/>
         <p:nvPr/>
       </p:nvGrpSpPr>
@@ -8128,7 +8341,7 @@
       </p:grpSpPr>
       <p:sp>
         <p:nvSpPr>
-          <p:cNvPr id="107" name="Google Shape;107;p20"/>
+          <p:cNvPr id="109" name="Google Shape;109;p20"/>
           <p:cNvSpPr txBox="1"/>
           <p:nvPr>
             <p:ph type="title"/>
@@ -8168,7 +8381,7 @@
       </p:sp>
       <p:sp>
         <p:nvSpPr>
-          <p:cNvPr id="108" name="Google Shape;108;p20"/>
+          <p:cNvPr id="110" name="Google Shape;110;p20"/>
           <p:cNvSpPr txBox="1"/>
           <p:nvPr>
             <p:ph idx="1" type="body"/>
@@ -8278,7 +8491,7 @@
   <p:cSld>
     <p:spTree>
       <p:nvGrpSpPr>
-        <p:cNvPr id="112" name="Shape 112"/>
+        <p:cNvPr id="114" name="Shape 114"/>
         <p:cNvGrpSpPr/>
         <p:nvPr/>
       </p:nvGrpSpPr>
@@ -8292,7 +8505,7 @@
       </p:grpSpPr>
       <p:sp>
         <p:nvSpPr>
-          <p:cNvPr id="113" name="Google Shape;113;p21"/>
+          <p:cNvPr id="115" name="Google Shape;115;p21"/>
           <p:cNvSpPr txBox="1"/>
           <p:nvPr>
             <p:ph type="title"/>
@@ -8332,7 +8545,7 @@
       </p:sp>
       <p:sp>
         <p:nvSpPr>
-          <p:cNvPr id="114" name="Google Shape;114;p21"/>
+          <p:cNvPr id="116" name="Google Shape;116;p21"/>
           <p:cNvSpPr txBox="1"/>
           <p:nvPr>
             <p:ph idx="1" type="body"/>

--- a/FOODFLIX.pptx
+++ b/FOODFLIX.pptx
@@ -1304,7 +1304,7 @@
   <p:cSld>
     <p:spTree>
       <p:nvGrpSpPr>
-        <p:cNvPr id="99" name="Shape 99"/>
+        <p:cNvPr id="100" name="Shape 100"/>
         <p:cNvGrpSpPr/>
         <p:nvPr/>
       </p:nvGrpSpPr>
@@ -1318,7 +1318,7 @@
       </p:grpSpPr>
       <p:sp>
         <p:nvSpPr>
-          <p:cNvPr id="100" name="Google Shape;100;gc8cabebcc4_1_0:notes"/>
+          <p:cNvPr id="101" name="Google Shape;101;gc8cabebcc4_1_0:notes"/>
           <p:cNvSpPr/>
           <p:nvPr>
             <p:ph idx="2" type="sldImg"/>
@@ -1353,7 +1353,7 @@
       </p:sp>
       <p:sp>
         <p:nvSpPr>
-          <p:cNvPr id="101" name="Google Shape;101;gc8cabebcc4_1_0:notes"/>
+          <p:cNvPr id="102" name="Google Shape;102;gc8cabebcc4_1_0:notes"/>
           <p:cNvSpPr txBox="1"/>
           <p:nvPr>
             <p:ph idx="1" type="body"/>
@@ -1403,7 +1403,7 @@
   <p:cSld>
     <p:spTree>
       <p:nvGrpSpPr>
-        <p:cNvPr id="105" name="Shape 105"/>
+        <p:cNvPr id="106" name="Shape 106"/>
         <p:cNvGrpSpPr/>
         <p:nvPr/>
       </p:nvGrpSpPr>
@@ -1417,7 +1417,7 @@
       </p:grpSpPr>
       <p:sp>
         <p:nvSpPr>
-          <p:cNvPr id="106" name="Google Shape;106;gc8cabebcc4_1_5:notes"/>
+          <p:cNvPr id="107" name="Google Shape;107;gc8cabebcc4_1_5:notes"/>
           <p:cNvSpPr/>
           <p:nvPr>
             <p:ph idx="2" type="sldImg"/>
@@ -1452,7 +1452,7 @@
       </p:sp>
       <p:sp>
         <p:nvSpPr>
-          <p:cNvPr id="107" name="Google Shape;107;gc8cabebcc4_1_5:notes"/>
+          <p:cNvPr id="108" name="Google Shape;108;gc8cabebcc4_1_5:notes"/>
           <p:cNvSpPr txBox="1"/>
           <p:nvPr>
             <p:ph idx="1" type="body"/>
@@ -1502,7 +1502,7 @@
   <p:cSld>
     <p:spTree>
       <p:nvGrpSpPr>
-        <p:cNvPr id="111" name="Shape 111"/>
+        <p:cNvPr id="114" name="Shape 114"/>
         <p:cNvGrpSpPr/>
         <p:nvPr/>
       </p:nvGrpSpPr>
@@ -1516,7 +1516,7 @@
       </p:grpSpPr>
       <p:sp>
         <p:nvSpPr>
-          <p:cNvPr id="112" name="Google Shape;112;gc8cabebcc4_1_10:notes"/>
+          <p:cNvPr id="115" name="Google Shape;115;gc8cabebcc4_1_10:notes"/>
           <p:cNvSpPr/>
           <p:nvPr>
             <p:ph idx="2" type="sldImg"/>
@@ -1551,7 +1551,7 @@
       </p:sp>
       <p:sp>
         <p:nvSpPr>
-          <p:cNvPr id="113" name="Google Shape;113;gc8cabebcc4_1_10:notes"/>
+          <p:cNvPr id="116" name="Google Shape;116;gc8cabebcc4_1_10:notes"/>
           <p:cNvSpPr txBox="1"/>
           <p:nvPr>
             <p:ph idx="1" type="body"/>
@@ -7873,7 +7873,7 @@
         </p:nvSpPr>
         <p:spPr>
           <a:xfrm>
-            <a:off x="2061725" y="1441300"/>
+            <a:off x="2043725" y="1155300"/>
             <a:ext cx="6666300" cy="1046700"/>
           </a:xfrm>
           <a:prstGeom prst="rect">
@@ -7983,7 +7983,7 @@
                 <a:cs typeface="Average"/>
                 <a:sym typeface="Average"/>
               </a:rPr>
-              <a:t>first_cleaning.py : pour modifier le sample et le sauvegarder dans la base sql en tant que “first_sample”. Reste 10000 lignes et 117 colonnes</a:t>
+              <a:t>first_cleaning.py : pour modifier le sample et le sauvegarder dans la base sql en tant que “food_fact”. </a:t>
             </a:r>
             <a:endParaRPr>
               <a:solidFill>
@@ -8005,8 +8005,8 @@
         </p:nvSpPr>
         <p:spPr>
           <a:xfrm>
-            <a:off x="2025800" y="2945275"/>
-            <a:ext cx="6702300" cy="1046700"/>
+            <a:off x="2025725" y="2230800"/>
+            <a:ext cx="6702300" cy="1477500"/>
           </a:xfrm>
           <a:prstGeom prst="rect">
             <a:avLst/>
@@ -8128,6 +8128,75 @@
             </a:endParaRPr>
           </a:p>
           <a:p>
+            <a:pPr indent="-317500" lvl="0" marL="457200" rtl="0" algn="just">
+              <a:spcBef>
+                <a:spcPts val="0"/>
+              </a:spcBef>
+              <a:spcAft>
+                <a:spcPts val="0"/>
+              </a:spcAft>
+              <a:buClr>
+                <a:schemeClr val="dk1"/>
+              </a:buClr>
+              <a:buSzPts val="1400"/>
+              <a:buFont typeface="Average"/>
+              <a:buChar char="-"/>
+            </a:pPr>
+            <a:r>
+              <a:rPr lang="fr">
+                <a:solidFill>
+                  <a:schemeClr val="dk1"/>
+                </a:solidFill>
+                <a:latin typeface="Average"/>
+                <a:ea typeface="Average"/>
+                <a:cs typeface="Average"/>
+                <a:sym typeface="Average"/>
+              </a:rPr>
+              <a:t>Le Nutri-score francais</a:t>
+            </a:r>
+            <a:endParaRPr>
+              <a:solidFill>
+                <a:schemeClr val="dk1"/>
+              </a:solidFill>
+              <a:latin typeface="Average"/>
+              <a:ea typeface="Average"/>
+              <a:cs typeface="Average"/>
+              <a:sym typeface="Average"/>
+            </a:endParaRPr>
+          </a:p>
+          <a:p>
+            <a:pPr indent="0" lvl="0" marL="0" rtl="0" algn="just">
+              <a:spcBef>
+                <a:spcPts val="0"/>
+              </a:spcBef>
+              <a:spcAft>
+                <a:spcPts val="0"/>
+              </a:spcAft>
+              <a:buNone/>
+            </a:pPr>
+            <a:r>
+              <a:rPr lang="fr">
+                <a:solidFill>
+                  <a:schemeClr val="dk1"/>
+                </a:solidFill>
+                <a:latin typeface="Average"/>
+                <a:ea typeface="Average"/>
+                <a:cs typeface="Average"/>
+                <a:sym typeface="Average"/>
+              </a:rPr>
+              <a:t>Il n’y a donc pas de colonnes vides à supprimer</a:t>
+            </a:r>
+            <a:endParaRPr>
+              <a:solidFill>
+                <a:schemeClr val="dk1"/>
+              </a:solidFill>
+              <a:latin typeface="Average"/>
+              <a:ea typeface="Average"/>
+              <a:cs typeface="Average"/>
+              <a:sym typeface="Average"/>
+            </a:endParaRPr>
+          </a:p>
+          <a:p>
             <a:pPr indent="0" lvl="0" marL="0" rtl="0" algn="just">
               <a:spcBef>
                 <a:spcPts val="0"/>
@@ -8160,7 +8229,7 @@
         </p:nvSpPr>
         <p:spPr>
           <a:xfrm>
-            <a:off x="2025800" y="4144975"/>
+            <a:off x="2043725" y="4453900"/>
             <a:ext cx="6666300" cy="431100"/>
           </a:xfrm>
           <a:prstGeom prst="rect">
@@ -8210,6 +8279,100 @@
           </a:p>
         </p:txBody>
       </p:sp>
+      <p:sp>
+        <p:nvSpPr>
+          <p:cNvPr id="99" name="Google Shape;99;p18"/>
+          <p:cNvSpPr txBox="1"/>
+          <p:nvPr/>
+        </p:nvSpPr>
+        <p:spPr>
+          <a:xfrm>
+            <a:off x="2043725" y="3737100"/>
+            <a:ext cx="6587400" cy="615600"/>
+          </a:xfrm>
+          <a:prstGeom prst="rect">
+            <a:avLst/>
+          </a:prstGeom>
+          <a:noFill/>
+          <a:ln>
+            <a:noFill/>
+          </a:ln>
+        </p:spPr>
+        <p:txBody>
+          <a:bodyPr anchorCtr="0" anchor="t" bIns="91425" lIns="91425" spcFirstLastPara="1" rIns="91425" wrap="square" tIns="91425">
+            <a:spAutoFit/>
+          </a:bodyPr>
+          <a:lstStyle/>
+          <a:p>
+            <a:pPr indent="0" lvl="0" marL="0" rtl="0" algn="l">
+              <a:spcBef>
+                <a:spcPts val="0"/>
+              </a:spcBef>
+              <a:spcAft>
+                <a:spcPts val="0"/>
+              </a:spcAft>
+              <a:buNone/>
+            </a:pPr>
+            <a:r>
+              <a:rPr lang="fr">
+                <a:solidFill>
+                  <a:schemeClr val="dk1"/>
+                </a:solidFill>
+                <a:latin typeface="Average"/>
+                <a:ea typeface="Average"/>
+                <a:cs typeface="Average"/>
+                <a:sym typeface="Average"/>
+              </a:rPr>
+              <a:t>Après</a:t>
+            </a:r>
+            <a:r>
+              <a:rPr lang="fr">
+                <a:solidFill>
+                  <a:schemeClr val="dk1"/>
+                </a:solidFill>
+                <a:latin typeface="Average"/>
+                <a:ea typeface="Average"/>
+                <a:cs typeface="Average"/>
+                <a:sym typeface="Average"/>
+              </a:rPr>
+              <a:t> avoir conservé 9 colonnes il </a:t>
+            </a:r>
+            <a:r>
+              <a:rPr lang="fr">
+                <a:solidFill>
+                  <a:schemeClr val="dk1"/>
+                </a:solidFill>
+                <a:latin typeface="Average"/>
+                <a:ea typeface="Average"/>
+                <a:cs typeface="Average"/>
+                <a:sym typeface="Average"/>
+              </a:rPr>
+              <a:t>apparaît</a:t>
+            </a:r>
+            <a:r>
+              <a:rPr lang="fr">
+                <a:solidFill>
+                  <a:schemeClr val="dk1"/>
+                </a:solidFill>
+                <a:latin typeface="Average"/>
+                <a:ea typeface="Average"/>
+                <a:cs typeface="Average"/>
+                <a:sym typeface="Average"/>
+              </a:rPr>
+              <a:t> que certaine lignes sont vides. Je supprime les lignes vides.</a:t>
+            </a:r>
+            <a:endParaRPr>
+              <a:solidFill>
+                <a:schemeClr val="dk1"/>
+              </a:solidFill>
+              <a:latin typeface="Average"/>
+              <a:ea typeface="Average"/>
+              <a:cs typeface="Average"/>
+              <a:sym typeface="Average"/>
+            </a:endParaRPr>
+          </a:p>
+        </p:txBody>
+      </p:sp>
     </p:spTree>
   </p:cSld>
   <p:clrMapOvr>
@@ -8223,7 +8386,7 @@
   <p:cSld>
     <p:spTree>
       <p:nvGrpSpPr>
-        <p:cNvPr id="102" name="Shape 102"/>
+        <p:cNvPr id="103" name="Shape 103"/>
         <p:cNvGrpSpPr/>
         <p:nvPr/>
       </p:nvGrpSpPr>
@@ -8237,7 +8400,7 @@
       </p:grpSpPr>
       <p:sp>
         <p:nvSpPr>
-          <p:cNvPr id="103" name="Google Shape;103;p19"/>
+          <p:cNvPr id="104" name="Google Shape;104;p19"/>
           <p:cNvSpPr txBox="1"/>
           <p:nvPr>
             <p:ph type="title"/>
@@ -8277,7 +8440,7 @@
       </p:sp>
       <p:sp>
         <p:nvSpPr>
-          <p:cNvPr id="104" name="Google Shape;104;p19"/>
+          <p:cNvPr id="105" name="Google Shape;105;p19"/>
           <p:cNvSpPr txBox="1"/>
           <p:nvPr>
             <p:ph idx="1" type="body"/>
@@ -8327,7 +8490,7 @@
   <p:cSld>
     <p:spTree>
       <p:nvGrpSpPr>
-        <p:cNvPr id="108" name="Shape 108"/>
+        <p:cNvPr id="109" name="Shape 109"/>
         <p:cNvGrpSpPr/>
         <p:nvPr/>
       </p:nvGrpSpPr>
@@ -8341,7 +8504,7 @@
       </p:grpSpPr>
       <p:sp>
         <p:nvSpPr>
-          <p:cNvPr id="109" name="Google Shape;109;p20"/>
+          <p:cNvPr id="110" name="Google Shape;110;p20"/>
           <p:cNvSpPr txBox="1"/>
           <p:nvPr>
             <p:ph type="title"/>
@@ -8373,7 +8536,7 @@
             </a:pPr>
             <a:r>
               <a:rPr lang="fr"/>
-              <a:t>livrable n°1: état des lieux des data not clean et analyse</a:t>
+              <a:t>Data cleaning</a:t>
             </a:r>
             <a:endParaRPr/>
           </a:p>
@@ -8381,7 +8544,7 @@
       </p:sp>
       <p:sp>
         <p:nvSpPr>
-          <p:cNvPr id="110" name="Google Shape;110;p20"/>
+          <p:cNvPr id="111" name="Google Shape;111;p20"/>
           <p:cNvSpPr txBox="1"/>
           <p:nvPr>
             <p:ph idx="1" type="body"/>
@@ -8478,6 +8641,92 @@
           </a:p>
         </p:txBody>
       </p:sp>
+      <p:pic>
+        <p:nvPicPr>
+          <p:cNvPr id="112" name="Google Shape;112;p20"/>
+          <p:cNvPicPr preferRelativeResize="0"/>
+          <p:nvPr/>
+        </p:nvPicPr>
+        <p:blipFill>
+          <a:blip r:embed="rId3">
+            <a:alphaModFix/>
+          </a:blip>
+          <a:stretch>
+            <a:fillRect/>
+          </a:stretch>
+        </p:blipFill>
+        <p:spPr>
+          <a:xfrm>
+            <a:off x="4408261" y="1063175"/>
+            <a:ext cx="4264125" cy="3958200"/>
+          </a:xfrm>
+          <a:prstGeom prst="rect">
+            <a:avLst/>
+          </a:prstGeom>
+          <a:noFill/>
+          <a:ln>
+            <a:noFill/>
+          </a:ln>
+        </p:spPr>
+      </p:pic>
+      <p:sp>
+        <p:nvSpPr>
+          <p:cNvPr id="113" name="Google Shape;113;p20"/>
+          <p:cNvSpPr txBox="1"/>
+          <p:nvPr/>
+        </p:nvSpPr>
+        <p:spPr>
+          <a:xfrm>
+            <a:off x="150850" y="1831825"/>
+            <a:ext cx="4137900" cy="400200"/>
+          </a:xfrm>
+          <a:prstGeom prst="rect">
+            <a:avLst/>
+          </a:prstGeom>
+          <a:noFill/>
+          <a:ln>
+            <a:noFill/>
+          </a:ln>
+        </p:spPr>
+        <p:txBody>
+          <a:bodyPr anchorCtr="0" anchor="t" bIns="91425" lIns="91425" spcFirstLastPara="1" rIns="91425" wrap="square" tIns="91425">
+            <a:spAutoFit/>
+          </a:bodyPr>
+          <a:lstStyle/>
+          <a:p>
+            <a:pPr indent="0" lvl="0" marL="0" rtl="0" algn="l">
+              <a:spcBef>
+                <a:spcPts val="0"/>
+              </a:spcBef>
+              <a:spcAft>
+                <a:spcPts val="0"/>
+              </a:spcAft>
+              <a:buNone/>
+            </a:pPr>
+            <a:r>
+              <a:rPr lang="fr">
+                <a:solidFill>
+                  <a:schemeClr val="dk1"/>
+                </a:solidFill>
+                <a:latin typeface="Average"/>
+                <a:ea typeface="Average"/>
+                <a:cs typeface="Average"/>
+                <a:sym typeface="Average"/>
+              </a:rPr>
+              <a:t>Voir Jupyter notebook : </a:t>
+            </a:r>
+            <a:endParaRPr>
+              <a:solidFill>
+                <a:schemeClr val="dk1"/>
+              </a:solidFill>
+              <a:latin typeface="Average"/>
+              <a:ea typeface="Average"/>
+              <a:cs typeface="Average"/>
+              <a:sym typeface="Average"/>
+            </a:endParaRPr>
+          </a:p>
+        </p:txBody>
+      </p:sp>
     </p:spTree>
   </p:cSld>
   <p:clrMapOvr>
@@ -8491,7 +8740,7 @@
   <p:cSld>
     <p:spTree>
       <p:nvGrpSpPr>
-        <p:cNvPr id="114" name="Shape 114"/>
+        <p:cNvPr id="117" name="Shape 117"/>
         <p:cNvGrpSpPr/>
         <p:nvPr/>
       </p:nvGrpSpPr>
@@ -8505,7 +8754,7 @@
       </p:grpSpPr>
       <p:sp>
         <p:nvSpPr>
-          <p:cNvPr id="115" name="Google Shape;115;p21"/>
+          <p:cNvPr id="118" name="Google Shape;118;p21"/>
           <p:cNvSpPr txBox="1"/>
           <p:nvPr>
             <p:ph type="title"/>
@@ -8545,7 +8794,7 @@
       </p:sp>
       <p:sp>
         <p:nvSpPr>
-          <p:cNvPr id="116" name="Google Shape;116;p21"/>
+          <p:cNvPr id="119" name="Google Shape;119;p21"/>
           <p:cNvSpPr txBox="1"/>
           <p:nvPr>
             <p:ph idx="1" type="body"/>

--- a/FOODFLIX.pptx
+++ b/FOODFLIX.pptx
@@ -17,18 +17,20 @@
     <p:sldId id="262" r:id="rId12"/>
     <p:sldId id="263" r:id="rId13"/>
     <p:sldId id="264" r:id="rId14"/>
+    <p:sldId id="265" r:id="rId15"/>
+    <p:sldId id="266" r:id="rId16"/>
   </p:sldIdLst>
   <p:sldSz cy="5143500" cx="9144000"/>
   <p:notesSz cx="6858000" cy="9144000"/>
   <p:embeddedFontLst>
     <p:embeddedFont>
       <p:font typeface="Average"/>
-      <p:regular r:id="rId15"/>
+      <p:regular r:id="rId17"/>
     </p:embeddedFont>
     <p:embeddedFont>
       <p:font typeface="Oswald"/>
-      <p:regular r:id="rId16"/>
-      <p:bold r:id="rId17"/>
+      <p:regular r:id="rId18"/>
+      <p:bold r:id="rId19"/>
     </p:embeddedFont>
   </p:embeddedFontLst>
   <p:defaultTextStyle>
@@ -804,12 +806,12 @@
 </p:notes>
 </file>
 
-<file path=ppt/notesSlides/notesSlide2.xml><?xml version="1.0" encoding="utf-8"?>
+<file path=ppt/notesSlides/notesSlide10.xml><?xml version="1.0" encoding="utf-8"?>
 <p:notes xmlns:a="http://schemas.openxmlformats.org/drawingml/2006/main" xmlns:r="http://schemas.openxmlformats.org/officeDocument/2006/relationships" xmlns:mc="http://schemas.openxmlformats.org/markup-compatibility/2006" xmlns:mv="urn:schemas-microsoft-com:mac:vml" xmlns:p="http://schemas.openxmlformats.org/presentationml/2006/main" xmlns:c="http://schemas.openxmlformats.org/drawingml/2006/chart" xmlns:dgm="http://schemas.openxmlformats.org/drawingml/2006/diagram" xmlns:o="urn:schemas-microsoft-com:office:office" xmlns:v="urn:schemas-microsoft-com:vml" xmlns:pvml="urn:schemas-microsoft-com:office:powerpoint" xmlns:com="http://schemas.openxmlformats.org/drawingml/2006/compatibility" xmlns:p14="http://schemas.microsoft.com/office/powerpoint/2010/main" xmlns:p15="http://schemas.microsoft.com/office/powerpoint/2012/main" xmlns:ahyp="http://schemas.microsoft.com/office/drawing/2018/hyperlinkcolor" showMasterPhAnim="0" showMasterSp="0">
   <p:cSld>
     <p:spTree>
       <p:nvGrpSpPr>
-        <p:cNvPr id="61" name="Shape 61"/>
+        <p:cNvPr id="113" name="Shape 113"/>
         <p:cNvGrpSpPr/>
         <p:nvPr/>
       </p:nvGrpSpPr>
@@ -823,7 +825,7 @@
       </p:grpSpPr>
       <p:sp>
         <p:nvSpPr>
-          <p:cNvPr id="62" name="Google Shape;62;gc8cabebcc4_0_99:notes"/>
+          <p:cNvPr id="114" name="Google Shape;114;gca2beed3b8_0_50:notes"/>
           <p:cNvSpPr/>
           <p:nvPr>
             <p:ph idx="2" type="sldImg"/>
@@ -858,7 +860,205 @@
       </p:sp>
       <p:sp>
         <p:nvSpPr>
-          <p:cNvPr id="63" name="Google Shape;63;gc8cabebcc4_0_99:notes"/>
+          <p:cNvPr id="115" name="Google Shape;115;gca2beed3b8_0_50:notes"/>
+          <p:cNvSpPr txBox="1"/>
+          <p:nvPr>
+            <p:ph idx="1" type="body"/>
+          </p:nvPr>
+        </p:nvSpPr>
+        <p:spPr>
+          <a:xfrm>
+            <a:off x="685800" y="4343400"/>
+            <a:ext cx="5486400" cy="4114800"/>
+          </a:xfrm>
+          <a:prstGeom prst="rect">
+            <a:avLst/>
+          </a:prstGeom>
+        </p:spPr>
+        <p:txBody>
+          <a:bodyPr anchorCtr="0" anchor="t" bIns="91425" lIns="91425" spcFirstLastPara="1" rIns="91425" wrap="square" tIns="91425">
+            <a:noAutofit/>
+          </a:bodyPr>
+          <a:lstStyle/>
+          <a:p>
+            <a:pPr indent="0" lvl="0" marL="0" rtl="0" algn="l">
+              <a:spcBef>
+                <a:spcPts val="0"/>
+              </a:spcBef>
+              <a:spcAft>
+                <a:spcPts val="0"/>
+              </a:spcAft>
+              <a:buNone/>
+            </a:pPr>
+            <a:r>
+              <a:t/>
+            </a:r>
+            <a:endParaRPr/>
+          </a:p>
+        </p:txBody>
+      </p:sp>
+    </p:spTree>
+  </p:cSld>
+  <p:clrMapOvr>
+    <a:masterClrMapping/>
+  </p:clrMapOvr>
+</p:notes>
+</file>
+
+<file path=ppt/notesSlides/notesSlide11.xml><?xml version="1.0" encoding="utf-8"?>
+<p:notes xmlns:a="http://schemas.openxmlformats.org/drawingml/2006/main" xmlns:r="http://schemas.openxmlformats.org/officeDocument/2006/relationships" xmlns:mc="http://schemas.openxmlformats.org/markup-compatibility/2006" xmlns:mv="urn:schemas-microsoft-com:mac:vml" xmlns:p="http://schemas.openxmlformats.org/presentationml/2006/main" xmlns:c="http://schemas.openxmlformats.org/drawingml/2006/chart" xmlns:dgm="http://schemas.openxmlformats.org/drawingml/2006/diagram" xmlns:o="urn:schemas-microsoft-com:office:office" xmlns:v="urn:schemas-microsoft-com:vml" xmlns:pvml="urn:schemas-microsoft-com:office:powerpoint" xmlns:com="http://schemas.openxmlformats.org/drawingml/2006/compatibility" xmlns:p14="http://schemas.microsoft.com/office/powerpoint/2010/main" xmlns:p15="http://schemas.microsoft.com/office/powerpoint/2012/main" xmlns:ahyp="http://schemas.microsoft.com/office/drawing/2018/hyperlinkcolor" showMasterPhAnim="0" showMasterSp="0">
+  <p:cSld>
+    <p:spTree>
+      <p:nvGrpSpPr>
+        <p:cNvPr id="119" name="Shape 119"/>
+        <p:cNvGrpSpPr/>
+        <p:nvPr/>
+      </p:nvGrpSpPr>
+      <p:grpSpPr>
+        <a:xfrm>
+          <a:off x="0" y="0"/>
+          <a:ext cx="0" cy="0"/>
+          <a:chOff x="0" y="0"/>
+          <a:chExt cx="0" cy="0"/>
+        </a:xfrm>
+      </p:grpSpPr>
+      <p:sp>
+        <p:nvSpPr>
+          <p:cNvPr id="120" name="Google Shape;120;gca2beed3b8_0_55:notes"/>
+          <p:cNvSpPr/>
+          <p:nvPr>
+            <p:ph idx="2" type="sldImg"/>
+          </p:nvPr>
+        </p:nvSpPr>
+        <p:spPr>
+          <a:xfrm>
+            <a:off x="381300" y="685800"/>
+            <a:ext cx="6096000" cy="3429000"/>
+          </a:xfrm>
+          <a:custGeom>
+            <a:rect b="b" l="l" r="r" t="t"/>
+            <a:pathLst>
+              <a:path extrusionOk="0" h="120000" w="120000">
+                <a:moveTo>
+                  <a:pt x="0" y="0"/>
+                </a:moveTo>
+                <a:lnTo>
+                  <a:pt x="120000" y="0"/>
+                </a:lnTo>
+                <a:lnTo>
+                  <a:pt x="120000" y="120000"/>
+                </a:lnTo>
+                <a:lnTo>
+                  <a:pt x="0" y="120000"/>
+                </a:lnTo>
+                <a:close/>
+              </a:path>
+            </a:pathLst>
+          </a:custGeom>
+        </p:spPr>
+      </p:sp>
+      <p:sp>
+        <p:nvSpPr>
+          <p:cNvPr id="121" name="Google Shape;121;gca2beed3b8_0_55:notes"/>
+          <p:cNvSpPr txBox="1"/>
+          <p:nvPr>
+            <p:ph idx="1" type="body"/>
+          </p:nvPr>
+        </p:nvSpPr>
+        <p:spPr>
+          <a:xfrm>
+            <a:off x="685800" y="4343400"/>
+            <a:ext cx="5486400" cy="4114800"/>
+          </a:xfrm>
+          <a:prstGeom prst="rect">
+            <a:avLst/>
+          </a:prstGeom>
+        </p:spPr>
+        <p:txBody>
+          <a:bodyPr anchorCtr="0" anchor="t" bIns="91425" lIns="91425" spcFirstLastPara="1" rIns="91425" wrap="square" tIns="91425">
+            <a:noAutofit/>
+          </a:bodyPr>
+          <a:lstStyle/>
+          <a:p>
+            <a:pPr indent="0" lvl="0" marL="0" rtl="0" algn="l">
+              <a:spcBef>
+                <a:spcPts val="0"/>
+              </a:spcBef>
+              <a:spcAft>
+                <a:spcPts val="0"/>
+              </a:spcAft>
+              <a:buNone/>
+            </a:pPr>
+            <a:r>
+              <a:t/>
+            </a:r>
+            <a:endParaRPr/>
+          </a:p>
+        </p:txBody>
+      </p:sp>
+    </p:spTree>
+  </p:cSld>
+  <p:clrMapOvr>
+    <a:masterClrMapping/>
+  </p:clrMapOvr>
+</p:notes>
+</file>
+
+<file path=ppt/notesSlides/notesSlide2.xml><?xml version="1.0" encoding="utf-8"?>
+<p:notes xmlns:a="http://schemas.openxmlformats.org/drawingml/2006/main" xmlns:r="http://schemas.openxmlformats.org/officeDocument/2006/relationships" xmlns:mc="http://schemas.openxmlformats.org/markup-compatibility/2006" xmlns:mv="urn:schemas-microsoft-com:mac:vml" xmlns:p="http://schemas.openxmlformats.org/presentationml/2006/main" xmlns:c="http://schemas.openxmlformats.org/drawingml/2006/chart" xmlns:dgm="http://schemas.openxmlformats.org/drawingml/2006/diagram" xmlns:o="urn:schemas-microsoft-com:office:office" xmlns:v="urn:schemas-microsoft-com:vml" xmlns:pvml="urn:schemas-microsoft-com:office:powerpoint" xmlns:com="http://schemas.openxmlformats.org/drawingml/2006/compatibility" xmlns:p14="http://schemas.microsoft.com/office/powerpoint/2010/main" xmlns:p15="http://schemas.microsoft.com/office/powerpoint/2012/main" xmlns:ahyp="http://schemas.microsoft.com/office/drawing/2018/hyperlinkcolor" showMasterPhAnim="0" showMasterSp="0">
+  <p:cSld>
+    <p:spTree>
+      <p:nvGrpSpPr>
+        <p:cNvPr id="61" name="Shape 61"/>
+        <p:cNvGrpSpPr/>
+        <p:nvPr/>
+      </p:nvGrpSpPr>
+      <p:grpSpPr>
+        <a:xfrm>
+          <a:off x="0" y="0"/>
+          <a:ext cx="0" cy="0"/>
+          <a:chOff x="0" y="0"/>
+          <a:chExt cx="0" cy="0"/>
+        </a:xfrm>
+      </p:grpSpPr>
+      <p:sp>
+        <p:nvSpPr>
+          <p:cNvPr id="62" name="Google Shape;62;gca2beed3b8_0_5:notes"/>
+          <p:cNvSpPr/>
+          <p:nvPr>
+            <p:ph idx="2" type="sldImg"/>
+          </p:nvPr>
+        </p:nvSpPr>
+        <p:spPr>
+          <a:xfrm>
+            <a:off x="381300" y="685800"/>
+            <a:ext cx="6096000" cy="3429000"/>
+          </a:xfrm>
+          <a:custGeom>
+            <a:rect b="b" l="l" r="r" t="t"/>
+            <a:pathLst>
+              <a:path extrusionOk="0" h="120000" w="120000">
+                <a:moveTo>
+                  <a:pt x="0" y="0"/>
+                </a:moveTo>
+                <a:lnTo>
+                  <a:pt x="120000" y="0"/>
+                </a:lnTo>
+                <a:lnTo>
+                  <a:pt x="120000" y="120000"/>
+                </a:lnTo>
+                <a:lnTo>
+                  <a:pt x="0" y="120000"/>
+                </a:lnTo>
+                <a:close/>
+              </a:path>
+            </a:pathLst>
+          </a:custGeom>
+        </p:spPr>
+      </p:sp>
+      <p:sp>
+        <p:nvSpPr>
+          <p:cNvPr id="63" name="Google Shape;63;gca2beed3b8_0_5:notes"/>
           <p:cNvSpPr txBox="1"/>
           <p:nvPr>
             <p:ph idx="1" type="body"/>
@@ -922,7 +1122,7 @@
       </p:grpSpPr>
       <p:sp>
         <p:nvSpPr>
-          <p:cNvPr id="68" name="Google Shape;68;gc8cabebcc4_0_104:notes"/>
+          <p:cNvPr id="68" name="Google Shape;68;gca2beed3b8_0_10:notes"/>
           <p:cNvSpPr/>
           <p:nvPr>
             <p:ph idx="2" type="sldImg"/>
@@ -957,7 +1157,7 @@
       </p:sp>
       <p:sp>
         <p:nvSpPr>
-          <p:cNvPr id="69" name="Google Shape;69;gc8cabebcc4_0_104:notes"/>
+          <p:cNvPr id="69" name="Google Shape;69;gca2beed3b8_0_10:notes"/>
           <p:cNvSpPr txBox="1"/>
           <p:nvPr>
             <p:ph idx="1" type="body"/>
@@ -1007,7 +1207,7 @@
   <p:cSld>
     <p:spTree>
       <p:nvGrpSpPr>
-        <p:cNvPr id="74" name="Shape 74"/>
+        <p:cNvPr id="73" name="Shape 73"/>
         <p:cNvGrpSpPr/>
         <p:nvPr/>
       </p:nvGrpSpPr>
@@ -1021,7 +1221,7 @@
       </p:grpSpPr>
       <p:sp>
         <p:nvSpPr>
-          <p:cNvPr id="75" name="Google Shape;75;gc8cabebcc4_1_30:notes"/>
+          <p:cNvPr id="74" name="Google Shape;74;gca2beed3b8_0_65:notes"/>
           <p:cNvSpPr/>
           <p:nvPr>
             <p:ph idx="2" type="sldImg"/>
@@ -1056,7 +1256,7 @@
       </p:sp>
       <p:sp>
         <p:nvSpPr>
-          <p:cNvPr id="76" name="Google Shape;76;gc8cabebcc4_1_30:notes"/>
+          <p:cNvPr id="75" name="Google Shape;75;gca2beed3b8_0_65:notes"/>
           <p:cNvSpPr txBox="1"/>
           <p:nvPr>
             <p:ph idx="1" type="body"/>
@@ -1106,7 +1306,7 @@
   <p:cSld>
     <p:spTree>
       <p:nvGrpSpPr>
-        <p:cNvPr id="83" name="Shape 83"/>
+        <p:cNvPr id="79" name="Shape 79"/>
         <p:cNvGrpSpPr/>
         <p:nvPr/>
       </p:nvGrpSpPr>
@@ -1120,7 +1320,7 @@
       </p:grpSpPr>
       <p:sp>
         <p:nvSpPr>
-          <p:cNvPr id="84" name="Google Shape;84;gc8cabebcc4_0_109:notes"/>
+          <p:cNvPr id="80" name="Google Shape;80;gca2beed3b8_0_70:notes"/>
           <p:cNvSpPr/>
           <p:nvPr>
             <p:ph idx="2" type="sldImg"/>
@@ -1155,7 +1355,7 @@
       </p:sp>
       <p:sp>
         <p:nvSpPr>
-          <p:cNvPr id="85" name="Google Shape;85;gc8cabebcc4_0_109:notes"/>
+          <p:cNvPr id="81" name="Google Shape;81;gca2beed3b8_0_70:notes"/>
           <p:cNvSpPr txBox="1"/>
           <p:nvPr>
             <p:ph idx="1" type="body"/>
@@ -1205,7 +1405,7 @@
   <p:cSld>
     <p:spTree>
       <p:nvGrpSpPr>
-        <p:cNvPr id="89" name="Shape 89"/>
+        <p:cNvPr id="86" name="Shape 86"/>
         <p:cNvGrpSpPr/>
         <p:nvPr/>
       </p:nvGrpSpPr>
@@ -1219,7 +1419,7 @@
       </p:grpSpPr>
       <p:sp>
         <p:nvSpPr>
-          <p:cNvPr id="90" name="Google Shape;90;gc8cabebcc4_1_50:notes"/>
+          <p:cNvPr id="87" name="Google Shape;87;gc8cabebcc4_1_30:notes"/>
           <p:cNvSpPr/>
           <p:nvPr>
             <p:ph idx="2" type="sldImg"/>
@@ -1254,7 +1454,7 @@
       </p:sp>
       <p:sp>
         <p:nvSpPr>
-          <p:cNvPr id="91" name="Google Shape;91;gc8cabebcc4_1_50:notes"/>
+          <p:cNvPr id="88" name="Google Shape;88;gc8cabebcc4_1_30:notes"/>
           <p:cNvSpPr txBox="1"/>
           <p:nvPr>
             <p:ph idx="1" type="body"/>
@@ -1304,7 +1504,7 @@
   <p:cSld>
     <p:spTree>
       <p:nvGrpSpPr>
-        <p:cNvPr id="100" name="Shape 100"/>
+        <p:cNvPr id="95" name="Shape 95"/>
         <p:cNvGrpSpPr/>
         <p:nvPr/>
       </p:nvGrpSpPr>
@@ -1318,7 +1518,7 @@
       </p:grpSpPr>
       <p:sp>
         <p:nvSpPr>
-          <p:cNvPr id="101" name="Google Shape;101;gc8cabebcc4_1_0:notes"/>
+          <p:cNvPr id="96" name="Google Shape;96;gca2beed3b8_0_20:notes"/>
           <p:cNvSpPr/>
           <p:nvPr>
             <p:ph idx="2" type="sldImg"/>
@@ -1353,7 +1553,7 @@
       </p:sp>
       <p:sp>
         <p:nvSpPr>
-          <p:cNvPr id="102" name="Google Shape;102;gc8cabebcc4_1_0:notes"/>
+          <p:cNvPr id="97" name="Google Shape;97;gca2beed3b8_0_20:notes"/>
           <p:cNvSpPr txBox="1"/>
           <p:nvPr>
             <p:ph idx="1" type="body"/>
@@ -1403,7 +1603,7 @@
   <p:cSld>
     <p:spTree>
       <p:nvGrpSpPr>
-        <p:cNvPr id="106" name="Shape 106"/>
+        <p:cNvPr id="101" name="Shape 101"/>
         <p:cNvGrpSpPr/>
         <p:nvPr/>
       </p:nvGrpSpPr>
@@ -1417,7 +1617,7 @@
       </p:grpSpPr>
       <p:sp>
         <p:nvSpPr>
-          <p:cNvPr id="107" name="Google Shape;107;gc8cabebcc4_1_5:notes"/>
+          <p:cNvPr id="102" name="Google Shape;102;gca2beed3b8_0_30:notes"/>
           <p:cNvSpPr/>
           <p:nvPr>
             <p:ph idx="2" type="sldImg"/>
@@ -1452,7 +1652,7 @@
       </p:sp>
       <p:sp>
         <p:nvSpPr>
-          <p:cNvPr id="108" name="Google Shape;108;gc8cabebcc4_1_5:notes"/>
+          <p:cNvPr id="103" name="Google Shape;103;gca2beed3b8_0_30:notes"/>
           <p:cNvSpPr txBox="1"/>
           <p:nvPr>
             <p:ph idx="1" type="body"/>
@@ -1502,7 +1702,7 @@
   <p:cSld>
     <p:spTree>
       <p:nvGrpSpPr>
-        <p:cNvPr id="114" name="Shape 114"/>
+        <p:cNvPr id="107" name="Shape 107"/>
         <p:cNvGrpSpPr/>
         <p:nvPr/>
       </p:nvGrpSpPr>
@@ -1516,7 +1716,7 @@
       </p:grpSpPr>
       <p:sp>
         <p:nvSpPr>
-          <p:cNvPr id="115" name="Google Shape;115;gc8cabebcc4_1_10:notes"/>
+          <p:cNvPr id="108" name="Google Shape;108;gca2beed3b8_0_45:notes"/>
           <p:cNvSpPr/>
           <p:nvPr>
             <p:ph idx="2" type="sldImg"/>
@@ -1551,7 +1751,7 @@
       </p:sp>
       <p:sp>
         <p:nvSpPr>
-          <p:cNvPr id="116" name="Google Shape;116;gc8cabebcc4_1_10:notes"/>
+          <p:cNvPr id="109" name="Google Shape;109;gca2beed3b8_0_45:notes"/>
           <p:cNvSpPr txBox="1"/>
           <p:nvPr>
             <p:ph idx="1" type="body"/>
@@ -6926,6 +7126,223 @@
 </p:sld>
 </file>
 
+<file path=ppt/slides/slide10.xml><?xml version="1.0" encoding="utf-8"?>
+<p:sld xmlns:a="http://schemas.openxmlformats.org/drawingml/2006/main" xmlns:r="http://schemas.openxmlformats.org/officeDocument/2006/relationships" xmlns:mc="http://schemas.openxmlformats.org/markup-compatibility/2006" xmlns:mv="urn:schemas-microsoft-com:mac:vml" xmlns:p="http://schemas.openxmlformats.org/presentationml/2006/main" xmlns:c="http://schemas.openxmlformats.org/drawingml/2006/chart" xmlns:dgm="http://schemas.openxmlformats.org/drawingml/2006/diagram" xmlns:o="urn:schemas-microsoft-com:office:office" xmlns:v="urn:schemas-microsoft-com:vml" xmlns:pvml="urn:schemas-microsoft-com:office:powerpoint" xmlns:com="http://schemas.openxmlformats.org/drawingml/2006/compatibility" xmlns:p14="http://schemas.microsoft.com/office/powerpoint/2010/main" xmlns:p15="http://schemas.microsoft.com/office/powerpoint/2012/main" xmlns:ahyp="http://schemas.microsoft.com/office/drawing/2018/hyperlinkcolor">
+  <p:cSld>
+    <p:spTree>
+      <p:nvGrpSpPr>
+        <p:cNvPr id="116" name="Shape 116"/>
+        <p:cNvGrpSpPr/>
+        <p:nvPr/>
+      </p:nvGrpSpPr>
+      <p:grpSpPr>
+        <a:xfrm>
+          <a:off x="0" y="0"/>
+          <a:ext cx="0" cy="0"/>
+          <a:chOff x="0" y="0"/>
+          <a:chExt cx="0" cy="0"/>
+        </a:xfrm>
+      </p:grpSpPr>
+      <p:sp>
+        <p:nvSpPr>
+          <p:cNvPr id="117" name="Google Shape;117;p22"/>
+          <p:cNvSpPr txBox="1"/>
+          <p:nvPr>
+            <p:ph type="title"/>
+          </p:nvPr>
+        </p:nvSpPr>
+        <p:spPr>
+          <a:xfrm>
+            <a:off x="311700" y="445025"/>
+            <a:ext cx="8520600" cy="572700"/>
+          </a:xfrm>
+          <a:prstGeom prst="rect">
+            <a:avLst/>
+          </a:prstGeom>
+        </p:spPr>
+        <p:txBody>
+          <a:bodyPr anchorCtr="0" anchor="t" bIns="91425" lIns="91425" spcFirstLastPara="1" rIns="91425" wrap="square" tIns="91425">
+            <a:normAutofit fontScale="90000"/>
+          </a:bodyPr>
+          <a:lstStyle/>
+          <a:p>
+            <a:pPr indent="0" lvl="0" marL="0" rtl="0" algn="l">
+              <a:spcBef>
+                <a:spcPts val="0"/>
+              </a:spcBef>
+              <a:spcAft>
+                <a:spcPts val="0"/>
+              </a:spcAft>
+              <a:buNone/>
+            </a:pPr>
+            <a:r>
+              <a:rPr lang="fr"/>
+              <a:t>5. </a:t>
+            </a:r>
+            <a:r>
+              <a:rPr lang="fr"/>
+              <a:t>Étapes</a:t>
+            </a:r>
+            <a:r>
+              <a:rPr lang="fr"/>
+              <a:t> suivantes</a:t>
+            </a:r>
+            <a:endParaRPr/>
+          </a:p>
+        </p:txBody>
+      </p:sp>
+      <p:sp>
+        <p:nvSpPr>
+          <p:cNvPr id="118" name="Google Shape;118;p22"/>
+          <p:cNvSpPr txBox="1"/>
+          <p:nvPr>
+            <p:ph idx="1" type="body"/>
+          </p:nvPr>
+        </p:nvSpPr>
+        <p:spPr>
+          <a:xfrm>
+            <a:off x="311700" y="1152475"/>
+            <a:ext cx="8520600" cy="3416400"/>
+          </a:xfrm>
+          <a:prstGeom prst="rect">
+            <a:avLst/>
+          </a:prstGeom>
+        </p:spPr>
+        <p:txBody>
+          <a:bodyPr anchorCtr="0" anchor="t" bIns="91425" lIns="91425" spcFirstLastPara="1" rIns="91425" wrap="square" tIns="91425">
+            <a:normAutofit/>
+          </a:bodyPr>
+          <a:lstStyle/>
+          <a:p>
+            <a:pPr indent="0" lvl="0" marL="0" rtl="0" algn="l">
+              <a:spcBef>
+                <a:spcPts val="0"/>
+              </a:spcBef>
+              <a:spcAft>
+                <a:spcPts val="1200"/>
+              </a:spcAft>
+              <a:buNone/>
+            </a:pPr>
+            <a:r>
+              <a:rPr lang="fr"/>
+              <a:t> Il reste à visualiser les données, puis à implémenter un moteur de recommandation</a:t>
+            </a:r>
+            <a:endParaRPr/>
+          </a:p>
+        </p:txBody>
+      </p:sp>
+    </p:spTree>
+  </p:cSld>
+  <p:clrMapOvr>
+    <a:masterClrMapping/>
+  </p:clrMapOvr>
+</p:sld>
+</file>
+
+<file path=ppt/slides/slide11.xml><?xml version="1.0" encoding="utf-8"?>
+<p:sld xmlns:a="http://schemas.openxmlformats.org/drawingml/2006/main" xmlns:r="http://schemas.openxmlformats.org/officeDocument/2006/relationships" xmlns:mc="http://schemas.openxmlformats.org/markup-compatibility/2006" xmlns:mv="urn:schemas-microsoft-com:mac:vml" xmlns:p="http://schemas.openxmlformats.org/presentationml/2006/main" xmlns:c="http://schemas.openxmlformats.org/drawingml/2006/chart" xmlns:dgm="http://schemas.openxmlformats.org/drawingml/2006/diagram" xmlns:o="urn:schemas-microsoft-com:office:office" xmlns:v="urn:schemas-microsoft-com:vml" xmlns:pvml="urn:schemas-microsoft-com:office:powerpoint" xmlns:com="http://schemas.openxmlformats.org/drawingml/2006/compatibility" xmlns:p14="http://schemas.microsoft.com/office/powerpoint/2010/main" xmlns:p15="http://schemas.microsoft.com/office/powerpoint/2012/main" xmlns:ahyp="http://schemas.microsoft.com/office/drawing/2018/hyperlinkcolor">
+  <p:cSld>
+    <p:spTree>
+      <p:nvGrpSpPr>
+        <p:cNvPr id="122" name="Shape 122"/>
+        <p:cNvGrpSpPr/>
+        <p:nvPr/>
+      </p:nvGrpSpPr>
+      <p:grpSpPr>
+        <a:xfrm>
+          <a:off x="0" y="0"/>
+          <a:ext cx="0" cy="0"/>
+          <a:chOff x="0" y="0"/>
+          <a:chExt cx="0" cy="0"/>
+        </a:xfrm>
+      </p:grpSpPr>
+      <p:sp>
+        <p:nvSpPr>
+          <p:cNvPr id="123" name="Google Shape;123;p23"/>
+          <p:cNvSpPr txBox="1"/>
+          <p:nvPr>
+            <p:ph type="title"/>
+          </p:nvPr>
+        </p:nvSpPr>
+        <p:spPr>
+          <a:xfrm>
+            <a:off x="311700" y="445025"/>
+            <a:ext cx="8520600" cy="572700"/>
+          </a:xfrm>
+          <a:prstGeom prst="rect">
+            <a:avLst/>
+          </a:prstGeom>
+        </p:spPr>
+        <p:txBody>
+          <a:bodyPr anchorCtr="0" anchor="t" bIns="91425" lIns="91425" spcFirstLastPara="1" rIns="91425" wrap="square" tIns="91425">
+            <a:normAutofit fontScale="90000"/>
+          </a:bodyPr>
+          <a:lstStyle/>
+          <a:p>
+            <a:pPr indent="0" lvl="0" marL="0" rtl="0" algn="l">
+              <a:spcBef>
+                <a:spcPts val="0"/>
+              </a:spcBef>
+              <a:spcAft>
+                <a:spcPts val="0"/>
+              </a:spcAft>
+              <a:buNone/>
+            </a:pPr>
+            <a:r>
+              <a:rPr lang="fr"/>
+              <a:t>8. Annexes</a:t>
+            </a:r>
+            <a:endParaRPr/>
+          </a:p>
+        </p:txBody>
+      </p:sp>
+      <p:sp>
+        <p:nvSpPr>
+          <p:cNvPr id="124" name="Google Shape;124;p23"/>
+          <p:cNvSpPr txBox="1"/>
+          <p:nvPr>
+            <p:ph idx="1" type="body"/>
+          </p:nvPr>
+        </p:nvSpPr>
+        <p:spPr>
+          <a:xfrm>
+            <a:off x="311700" y="1152475"/>
+            <a:ext cx="8520600" cy="3416400"/>
+          </a:xfrm>
+          <a:prstGeom prst="rect">
+            <a:avLst/>
+          </a:prstGeom>
+        </p:spPr>
+        <p:txBody>
+          <a:bodyPr anchorCtr="0" anchor="t" bIns="91425" lIns="91425" spcFirstLastPara="1" rIns="91425" wrap="square" tIns="91425">
+            <a:normAutofit/>
+          </a:bodyPr>
+          <a:lstStyle/>
+          <a:p>
+            <a:pPr indent="0" lvl="0" marL="0" rtl="0" algn="l">
+              <a:spcBef>
+                <a:spcPts val="0"/>
+              </a:spcBef>
+              <a:spcAft>
+                <a:spcPts val="1200"/>
+              </a:spcAft>
+              <a:buNone/>
+            </a:pPr>
+            <a:r>
+              <a:t/>
+            </a:r>
+            <a:endParaRPr/>
+          </a:p>
+        </p:txBody>
+      </p:sp>
+    </p:spTree>
+  </p:cSld>
+  <p:clrMapOvr>
+    <a:masterClrMapping/>
+  </p:clrMapOvr>
+</p:sld>
+</file>
+
 <file path=ppt/slides/slide2.xml><?xml version="1.0" encoding="utf-8"?>
 <p:sld xmlns:a="http://schemas.openxmlformats.org/drawingml/2006/main" xmlns:r="http://schemas.openxmlformats.org/officeDocument/2006/relationships" xmlns:mc="http://schemas.openxmlformats.org/markup-compatibility/2006" xmlns:mv="urn:schemas-microsoft-com:mac:vml" xmlns:p="http://schemas.openxmlformats.org/presentationml/2006/main" xmlns:c="http://schemas.openxmlformats.org/drawingml/2006/chart" xmlns:dgm="http://schemas.openxmlformats.org/drawingml/2006/diagram" xmlns:o="urn:schemas-microsoft-com:office:office" xmlns:v="urn:schemas-microsoft-com:vml" xmlns:pvml="urn:schemas-microsoft-com:office:powerpoint" xmlns:com="http://schemas.openxmlformats.org/drawingml/2006/compatibility" xmlns:p14="http://schemas.microsoft.com/office/powerpoint/2010/main" xmlns:p15="http://schemas.microsoft.com/office/powerpoint/2012/main" xmlns:ahyp="http://schemas.microsoft.com/office/drawing/2018/hyperlinkcolor">
   <p:cSld>
@@ -6977,7 +7394,7 @@
             </a:pPr>
             <a:r>
               <a:rPr lang="fr"/>
-              <a:t>Besoins Clients</a:t>
+              <a:t>Sommaire</a:t>
             </a:r>
             <a:endParaRPr/>
           </a:p>
@@ -7002,91 +7419,155 @@
         </p:spPr>
         <p:txBody>
           <a:bodyPr anchorCtr="0" anchor="t" bIns="91425" lIns="91425" spcFirstLastPara="1" rIns="91425" wrap="square" tIns="91425">
-            <a:normAutofit lnSpcReduction="20000"/>
+            <a:normAutofit/>
           </a:bodyPr>
           <a:lstStyle/>
           <a:p>
-            <a:pPr indent="0" lvl="0" marL="0" rtl="0" algn="just">
-              <a:spcBef>
-                <a:spcPts val="0"/>
-              </a:spcBef>
-              <a:spcAft>
-                <a:spcPts val="0"/>
-              </a:spcAft>
-              <a:buNone/>
+            <a:pPr indent="-342900" lvl="0" marL="457200" rtl="0" algn="l">
+              <a:spcBef>
+                <a:spcPts val="0"/>
+              </a:spcBef>
+              <a:spcAft>
+                <a:spcPts val="0"/>
+              </a:spcAft>
+              <a:buSzPts val="1800"/>
+              <a:buAutoNum type="arabicPeriod"/>
             </a:pPr>
             <a:r>
               <a:rPr lang="fr"/>
-              <a:t>L’objectif est de créer une </a:t>
-            </a:r>
-            <a:r>
-              <a:rPr lang="fr"/>
-              <a:t>application permettant de recommander le meilleur produit à un utilisateurs selon un mot clé ou un ensemble de mot clés. (type yuka)</a:t>
+              <a:t>Contexte</a:t>
             </a:r>
             <a:endParaRPr/>
           </a:p>
           <a:p>
-            <a:pPr indent="0" lvl="0" marL="0" rtl="0" algn="just">
-              <a:spcBef>
-                <a:spcPts val="1200"/>
-              </a:spcBef>
-              <a:spcAft>
-                <a:spcPts val="0"/>
-              </a:spcAft>
-              <a:buNone/>
+            <a:pPr indent="-342900" lvl="0" marL="457200" rtl="0" algn="l">
+              <a:spcBef>
+                <a:spcPts val="0"/>
+              </a:spcBef>
+              <a:spcAft>
+                <a:spcPts val="0"/>
+              </a:spcAft>
+              <a:buSzPts val="1800"/>
+              <a:buAutoNum type="arabicPeriod"/>
             </a:pPr>
             <a:r>
-              <a:rPr lang="fr" u="sng"/>
-              <a:t>MVP</a:t>
-            </a:r>
-            <a:r>
               <a:rPr lang="fr"/>
-              <a:t>: Les éléments à remonter sont les éléments liés au Nutri Score. </a:t>
+              <a:t>Objectifs</a:t>
             </a:r>
             <a:endParaRPr/>
           </a:p>
           <a:p>
-            <a:pPr indent="0" lvl="0" marL="0" rtl="0" algn="just">
-              <a:spcBef>
-                <a:spcPts val="1200"/>
-              </a:spcBef>
-              <a:spcAft>
-                <a:spcPts val="0"/>
-              </a:spcAft>
-              <a:buNone/>
+            <a:pPr indent="-342900" lvl="0" marL="457200" rtl="0" algn="l">
+              <a:spcBef>
+                <a:spcPts val="0"/>
+              </a:spcBef>
+              <a:spcAft>
+                <a:spcPts val="0"/>
+              </a:spcAft>
+              <a:buSzPts val="1800"/>
+              <a:buAutoNum type="arabicPeriod"/>
             </a:pPr>
             <a:r>
-              <a:rPr lang="fr" u="sng"/>
-              <a:t>Could be</a:t>
-            </a:r>
-            <a:r>
               <a:rPr lang="fr"/>
-              <a:t> : Permettre à l’application de recommander des produits acceptables dans les le cadre d’un régime spécifique (Vegan, Végétarien, Végétalien…)</a:t>
+              <a:t>Approche</a:t>
             </a:r>
             <a:endParaRPr/>
           </a:p>
           <a:p>
-            <a:pPr indent="0" lvl="0" marL="0" rtl="0" algn="just">
-              <a:spcBef>
-                <a:spcPts val="1200"/>
-              </a:spcBef>
-              <a:spcAft>
-                <a:spcPts val="0"/>
-              </a:spcAft>
-              <a:buNone/>
+            <a:pPr indent="-342900" lvl="0" marL="457200" rtl="0" algn="l">
+              <a:spcBef>
+                <a:spcPts val="0"/>
+              </a:spcBef>
+              <a:spcAft>
+                <a:spcPts val="0"/>
+              </a:spcAft>
+              <a:buSzPts val="1800"/>
+              <a:buAutoNum type="arabicPeriod"/>
             </a:pPr>
             <a:r>
-              <a:rPr lang="fr" u="sng"/>
-              <a:t>Cas d’utilisation: </a:t>
-            </a:r>
-            <a:r>
               <a:rPr lang="fr"/>
-              <a:t>Un utilisateur souhaite manger une pizza, il cherche à manger la pizza la meilleur d’un point de vue nutritif. Il va donc taper pizza dans une barre de recherche, afin que l’application lui propose un certain nombre de pizza avec leur score nutritifs respectifs.</a:t>
+              <a:t>Analyse</a:t>
             </a:r>
             <a:endParaRPr/>
           </a:p>
           <a:p>
-            <a:pPr indent="0" lvl="0" marL="0" rtl="0" algn="l">
+            <a:pPr indent="-342900" lvl="0" marL="457200" rtl="0" algn="l">
+              <a:spcBef>
+                <a:spcPts val="0"/>
+              </a:spcBef>
+              <a:spcAft>
+                <a:spcPts val="0"/>
+              </a:spcAft>
+              <a:buSzPts val="1800"/>
+              <a:buAutoNum type="arabicPeriod"/>
+            </a:pPr>
+            <a:r>
+              <a:rPr lang="fr"/>
+              <a:t>Sélection</a:t>
+            </a:r>
+            <a:r>
+              <a:rPr lang="fr"/>
+              <a:t> des données</a:t>
+            </a:r>
+            <a:endParaRPr/>
+          </a:p>
+          <a:p>
+            <a:pPr indent="-342900" lvl="0" marL="457200" rtl="0" algn="l">
+              <a:spcBef>
+                <a:spcPts val="0"/>
+              </a:spcBef>
+              <a:spcAft>
+                <a:spcPts val="0"/>
+              </a:spcAft>
+              <a:buSzPts val="1800"/>
+              <a:buAutoNum type="arabicPeriod"/>
+            </a:pPr>
+            <a:r>
+              <a:rPr lang="fr"/>
+              <a:t>Nettoyage</a:t>
+            </a:r>
+            <a:endParaRPr/>
+          </a:p>
+          <a:p>
+            <a:pPr indent="-342900" lvl="0" marL="457200" rtl="0" algn="l">
+              <a:spcBef>
+                <a:spcPts val="0"/>
+              </a:spcBef>
+              <a:spcAft>
+                <a:spcPts val="0"/>
+              </a:spcAft>
+              <a:buSzPts val="1800"/>
+              <a:buAutoNum type="arabicPeriod"/>
+            </a:pPr>
+            <a:r>
+              <a:rPr lang="fr"/>
+              <a:t>Étapes</a:t>
+            </a:r>
+            <a:r>
+              <a:rPr lang="fr"/>
+              <a:t> suivantes</a:t>
+            </a:r>
+            <a:endParaRPr/>
+          </a:p>
+          <a:p>
+            <a:pPr indent="-342900" lvl="0" marL="457200" rtl="0" algn="l">
+              <a:spcBef>
+                <a:spcPts val="0"/>
+              </a:spcBef>
+              <a:spcAft>
+                <a:spcPts val="0"/>
+              </a:spcAft>
+              <a:buSzPts val="1800"/>
+              <a:buAutoNum type="arabicPeriod"/>
+            </a:pPr>
+            <a:r>
+              <a:rPr lang="fr"/>
+              <a:t>Annexes</a:t>
+            </a:r>
+            <a:endParaRPr/>
+          </a:p>
+          <a:p>
+            <a:pPr indent="0" lvl="0" marL="457200" rtl="0" algn="l">
               <a:spcBef>
                 <a:spcPts val="1200"/>
               </a:spcBef>
@@ -7150,18 +7631,19 @@
           </a:bodyPr>
           <a:lstStyle/>
           <a:p>
-            <a:pPr indent="0" lvl="0" marL="0" rtl="0" algn="l">
-              <a:spcBef>
-                <a:spcPts val="0"/>
-              </a:spcBef>
-              <a:spcAft>
-                <a:spcPts val="0"/>
-              </a:spcAft>
-              <a:buNone/>
+            <a:pPr indent="-400050" lvl="0" marL="457200" rtl="0" algn="l">
+              <a:spcBef>
+                <a:spcPts val="0"/>
+              </a:spcBef>
+              <a:spcAft>
+                <a:spcPts val="0"/>
+              </a:spcAft>
+              <a:buSzPct val="100000"/>
+              <a:buAutoNum type="arabicPeriod"/>
             </a:pPr>
             <a:r>
               <a:rPr lang="fr"/>
-              <a:t>Notions métiers</a:t>
+              <a:t>Contexte</a:t>
             </a:r>
             <a:endParaRPr/>
           </a:p>
@@ -7186,7 +7668,7 @@
         </p:spPr>
         <p:txBody>
           <a:bodyPr anchorCtr="0" anchor="t" bIns="91425" lIns="91425" spcFirstLastPara="1" rIns="91425" wrap="square" tIns="91425">
-            <a:normAutofit lnSpcReduction="20000"/>
+            <a:normAutofit fontScale="92500" lnSpcReduction="20000"/>
           </a:bodyPr>
           <a:lstStyle/>
           <a:p>
@@ -7200,26 +7682,138 @@
               <a:buNone/>
             </a:pPr>
             <a:r>
-              <a:rPr lang="fr"/>
-              <a:t> Il s’agit ici, </a:t>
+              <a:rPr b="1" lang="fr" sz="2158">
+                <a:solidFill>
+                  <a:schemeClr val="dk1"/>
+                </a:solidFill>
+              </a:rPr>
+              <a:t>1.1 Besoins client:</a:t>
+            </a:r>
+            <a:endParaRPr b="1" sz="2158">
+              <a:solidFill>
+                <a:schemeClr val="dk1"/>
+              </a:solidFill>
+            </a:endParaRPr>
+          </a:p>
+          <a:p>
+            <a:pPr indent="0" lvl="0" marL="0" rtl="0" algn="just">
+              <a:spcBef>
+                <a:spcPts val="1200"/>
+              </a:spcBef>
+              <a:spcAft>
+                <a:spcPts val="0"/>
+              </a:spcAft>
+              <a:buNone/>
+            </a:pPr>
+            <a:r>
+              <a:rPr lang="fr">
+                <a:solidFill>
+                  <a:schemeClr val="dk1"/>
+                </a:solidFill>
+              </a:rPr>
+              <a:t>L’objectif est de créer une application permettant de recommander le meilleur produit à un utilisateurs selon un mot clé ou un ensemble de mot clés. (type yuka)</a:t>
+            </a:r>
+            <a:endParaRPr>
+              <a:solidFill>
+                <a:schemeClr val="dk1"/>
+              </a:solidFill>
+            </a:endParaRPr>
+          </a:p>
+          <a:p>
+            <a:pPr indent="0" lvl="0" marL="0" rtl="0" algn="just">
+              <a:spcBef>
+                <a:spcPts val="1200"/>
+              </a:spcBef>
+              <a:spcAft>
+                <a:spcPts val="0"/>
+              </a:spcAft>
+              <a:buNone/>
+            </a:pPr>
+            <a:r>
+              <a:rPr lang="fr" u="sng">
+                <a:solidFill>
+                  <a:schemeClr val="dk1"/>
+                </a:solidFill>
+              </a:rPr>
+              <a:t>MVP</a:t>
             </a:r>
             <a:r>
-              <a:rPr lang="fr"/>
-              <a:t>d'après</a:t>
+              <a:rPr lang="fr">
+                <a:solidFill>
+                  <a:schemeClr val="dk1"/>
+                </a:solidFill>
+              </a:rPr>
+              <a:t>: Les éléments à remonter sont les éléments liés au Nutri Score. </a:t>
+            </a:r>
+            <a:endParaRPr>
+              <a:solidFill>
+                <a:schemeClr val="dk1"/>
+              </a:solidFill>
+            </a:endParaRPr>
+          </a:p>
+          <a:p>
+            <a:pPr indent="0" lvl="0" marL="0" rtl="0" algn="just">
+              <a:spcBef>
+                <a:spcPts val="1200"/>
+              </a:spcBef>
+              <a:spcAft>
+                <a:spcPts val="0"/>
+              </a:spcAft>
+              <a:buNone/>
+            </a:pPr>
+            <a:r>
+              <a:rPr lang="fr" u="sng">
+                <a:solidFill>
+                  <a:schemeClr val="dk1"/>
+                </a:solidFill>
+              </a:rPr>
+              <a:t>Could be</a:t>
             </a:r>
             <a:r>
-              <a:rPr lang="fr"/>
-              <a:t> les des données de définir un </a:t>
+              <a:rPr lang="fr">
+                <a:solidFill>
+                  <a:schemeClr val="dk1"/>
+                </a:solidFill>
+              </a:rPr>
+              <a:t> : Permettre à l’application de recommander des produits acceptables dans les le cadre d’un régime spécifique (Vegan, Végétarien, Végétalien…)</a:t>
+            </a:r>
+            <a:endParaRPr>
+              <a:solidFill>
+                <a:schemeClr val="dk1"/>
+              </a:solidFill>
+            </a:endParaRPr>
+          </a:p>
+          <a:p>
+            <a:pPr indent="0" lvl="0" marL="0" rtl="0" algn="just">
+              <a:spcBef>
+                <a:spcPts val="1200"/>
+              </a:spcBef>
+              <a:spcAft>
+                <a:spcPts val="0"/>
+              </a:spcAft>
+              <a:buNone/>
+            </a:pPr>
+            <a:r>
+              <a:rPr lang="fr" u="sng">
+                <a:solidFill>
+                  <a:schemeClr val="dk1"/>
+                </a:solidFill>
+              </a:rPr>
+              <a:t>Cas d’utilisation: </a:t>
             </a:r>
             <a:r>
-              <a:rPr b="1" lang="fr"/>
-              <a:t>score nutritif </a:t>
+              <a:rPr lang="fr">
+                <a:solidFill>
+                  <a:schemeClr val="dk1"/>
+                </a:solidFill>
+              </a:rPr>
+              <a:t>Un utilisateur souhaite manger une pizza, il cherche à manger la pizza la meilleur d’un point de vue nutritif. Il va donc taper pizza dans une barre de recherche, afin que l’application lui propose un certain nombre de pizza avec leur score nutritifs respectifs.</a:t>
             </a:r>
-            <a:r>
-              <a:rPr lang="fr"/>
-              <a:t> à chaque aliment.</a:t>
-            </a:r>
-            <a:endParaRPr/>
+            <a:endParaRPr>
+              <a:solidFill>
+                <a:schemeClr val="dk1"/>
+              </a:solidFill>
+            </a:endParaRPr>
           </a:p>
           <a:p>
             <a:pPr indent="0" lvl="0" marL="0" rtl="0" algn="l">
@@ -7227,47 +7821,7 @@
                 <a:spcPts val="1200"/>
               </a:spcBef>
               <a:spcAft>
-                <a:spcPts val="0"/>
-              </a:spcAft>
-              <a:buNone/>
-            </a:pPr>
-            <a:r>
-              <a:rPr lang="fr"/>
-              <a:t>il existe déjà un Nutri-score définie</a:t>
-            </a:r>
-            <a:r>
-              <a:rPr lang="fr"/>
-              <a:t> par le gouvernement </a:t>
-            </a:r>
-            <a:r>
-              <a:rPr lang="fr"/>
-              <a:t>français.</a:t>
-            </a:r>
-            <a:endParaRPr/>
-          </a:p>
-          <a:p>
-            <a:pPr indent="0" lvl="0" marL="0" rtl="0" algn="l">
-              <a:spcBef>
                 <a:spcPts val="1200"/>
-              </a:spcBef>
-              <a:spcAft>
-                <a:spcPts val="0"/>
-              </a:spcAft>
-              <a:buNone/>
-            </a:pPr>
-            <a:r>
-              <a:rPr lang="fr"/>
-              <a:t>Ce Nutri-score est un logo qui informe sur la qualité nutritionnelle d’un produit. Celui ci est basé sur une échelle de 5 couleurs : </a:t>
-            </a:r>
-            <a:endParaRPr/>
-          </a:p>
-          <a:p>
-            <a:pPr indent="0" lvl="0" marL="0" rtl="0" algn="l">
-              <a:spcBef>
-                <a:spcPts val="1200"/>
-              </a:spcBef>
-              <a:spcAft>
-                <a:spcPts val="0"/>
               </a:spcAft>
               <a:buNone/>
             </a:pPr>
@@ -7276,67 +7830,8 @@
             </a:r>
             <a:endParaRPr/>
           </a:p>
-          <a:p>
-            <a:pPr indent="0" lvl="0" marL="0" rtl="0" algn="l">
-              <a:spcBef>
-                <a:spcPts val="1200"/>
-              </a:spcBef>
-              <a:spcAft>
-                <a:spcPts val="0"/>
-              </a:spcAft>
-              <a:buNone/>
-            </a:pPr>
-            <a:r>
-              <a:t/>
-            </a:r>
-            <a:endParaRPr/>
-          </a:p>
-          <a:p>
-            <a:pPr indent="0" lvl="0" marL="0" rtl="0" algn="l">
-              <a:spcBef>
-                <a:spcPts val="1200"/>
-              </a:spcBef>
-              <a:spcAft>
-                <a:spcPts val="1200"/>
-              </a:spcAft>
-              <a:buNone/>
-            </a:pPr>
-            <a:r>
-              <a:rPr lang="fr"/>
-              <a:t>Le Nutri-score n’existe pas pour tout les types d’aliments, cela ne concerne pas: les produits non transformés , certaines boissons, les aliments pour bébé, les alcools, les plats composés (2 scores)...</a:t>
-            </a:r>
-            <a:endParaRPr/>
-          </a:p>
         </p:txBody>
       </p:sp>
-      <p:pic>
-        <p:nvPicPr>
-          <p:cNvPr id="73" name="Google Shape;73;p15"/>
-          <p:cNvPicPr preferRelativeResize="0"/>
-          <p:nvPr/>
-        </p:nvPicPr>
-        <p:blipFill>
-          <a:blip r:embed="rId3">
-            <a:alphaModFix/>
-          </a:blip>
-          <a:stretch>
-            <a:fillRect/>
-          </a:stretch>
-        </p:blipFill>
-        <p:spPr>
-          <a:xfrm>
-            <a:off x="2144788" y="2875500"/>
-            <a:ext cx="4940617" cy="572700"/>
-          </a:xfrm>
-          <a:prstGeom prst="rect">
-            <a:avLst/>
-          </a:prstGeom>
-          <a:noFill/>
-          <a:ln>
-            <a:noFill/>
-          </a:ln>
-        </p:spPr>
-      </p:pic>
     </p:spTree>
   </p:cSld>
   <p:clrMapOvr>
@@ -7350,7 +7845,7 @@
   <p:cSld>
     <p:spTree>
       <p:nvGrpSpPr>
-        <p:cNvPr id="77" name="Shape 77"/>
+        <p:cNvPr id="76" name="Shape 76"/>
         <p:cNvGrpSpPr/>
         <p:nvPr/>
       </p:nvGrpSpPr>
@@ -7364,7 +7859,7 @@
       </p:grpSpPr>
       <p:sp>
         <p:nvSpPr>
-          <p:cNvPr id="78" name="Google Shape;78;p16"/>
+          <p:cNvPr id="77" name="Google Shape;77;p16"/>
           <p:cNvSpPr txBox="1"/>
           <p:nvPr>
             <p:ph type="title"/>
@@ -7385,18 +7880,19 @@
           </a:bodyPr>
           <a:lstStyle/>
           <a:p>
-            <a:pPr indent="0" lvl="0" marL="0" rtl="0" algn="l">
-              <a:spcBef>
-                <a:spcPts val="0"/>
-              </a:spcBef>
-              <a:spcAft>
-                <a:spcPts val="0"/>
-              </a:spcAft>
-              <a:buNone/>
+            <a:pPr indent="-400050" lvl="0" marL="457200" rtl="0" algn="l">
+              <a:spcBef>
+                <a:spcPts val="0"/>
+              </a:spcBef>
+              <a:spcAft>
+                <a:spcPts val="0"/>
+              </a:spcAft>
+              <a:buSzPct val="100000"/>
+              <a:buAutoNum type="arabicPeriod"/>
             </a:pPr>
             <a:r>
               <a:rPr lang="fr"/>
-              <a:t>Méthode de calcul du Nutri-score</a:t>
+              <a:t>Contexte</a:t>
             </a:r>
             <a:endParaRPr/>
           </a:p>
@@ -7404,7 +7900,608 @@
       </p:sp>
       <p:sp>
         <p:nvSpPr>
-          <p:cNvPr id="79" name="Google Shape;79;p16"/>
+          <p:cNvPr id="78" name="Google Shape;78;p16"/>
+          <p:cNvSpPr txBox="1"/>
+          <p:nvPr>
+            <p:ph idx="1" type="body"/>
+          </p:nvPr>
+        </p:nvSpPr>
+        <p:spPr>
+          <a:xfrm>
+            <a:off x="311700" y="1152475"/>
+            <a:ext cx="8520600" cy="3416400"/>
+          </a:xfrm>
+          <a:prstGeom prst="rect">
+            <a:avLst/>
+          </a:prstGeom>
+        </p:spPr>
+        <p:txBody>
+          <a:bodyPr anchorCtr="0" anchor="t" bIns="91425" lIns="91425" spcFirstLastPara="1" rIns="91425" wrap="square" tIns="91425">
+            <a:normAutofit fontScale="70000" lnSpcReduction="20000"/>
+          </a:bodyPr>
+          <a:lstStyle/>
+          <a:p>
+            <a:pPr indent="0" lvl="0" marL="0" rtl="0" algn="l">
+              <a:spcBef>
+                <a:spcPts val="0"/>
+              </a:spcBef>
+              <a:spcAft>
+                <a:spcPts val="0"/>
+              </a:spcAft>
+              <a:buNone/>
+            </a:pPr>
+            <a:r>
+              <a:rPr b="1" lang="fr" sz="2413">
+                <a:solidFill>
+                  <a:schemeClr val="dk1"/>
+                </a:solidFill>
+              </a:rPr>
+              <a:t>1.2 Les datas:</a:t>
+            </a:r>
+            <a:endParaRPr b="1" sz="2413">
+              <a:solidFill>
+                <a:schemeClr val="dk1"/>
+              </a:solidFill>
+            </a:endParaRPr>
+          </a:p>
+          <a:p>
+            <a:pPr indent="0" lvl="0" marL="0" rtl="0" algn="l">
+              <a:spcBef>
+                <a:spcPts val="1200"/>
+              </a:spcBef>
+              <a:spcAft>
+                <a:spcPts val="0"/>
+              </a:spcAft>
+              <a:buNone/>
+            </a:pPr>
+            <a:r>
+              <a:rPr lang="fr" sz="2318">
+                <a:solidFill>
+                  <a:schemeClr val="dk1"/>
+                </a:solidFill>
+              </a:rPr>
+              <a:t>Nous allons utiliser la base de données </a:t>
+            </a:r>
+            <a:r>
+              <a:rPr b="1" lang="fr" sz="2318">
+                <a:solidFill>
+                  <a:schemeClr val="dk1"/>
+                </a:solidFill>
+              </a:rPr>
+              <a:t>Open Food Facts</a:t>
+            </a:r>
+            <a:r>
+              <a:rPr lang="fr" sz="2318">
+                <a:solidFill>
+                  <a:schemeClr val="dk1"/>
+                </a:solidFill>
+              </a:rPr>
+              <a:t>.</a:t>
+            </a:r>
+            <a:endParaRPr sz="2318">
+              <a:solidFill>
+                <a:schemeClr val="dk1"/>
+              </a:solidFill>
+            </a:endParaRPr>
+          </a:p>
+          <a:p>
+            <a:pPr indent="0" lvl="0" marL="0" rtl="0" algn="l">
+              <a:spcBef>
+                <a:spcPts val="1200"/>
+              </a:spcBef>
+              <a:spcAft>
+                <a:spcPts val="0"/>
+              </a:spcAft>
+              <a:buNone/>
+            </a:pPr>
+            <a:r>
+              <a:rPr lang="fr" sz="2318">
+                <a:solidFill>
+                  <a:schemeClr val="dk1"/>
+                </a:solidFill>
+              </a:rPr>
+              <a:t>Cette base de données est mondiale elle a  donc une taille conséquente, il est nécessaire de la télécharger en local:</a:t>
+            </a:r>
+            <a:endParaRPr sz="2318">
+              <a:solidFill>
+                <a:schemeClr val="dk1"/>
+              </a:solidFill>
+            </a:endParaRPr>
+          </a:p>
+          <a:p>
+            <a:pPr indent="0" lvl="0" marL="0" rtl="0" algn="l">
+              <a:spcBef>
+                <a:spcPts val="1200"/>
+              </a:spcBef>
+              <a:spcAft>
+                <a:spcPts val="0"/>
+              </a:spcAft>
+              <a:buNone/>
+            </a:pPr>
+            <a:r>
+              <a:rPr lang="fr" sz="2318" u="sng">
+                <a:solidFill>
+                  <a:schemeClr val="dk1"/>
+                </a:solidFill>
+                <a:hlinkClick r:id="rId3">
+                  <a:extLst>
+                    <a:ext uri="{A12FA001-AC4F-418D-AE19-62706E023703}">
+                      <ahyp:hlinkClr val="tx"/>
+                    </a:ext>
+                  </a:extLst>
+                </a:hlinkClick>
+              </a:rPr>
+              <a:t>https://www.kaggle.com/openfoodfacts/world-food-fact</a:t>
+            </a:r>
+            <a:endParaRPr sz="2318">
+              <a:solidFill>
+                <a:schemeClr val="dk1"/>
+              </a:solidFill>
+            </a:endParaRPr>
+          </a:p>
+          <a:p>
+            <a:pPr indent="0" lvl="0" marL="0" rtl="0" algn="l">
+              <a:spcBef>
+                <a:spcPts val="1200"/>
+              </a:spcBef>
+              <a:spcAft>
+                <a:spcPts val="0"/>
+              </a:spcAft>
+              <a:buNone/>
+            </a:pPr>
+            <a:r>
+              <a:rPr b="1" lang="fr" sz="2318">
+                <a:solidFill>
+                  <a:schemeClr val="dk1"/>
+                </a:solidFill>
+              </a:rPr>
+              <a:t>Open Food Facts </a:t>
+            </a:r>
+            <a:r>
+              <a:rPr lang="fr" sz="2318">
+                <a:solidFill>
+                  <a:schemeClr val="dk1"/>
+                </a:solidFill>
+              </a:rPr>
+              <a:t>est un projet collaboratif en ligne et mobile dont le but est de constituer une base de données libre et ouverte sur les produits alimentaires commercialisés dans le monde entier.</a:t>
+            </a:r>
+            <a:endParaRPr sz="2318">
+              <a:solidFill>
+                <a:schemeClr val="dk1"/>
+              </a:solidFill>
+            </a:endParaRPr>
+          </a:p>
+          <a:p>
+            <a:pPr indent="0" lvl="0" marL="0" rtl="0" algn="l">
+              <a:spcBef>
+                <a:spcPts val="1200"/>
+              </a:spcBef>
+              <a:spcAft>
+                <a:spcPts val="0"/>
+              </a:spcAft>
+              <a:buNone/>
+            </a:pPr>
+            <a:r>
+              <a:t/>
+            </a:r>
+            <a:endParaRPr>
+              <a:solidFill>
+                <a:schemeClr val="dk1"/>
+              </a:solidFill>
+            </a:endParaRPr>
+          </a:p>
+          <a:p>
+            <a:pPr indent="0" lvl="0" marL="0" rtl="0" algn="l">
+              <a:spcBef>
+                <a:spcPts val="1200"/>
+              </a:spcBef>
+              <a:spcAft>
+                <a:spcPts val="1200"/>
+              </a:spcAft>
+              <a:buNone/>
+            </a:pPr>
+            <a:r>
+              <a:t/>
+            </a:r>
+            <a:endParaRPr/>
+          </a:p>
+        </p:txBody>
+      </p:sp>
+    </p:spTree>
+  </p:cSld>
+  <p:clrMapOvr>
+    <a:masterClrMapping/>
+  </p:clrMapOvr>
+</p:sld>
+</file>
+
+<file path=ppt/slides/slide5.xml><?xml version="1.0" encoding="utf-8"?>
+<p:sld xmlns:a="http://schemas.openxmlformats.org/drawingml/2006/main" xmlns:r="http://schemas.openxmlformats.org/officeDocument/2006/relationships" xmlns:mc="http://schemas.openxmlformats.org/markup-compatibility/2006" xmlns:mv="urn:schemas-microsoft-com:mac:vml" xmlns:p="http://schemas.openxmlformats.org/presentationml/2006/main" xmlns:c="http://schemas.openxmlformats.org/drawingml/2006/chart" xmlns:dgm="http://schemas.openxmlformats.org/drawingml/2006/diagram" xmlns:o="urn:schemas-microsoft-com:office:office" xmlns:v="urn:schemas-microsoft-com:vml" xmlns:pvml="urn:schemas-microsoft-com:office:powerpoint" xmlns:com="http://schemas.openxmlformats.org/drawingml/2006/compatibility" xmlns:p14="http://schemas.microsoft.com/office/powerpoint/2010/main" xmlns:p15="http://schemas.microsoft.com/office/powerpoint/2012/main" xmlns:ahyp="http://schemas.microsoft.com/office/drawing/2018/hyperlinkcolor">
+  <p:cSld>
+    <p:spTree>
+      <p:nvGrpSpPr>
+        <p:cNvPr id="82" name="Shape 82"/>
+        <p:cNvGrpSpPr/>
+        <p:nvPr/>
+      </p:nvGrpSpPr>
+      <p:grpSpPr>
+        <a:xfrm>
+          <a:off x="0" y="0"/>
+          <a:ext cx="0" cy="0"/>
+          <a:chOff x="0" y="0"/>
+          <a:chExt cx="0" cy="0"/>
+        </a:xfrm>
+      </p:grpSpPr>
+      <p:sp>
+        <p:nvSpPr>
+          <p:cNvPr id="83" name="Google Shape;83;p17"/>
+          <p:cNvSpPr txBox="1"/>
+          <p:nvPr>
+            <p:ph type="title"/>
+          </p:nvPr>
+        </p:nvSpPr>
+        <p:spPr>
+          <a:xfrm>
+            <a:off x="311700" y="445025"/>
+            <a:ext cx="8520600" cy="572700"/>
+          </a:xfrm>
+          <a:prstGeom prst="rect">
+            <a:avLst/>
+          </a:prstGeom>
+        </p:spPr>
+        <p:txBody>
+          <a:bodyPr anchorCtr="0" anchor="t" bIns="91425" lIns="91425" spcFirstLastPara="1" rIns="91425" wrap="square" tIns="91425">
+            <a:normAutofit fontScale="90000"/>
+          </a:bodyPr>
+          <a:lstStyle/>
+          <a:p>
+            <a:pPr indent="-400050" lvl="0" marL="457200" rtl="0" algn="l">
+              <a:spcBef>
+                <a:spcPts val="0"/>
+              </a:spcBef>
+              <a:spcAft>
+                <a:spcPts val="0"/>
+              </a:spcAft>
+              <a:buSzPct val="100000"/>
+              <a:buAutoNum type="arabicPeriod"/>
+            </a:pPr>
+            <a:r>
+              <a:rPr lang="fr"/>
+              <a:t>Contexte</a:t>
+            </a:r>
+            <a:endParaRPr/>
+          </a:p>
+        </p:txBody>
+      </p:sp>
+      <p:sp>
+        <p:nvSpPr>
+          <p:cNvPr id="84" name="Google Shape;84;p17"/>
+          <p:cNvSpPr txBox="1"/>
+          <p:nvPr>
+            <p:ph idx="1" type="body"/>
+          </p:nvPr>
+        </p:nvSpPr>
+        <p:spPr>
+          <a:xfrm>
+            <a:off x="311700" y="1152475"/>
+            <a:ext cx="8520600" cy="3416400"/>
+          </a:xfrm>
+          <a:prstGeom prst="rect">
+            <a:avLst/>
+          </a:prstGeom>
+        </p:spPr>
+        <p:txBody>
+          <a:bodyPr anchorCtr="0" anchor="t" bIns="91425" lIns="91425" spcFirstLastPara="1" rIns="91425" wrap="square" tIns="91425">
+            <a:normAutofit fontScale="25000" lnSpcReduction="20000"/>
+          </a:bodyPr>
+          <a:lstStyle/>
+          <a:p>
+            <a:pPr indent="0" lvl="0" marL="0" rtl="0" algn="l">
+              <a:spcBef>
+                <a:spcPts val="0"/>
+              </a:spcBef>
+              <a:spcAft>
+                <a:spcPts val="0"/>
+              </a:spcAft>
+              <a:buNone/>
+            </a:pPr>
+            <a:r>
+              <a:rPr b="1" lang="fr" sz="7462">
+                <a:solidFill>
+                  <a:schemeClr val="dk1"/>
+                </a:solidFill>
+              </a:rPr>
+              <a:t>1.3 Notions métier:</a:t>
+            </a:r>
+            <a:endParaRPr b="1" sz="7462">
+              <a:solidFill>
+                <a:schemeClr val="dk1"/>
+              </a:solidFill>
+            </a:endParaRPr>
+          </a:p>
+          <a:p>
+            <a:pPr indent="0" lvl="0" marL="0" rtl="0" algn="l">
+              <a:spcBef>
+                <a:spcPts val="1200"/>
+              </a:spcBef>
+              <a:spcAft>
+                <a:spcPts val="0"/>
+              </a:spcAft>
+              <a:buNone/>
+            </a:pPr>
+            <a:r>
+              <a:rPr lang="fr" sz="6400">
+                <a:solidFill>
+                  <a:schemeClr val="dk1"/>
+                </a:solidFill>
+              </a:rPr>
+              <a:t> Il s’agit ici, d'après les des données de définir un </a:t>
+            </a:r>
+            <a:r>
+              <a:rPr b="1" lang="fr" sz="6400">
+                <a:solidFill>
+                  <a:schemeClr val="dk1"/>
+                </a:solidFill>
+              </a:rPr>
+              <a:t>score nutritif </a:t>
+            </a:r>
+            <a:r>
+              <a:rPr lang="fr" sz="6400">
+                <a:solidFill>
+                  <a:schemeClr val="dk1"/>
+                </a:solidFill>
+              </a:rPr>
+              <a:t> à chaque aliment.</a:t>
+            </a:r>
+            <a:endParaRPr sz="6400">
+              <a:solidFill>
+                <a:schemeClr val="dk1"/>
+              </a:solidFill>
+            </a:endParaRPr>
+          </a:p>
+          <a:p>
+            <a:pPr indent="0" lvl="0" marL="0" rtl="0" algn="l">
+              <a:spcBef>
+                <a:spcPts val="1200"/>
+              </a:spcBef>
+              <a:spcAft>
+                <a:spcPts val="0"/>
+              </a:spcAft>
+              <a:buNone/>
+            </a:pPr>
+            <a:r>
+              <a:rPr lang="fr" sz="6400">
+                <a:solidFill>
+                  <a:schemeClr val="dk1"/>
+                </a:solidFill>
+              </a:rPr>
+              <a:t>il existe déjà un Nutri-score définie par le gouvernement français.</a:t>
+            </a:r>
+            <a:endParaRPr sz="6400">
+              <a:solidFill>
+                <a:schemeClr val="dk1"/>
+              </a:solidFill>
+            </a:endParaRPr>
+          </a:p>
+          <a:p>
+            <a:pPr indent="0" lvl="0" marL="0" rtl="0" algn="l">
+              <a:spcBef>
+                <a:spcPts val="1200"/>
+              </a:spcBef>
+              <a:spcAft>
+                <a:spcPts val="0"/>
+              </a:spcAft>
+              <a:buNone/>
+            </a:pPr>
+            <a:r>
+              <a:rPr lang="fr" sz="6400">
+                <a:solidFill>
+                  <a:schemeClr val="dk1"/>
+                </a:solidFill>
+              </a:rPr>
+              <a:t>Ce Nutri-score est un logo qui informe sur la qualité nutritionnelle d’un produit. Celui ci est basé sur une échelle de 5 couleurs : </a:t>
+            </a:r>
+            <a:endParaRPr sz="6400">
+              <a:solidFill>
+                <a:schemeClr val="dk1"/>
+              </a:solidFill>
+            </a:endParaRPr>
+          </a:p>
+          <a:p>
+            <a:pPr indent="0" lvl="0" marL="0" rtl="0" algn="l">
+              <a:spcBef>
+                <a:spcPts val="1200"/>
+              </a:spcBef>
+              <a:spcAft>
+                <a:spcPts val="0"/>
+              </a:spcAft>
+              <a:buNone/>
+            </a:pPr>
+            <a:r>
+              <a:t/>
+            </a:r>
+            <a:endParaRPr sz="6400">
+              <a:solidFill>
+                <a:schemeClr val="dk1"/>
+              </a:solidFill>
+            </a:endParaRPr>
+          </a:p>
+          <a:p>
+            <a:pPr indent="0" lvl="0" marL="0" rtl="0" algn="l">
+              <a:spcBef>
+                <a:spcPts val="1200"/>
+              </a:spcBef>
+              <a:spcAft>
+                <a:spcPts val="0"/>
+              </a:spcAft>
+              <a:buNone/>
+            </a:pPr>
+            <a:r>
+              <a:t/>
+            </a:r>
+            <a:endParaRPr sz="6400">
+              <a:solidFill>
+                <a:schemeClr val="dk1"/>
+              </a:solidFill>
+            </a:endParaRPr>
+          </a:p>
+          <a:p>
+            <a:pPr indent="0" lvl="0" marL="0" rtl="0" algn="l">
+              <a:spcBef>
+                <a:spcPts val="1200"/>
+              </a:spcBef>
+              <a:spcAft>
+                <a:spcPts val="0"/>
+              </a:spcAft>
+              <a:buNone/>
+            </a:pPr>
+            <a:r>
+              <a:rPr lang="fr" sz="6400">
+                <a:solidFill>
+                  <a:schemeClr val="dk1"/>
+                </a:solidFill>
+              </a:rPr>
+              <a:t>Le Nutri-score n’existe pas pour tout les types d’aliments, cela ne concerne pas: les produits non transformés , certaines boissons, les aliments pour bébé, les alcools, les plats composés (2 scores)...</a:t>
+            </a:r>
+            <a:endParaRPr sz="6400">
+              <a:solidFill>
+                <a:schemeClr val="dk1"/>
+              </a:solidFill>
+            </a:endParaRPr>
+          </a:p>
+          <a:p>
+            <a:pPr indent="0" lvl="0" marL="0" rtl="0" algn="l">
+              <a:spcBef>
+                <a:spcPts val="1200"/>
+              </a:spcBef>
+              <a:spcAft>
+                <a:spcPts val="0"/>
+              </a:spcAft>
+              <a:buNone/>
+            </a:pPr>
+            <a:r>
+              <a:t/>
+            </a:r>
+            <a:endParaRPr>
+              <a:solidFill>
+                <a:schemeClr val="dk1"/>
+              </a:solidFill>
+            </a:endParaRPr>
+          </a:p>
+          <a:p>
+            <a:pPr indent="0" lvl="0" marL="0" rtl="0" algn="l">
+              <a:spcBef>
+                <a:spcPts val="1200"/>
+              </a:spcBef>
+              <a:spcAft>
+                <a:spcPts val="1200"/>
+              </a:spcAft>
+              <a:buNone/>
+            </a:pPr>
+            <a:r>
+              <a:t/>
+            </a:r>
+            <a:endParaRPr/>
+          </a:p>
+        </p:txBody>
+      </p:sp>
+      <p:pic>
+        <p:nvPicPr>
+          <p:cNvPr id="85" name="Google Shape;85;p17"/>
+          <p:cNvPicPr preferRelativeResize="0"/>
+          <p:nvPr/>
+        </p:nvPicPr>
+        <p:blipFill>
+          <a:blip r:embed="rId3">
+            <a:alphaModFix/>
+          </a:blip>
+          <a:stretch>
+            <a:fillRect/>
+          </a:stretch>
+        </p:blipFill>
+        <p:spPr>
+          <a:xfrm>
+            <a:off x="2159163" y="2882675"/>
+            <a:ext cx="4940617" cy="572700"/>
+          </a:xfrm>
+          <a:prstGeom prst="rect">
+            <a:avLst/>
+          </a:prstGeom>
+          <a:noFill/>
+          <a:ln>
+            <a:noFill/>
+          </a:ln>
+        </p:spPr>
+      </p:pic>
+    </p:spTree>
+  </p:cSld>
+  <p:clrMapOvr>
+    <a:masterClrMapping/>
+  </p:clrMapOvr>
+</p:sld>
+</file>
+
+<file path=ppt/slides/slide6.xml><?xml version="1.0" encoding="utf-8"?>
+<p:sld xmlns:a="http://schemas.openxmlformats.org/drawingml/2006/main" xmlns:r="http://schemas.openxmlformats.org/officeDocument/2006/relationships" xmlns:mc="http://schemas.openxmlformats.org/markup-compatibility/2006" xmlns:mv="urn:schemas-microsoft-com:mac:vml" xmlns:p="http://schemas.openxmlformats.org/presentationml/2006/main" xmlns:c="http://schemas.openxmlformats.org/drawingml/2006/chart" xmlns:dgm="http://schemas.openxmlformats.org/drawingml/2006/diagram" xmlns:o="urn:schemas-microsoft-com:office:office" xmlns:v="urn:schemas-microsoft-com:vml" xmlns:pvml="urn:schemas-microsoft-com:office:powerpoint" xmlns:com="http://schemas.openxmlformats.org/drawingml/2006/compatibility" xmlns:p14="http://schemas.microsoft.com/office/powerpoint/2010/main" xmlns:p15="http://schemas.microsoft.com/office/powerpoint/2012/main" xmlns:ahyp="http://schemas.microsoft.com/office/drawing/2018/hyperlinkcolor">
+  <p:cSld>
+    <p:spTree>
+      <p:nvGrpSpPr>
+        <p:cNvPr id="89" name="Shape 89"/>
+        <p:cNvGrpSpPr/>
+        <p:nvPr/>
+      </p:nvGrpSpPr>
+      <p:grpSpPr>
+        <a:xfrm>
+          <a:off x="0" y="0"/>
+          <a:ext cx="0" cy="0"/>
+          <a:chOff x="0" y="0"/>
+          <a:chExt cx="0" cy="0"/>
+        </a:xfrm>
+      </p:grpSpPr>
+      <p:sp>
+        <p:nvSpPr>
+          <p:cNvPr id="90" name="Google Shape;90;p18"/>
+          <p:cNvSpPr txBox="1"/>
+          <p:nvPr>
+            <p:ph type="title"/>
+          </p:nvPr>
+        </p:nvSpPr>
+        <p:spPr>
+          <a:xfrm>
+            <a:off x="311700" y="445025"/>
+            <a:ext cx="8520600" cy="572700"/>
+          </a:xfrm>
+          <a:prstGeom prst="rect">
+            <a:avLst/>
+          </a:prstGeom>
+        </p:spPr>
+        <p:txBody>
+          <a:bodyPr anchorCtr="0" anchor="t" bIns="91425" lIns="91425" spcFirstLastPara="1" rIns="91425" wrap="square" tIns="91425">
+            <a:noAutofit/>
+          </a:bodyPr>
+          <a:lstStyle/>
+          <a:p>
+            <a:pPr indent="0" lvl="0" marL="0" rtl="0" algn="l">
+              <a:spcBef>
+                <a:spcPts val="0"/>
+              </a:spcBef>
+              <a:spcAft>
+                <a:spcPts val="0"/>
+              </a:spcAft>
+              <a:buSzPts val="990"/>
+              <a:buNone/>
+            </a:pPr>
+            <a:r>
+              <a:rPr lang="fr" sz="2000"/>
+              <a:t>Méthode de calcul du Nutri-score</a:t>
+            </a:r>
+            <a:endParaRPr sz="2000"/>
+          </a:p>
+        </p:txBody>
+      </p:sp>
+      <p:sp>
+        <p:nvSpPr>
+          <p:cNvPr id="91" name="Google Shape;91;p18"/>
           <p:cNvSpPr txBox="1"/>
           <p:nvPr>
             <p:ph idx="1" type="body"/>
@@ -7444,7 +8541,7 @@
       </p:sp>
       <p:pic>
         <p:nvPicPr>
-          <p:cNvPr id="80" name="Google Shape;80;p16"/>
+          <p:cNvPr id="92" name="Google Shape;92;p18"/>
           <p:cNvPicPr preferRelativeResize="0"/>
           <p:nvPr/>
         </p:nvPicPr>
@@ -7471,7 +8568,7 @@
       </p:pic>
       <p:pic>
         <p:nvPicPr>
-          <p:cNvPr id="81" name="Google Shape;81;p16"/>
+          <p:cNvPr id="93" name="Google Shape;93;p18"/>
           <p:cNvPicPr preferRelativeResize="0"/>
           <p:nvPr/>
         </p:nvPicPr>
@@ -7498,7 +8595,7 @@
       </p:pic>
       <p:pic>
         <p:nvPicPr>
-          <p:cNvPr id="82" name="Google Shape;82;p16"/>
+          <p:cNvPr id="94" name="Google Shape;94;p18"/>
           <p:cNvPicPr preferRelativeResize="0"/>
           <p:nvPr/>
         </p:nvPicPr>
@@ -7531,12 +8628,12 @@
 </p:sld>
 </file>
 
-<file path=ppt/slides/slide5.xml><?xml version="1.0" encoding="utf-8"?>
+<file path=ppt/slides/slide7.xml><?xml version="1.0" encoding="utf-8"?>
 <p:sld xmlns:a="http://schemas.openxmlformats.org/drawingml/2006/main" xmlns:r="http://schemas.openxmlformats.org/officeDocument/2006/relationships" xmlns:mc="http://schemas.openxmlformats.org/markup-compatibility/2006" xmlns:mv="urn:schemas-microsoft-com:mac:vml" xmlns:p="http://schemas.openxmlformats.org/presentationml/2006/main" xmlns:c="http://schemas.openxmlformats.org/drawingml/2006/chart" xmlns:dgm="http://schemas.openxmlformats.org/drawingml/2006/diagram" xmlns:o="urn:schemas-microsoft-com:office:office" xmlns:v="urn:schemas-microsoft-com:vml" xmlns:pvml="urn:schemas-microsoft-com:office:powerpoint" xmlns:com="http://schemas.openxmlformats.org/drawingml/2006/compatibility" xmlns:p14="http://schemas.microsoft.com/office/powerpoint/2010/main" xmlns:p15="http://schemas.microsoft.com/office/powerpoint/2012/main" xmlns:ahyp="http://schemas.microsoft.com/office/drawing/2018/hyperlinkcolor">
   <p:cSld>
     <p:spTree>
       <p:nvGrpSpPr>
-        <p:cNvPr id="86" name="Shape 86"/>
+        <p:cNvPr id="98" name="Shape 98"/>
         <p:cNvGrpSpPr/>
         <p:nvPr/>
       </p:nvGrpSpPr>
@@ -7550,7 +8647,7 @@
       </p:grpSpPr>
       <p:sp>
         <p:nvSpPr>
-          <p:cNvPr id="87" name="Google Shape;87;p17"/>
+          <p:cNvPr id="99" name="Google Shape;99;p19"/>
           <p:cNvSpPr txBox="1"/>
           <p:nvPr>
             <p:ph type="title"/>
@@ -7582,7 +8679,7 @@
             </a:pPr>
             <a:r>
               <a:rPr lang="fr"/>
-              <a:t>Les data</a:t>
+              <a:t> 2. Objectifs</a:t>
             </a:r>
             <a:endParaRPr/>
           </a:p>
@@ -7590,7 +8687,7 @@
       </p:sp>
       <p:sp>
         <p:nvSpPr>
-          <p:cNvPr id="88" name="Google Shape;88;p17"/>
+          <p:cNvPr id="100" name="Google Shape;100;p19"/>
           <p:cNvSpPr txBox="1"/>
           <p:nvPr>
             <p:ph idx="1" type="body"/>
@@ -7607,13 +8704,13 @@
         </p:spPr>
         <p:txBody>
           <a:bodyPr anchorCtr="0" anchor="t" bIns="91425" lIns="91425" spcFirstLastPara="1" rIns="91425" wrap="square" tIns="91425">
-            <a:normAutofit lnSpcReduction="10000"/>
+            <a:normAutofit/>
           </a:bodyPr>
           <a:lstStyle/>
           <a:p>
             <a:pPr indent="0" lvl="0" marL="0" rtl="0" algn="l">
               <a:spcBef>
-                <a:spcPts val="0"/>
+                <a:spcPts val="1200"/>
               </a:spcBef>
               <a:spcAft>
                 <a:spcPts val="0"/>
@@ -7622,15 +8719,7 @@
             </a:pPr>
             <a:r>
               <a:rPr lang="fr"/>
-              <a:t>Nous allons utiliser la base de données </a:t>
-            </a:r>
-            <a:r>
-              <a:rPr b="1" lang="fr"/>
-              <a:t>Open Food Facts</a:t>
-            </a:r>
-            <a:r>
-              <a:rPr lang="fr"/>
-              <a:t>.</a:t>
+              <a:t>Etudier la donnée et sélectionner le sous ensemble qui va permettre de mettre en place la solution et de proposer un jeu de données de bonne qualité permettant de passer à l’implémentation du moteur de recommandation .</a:t>
             </a:r>
             <a:endParaRPr/>
           </a:p>
@@ -7645,8 +8734,7 @@
               <a:buNone/>
             </a:pPr>
             <a:r>
-              <a:rPr lang="fr"/>
-              <a:t>Cette base de données est mondiale elle a  donc une taille conséquente, il est nécessaire de la télécharger en local:</a:t>
+              <a:t/>
             </a:r>
             <a:endParaRPr/>
           </a:p>
@@ -7656,66 +8744,12 @@
                 <a:spcPts val="1200"/>
               </a:spcBef>
               <a:spcAft>
-                <a:spcPts val="0"/>
+                <a:spcPts val="1200"/>
               </a:spcAft>
               <a:buNone/>
             </a:pPr>
             <a:r>
-              <a:rPr lang="fr" u="sng">
-                <a:solidFill>
-                  <a:schemeClr val="hlink"/>
-                </a:solidFill>
-                <a:hlinkClick r:id="rId3"/>
-              </a:rPr>
-              <a:t>https://www.kaggle.com/openfoodfacts/world-food-fact</a:t>
-            </a:r>
-            <a:endParaRPr/>
-          </a:p>
-          <a:p>
-            <a:pPr indent="0" lvl="0" marL="0" rtl="0" algn="l">
-              <a:spcBef>
-                <a:spcPts val="1200"/>
-              </a:spcBef>
-              <a:spcAft>
-                <a:spcPts val="0"/>
-              </a:spcAft>
-              <a:buNone/>
-            </a:pPr>
-            <a:r>
-              <a:rPr b="1" lang="fr"/>
-              <a:t>Open Food Facts </a:t>
-            </a:r>
-            <a:r>
-              <a:rPr lang="fr"/>
-              <a:t>est un projet collaboratif en ligne et mobile dont le but est de constituer une base de données libre et ouverte sur les produits alimentaires commercialisés dans le monde entier.</a:t>
-            </a:r>
-            <a:endParaRPr/>
-          </a:p>
-          <a:p>
-            <a:pPr indent="0" lvl="0" marL="0" rtl="0" algn="l">
-              <a:spcBef>
-                <a:spcPts val="1200"/>
-              </a:spcBef>
-              <a:spcAft>
-                <a:spcPts val="1200"/>
-              </a:spcAft>
-              <a:buNone/>
-            </a:pPr>
-            <a:r>
-              <a:rPr lang="fr"/>
-              <a:t>Nous ne conserverons que les données </a:t>
-            </a:r>
-            <a:r>
-              <a:rPr lang="fr"/>
-              <a:t>française</a:t>
-            </a:r>
-            <a:r>
-              <a:rPr lang="fr"/>
-              <a:t> puisque l’application est destinée à un public </a:t>
-            </a:r>
-            <a:r>
-              <a:rPr lang="fr"/>
-              <a:t>français.</a:t>
+              <a:t/>
             </a:r>
             <a:endParaRPr/>
           </a:p>
@@ -7729,12 +8763,12 @@
 </p:sld>
 </file>
 
-<file path=ppt/slides/slide6.xml><?xml version="1.0" encoding="utf-8"?>
+<file path=ppt/slides/slide8.xml><?xml version="1.0" encoding="utf-8"?>
 <p:sld xmlns:a="http://schemas.openxmlformats.org/drawingml/2006/main" xmlns:r="http://schemas.openxmlformats.org/officeDocument/2006/relationships" xmlns:mc="http://schemas.openxmlformats.org/markup-compatibility/2006" xmlns:mv="urn:schemas-microsoft-com:mac:vml" xmlns:p="http://schemas.openxmlformats.org/presentationml/2006/main" xmlns:c="http://schemas.openxmlformats.org/drawingml/2006/chart" xmlns:dgm="http://schemas.openxmlformats.org/drawingml/2006/diagram" xmlns:o="urn:schemas-microsoft-com:office:office" xmlns:v="urn:schemas-microsoft-com:vml" xmlns:pvml="urn:schemas-microsoft-com:office:powerpoint" xmlns:com="http://schemas.openxmlformats.org/drawingml/2006/compatibility" xmlns:p14="http://schemas.microsoft.com/office/powerpoint/2010/main" xmlns:p15="http://schemas.microsoft.com/office/powerpoint/2012/main" xmlns:ahyp="http://schemas.microsoft.com/office/drawing/2018/hyperlinkcolor">
   <p:cSld>
     <p:spTree>
       <p:nvGrpSpPr>
-        <p:cNvPr id="92" name="Shape 92"/>
+        <p:cNvPr id="104" name="Shape 104"/>
         <p:cNvGrpSpPr/>
         <p:nvPr/>
       </p:nvGrpSpPr>
@@ -7748,659 +8782,7 @@
       </p:grpSpPr>
       <p:sp>
         <p:nvSpPr>
-          <p:cNvPr id="93" name="Google Shape;93;p18"/>
-          <p:cNvSpPr txBox="1"/>
-          <p:nvPr>
-            <p:ph type="title"/>
-          </p:nvPr>
-        </p:nvSpPr>
-        <p:spPr>
-          <a:xfrm>
-            <a:off x="64675" y="120000"/>
-            <a:ext cx="2839500" cy="513900"/>
-          </a:xfrm>
-          <a:prstGeom prst="rect">
-            <a:avLst/>
-          </a:prstGeom>
-        </p:spPr>
-        <p:txBody>
-          <a:bodyPr anchorCtr="0" anchor="b" bIns="91425" lIns="91425" spcFirstLastPara="1" rIns="91425" wrap="square" tIns="91425">
-            <a:normAutofit fontScale="90000"/>
-          </a:bodyPr>
-          <a:lstStyle/>
-          <a:p>
-            <a:pPr indent="0" lvl="0" marL="0" rtl="0" algn="l">
-              <a:spcBef>
-                <a:spcPts val="0"/>
-              </a:spcBef>
-              <a:spcAft>
-                <a:spcPts val="0"/>
-              </a:spcAft>
-              <a:buNone/>
-            </a:pPr>
-            <a:r>
-              <a:rPr lang="fr"/>
-              <a:t>Trello de départ</a:t>
-            </a:r>
-            <a:endParaRPr/>
-          </a:p>
-        </p:txBody>
-      </p:sp>
-      <p:sp>
-        <p:nvSpPr>
-          <p:cNvPr id="94" name="Google Shape;94;p18"/>
-          <p:cNvSpPr/>
-          <p:nvPr/>
-        </p:nvSpPr>
-        <p:spPr>
-          <a:xfrm>
-            <a:off x="330450" y="941050"/>
-            <a:ext cx="1644900" cy="1400700"/>
-          </a:xfrm>
-          <a:prstGeom prst="bracePair">
-            <a:avLst/>
-          </a:prstGeom>
-          <a:noFill/>
-          <a:ln cap="flat" cmpd="sng" w="9525">
-            <a:solidFill>
-              <a:schemeClr val="dk2"/>
-            </a:solidFill>
-            <a:prstDash val="solid"/>
-            <a:round/>
-            <a:headEnd len="sm" w="sm" type="none"/>
-            <a:tailEnd len="sm" w="sm" type="none"/>
-          </a:ln>
-        </p:spPr>
-        <p:txBody>
-          <a:bodyPr anchorCtr="0" anchor="ctr" bIns="91425" lIns="91425" spcFirstLastPara="1" rIns="91425" wrap="square" tIns="91425">
-            <a:noAutofit/>
-          </a:bodyPr>
-          <a:lstStyle/>
-          <a:p>
-            <a:pPr indent="0" lvl="0" marL="0" rtl="0" algn="l">
-              <a:spcBef>
-                <a:spcPts val="0"/>
-              </a:spcBef>
-              <a:spcAft>
-                <a:spcPts val="0"/>
-              </a:spcAft>
-              <a:buNone/>
-            </a:pPr>
-            <a:r>
-              <a:t/>
-            </a:r>
-            <a:endParaRPr b="1" sz="1600">
-              <a:solidFill>
-                <a:srgbClr val="CC0000"/>
-              </a:solidFill>
-            </a:endParaRPr>
-          </a:p>
-        </p:txBody>
-      </p:sp>
-      <p:pic>
-        <p:nvPicPr>
-          <p:cNvPr id="95" name="Google Shape;95;p18"/>
-          <p:cNvPicPr preferRelativeResize="0"/>
-          <p:nvPr/>
-        </p:nvPicPr>
-        <p:blipFill>
-          <a:blip r:embed="rId3">
-            <a:alphaModFix/>
-          </a:blip>
-          <a:stretch>
-            <a:fillRect/>
-          </a:stretch>
-        </p:blipFill>
-        <p:spPr>
-          <a:xfrm>
-            <a:off x="168824" y="633900"/>
-            <a:ext cx="1549350" cy="4409226"/>
-          </a:xfrm>
-          <a:prstGeom prst="rect">
-            <a:avLst/>
-          </a:prstGeom>
-          <a:noFill/>
-          <a:ln>
-            <a:noFill/>
-          </a:ln>
-        </p:spPr>
-      </p:pic>
-      <p:sp>
-        <p:nvSpPr>
-          <p:cNvPr id="96" name="Google Shape;96;p18"/>
-          <p:cNvSpPr txBox="1"/>
-          <p:nvPr/>
-        </p:nvSpPr>
-        <p:spPr>
-          <a:xfrm>
-            <a:off x="2043725" y="1155300"/>
-            <a:ext cx="6666300" cy="1046700"/>
-          </a:xfrm>
-          <a:prstGeom prst="rect">
-            <a:avLst/>
-          </a:prstGeom>
-          <a:noFill/>
-          <a:ln>
-            <a:noFill/>
-          </a:ln>
-        </p:spPr>
-        <p:txBody>
-          <a:bodyPr anchorCtr="0" anchor="t" bIns="91425" lIns="91425" spcFirstLastPara="1" rIns="91425" wrap="square" tIns="91425">
-            <a:spAutoFit/>
-          </a:bodyPr>
-          <a:lstStyle/>
-          <a:p>
-            <a:pPr indent="0" lvl="0" marL="0" rtl="0" algn="l">
-              <a:spcBef>
-                <a:spcPts val="0"/>
-              </a:spcBef>
-              <a:spcAft>
-                <a:spcPts val="0"/>
-              </a:spcAft>
-              <a:buNone/>
-            </a:pPr>
-            <a:r>
-              <a:rPr lang="fr">
-                <a:solidFill>
-                  <a:schemeClr val="dk1"/>
-                </a:solidFill>
-                <a:latin typeface="Average"/>
-                <a:ea typeface="Average"/>
-                <a:cs typeface="Average"/>
-                <a:sym typeface="Average"/>
-              </a:rPr>
-              <a:t>First cleaning : sur pycharm</a:t>
-            </a:r>
-            <a:endParaRPr>
-              <a:solidFill>
-                <a:schemeClr val="dk1"/>
-              </a:solidFill>
-              <a:latin typeface="Average"/>
-              <a:ea typeface="Average"/>
-              <a:cs typeface="Average"/>
-              <a:sym typeface="Average"/>
-            </a:endParaRPr>
-          </a:p>
-          <a:p>
-            <a:pPr indent="-317500" lvl="0" marL="457200" rtl="0" algn="l">
-              <a:spcBef>
-                <a:spcPts val="0"/>
-              </a:spcBef>
-              <a:spcAft>
-                <a:spcPts val="0"/>
-              </a:spcAft>
-              <a:buClr>
-                <a:schemeClr val="dk1"/>
-              </a:buClr>
-              <a:buSzPts val="1400"/>
-              <a:buFont typeface="Average"/>
-              <a:buChar char="-"/>
-            </a:pPr>
-            <a:r>
-              <a:rPr lang="fr">
-                <a:solidFill>
-                  <a:schemeClr val="dk1"/>
-                </a:solidFill>
-                <a:latin typeface="Average"/>
-                <a:ea typeface="Average"/>
-                <a:cs typeface="Average"/>
-                <a:sym typeface="Average"/>
-              </a:rPr>
-              <a:t>load_data.py : pour charger le fichier .tsv en dataframe. (10000 lignes 163 col)</a:t>
-            </a:r>
-            <a:endParaRPr>
-              <a:solidFill>
-                <a:schemeClr val="dk1"/>
-              </a:solidFill>
-              <a:latin typeface="Average"/>
-              <a:ea typeface="Average"/>
-              <a:cs typeface="Average"/>
-              <a:sym typeface="Average"/>
-            </a:endParaRPr>
-          </a:p>
-          <a:p>
-            <a:pPr indent="-317500" lvl="0" marL="457200" rtl="0" algn="just">
-              <a:spcBef>
-                <a:spcPts val="0"/>
-              </a:spcBef>
-              <a:spcAft>
-                <a:spcPts val="0"/>
-              </a:spcAft>
-              <a:buClr>
-                <a:schemeClr val="dk1"/>
-              </a:buClr>
-              <a:buSzPts val="1400"/>
-              <a:buFont typeface="Average"/>
-              <a:buChar char="-"/>
-            </a:pPr>
-            <a:r>
-              <a:rPr lang="fr">
-                <a:solidFill>
-                  <a:schemeClr val="dk1"/>
-                </a:solidFill>
-                <a:latin typeface="Average"/>
-                <a:ea typeface="Average"/>
-                <a:cs typeface="Average"/>
-                <a:sym typeface="Average"/>
-              </a:rPr>
-              <a:t>first_cleaning.py : pour modifier le sample et le sauvegarder dans la base sql en tant que “food_fact”. </a:t>
-            </a:r>
-            <a:endParaRPr>
-              <a:solidFill>
-                <a:schemeClr val="dk1"/>
-              </a:solidFill>
-              <a:latin typeface="Average"/>
-              <a:ea typeface="Average"/>
-              <a:cs typeface="Average"/>
-              <a:sym typeface="Average"/>
-            </a:endParaRPr>
-          </a:p>
-        </p:txBody>
-      </p:sp>
-      <p:sp>
-        <p:nvSpPr>
-          <p:cNvPr id="97" name="Google Shape;97;p18"/>
-          <p:cNvSpPr txBox="1"/>
-          <p:nvPr/>
-        </p:nvSpPr>
-        <p:spPr>
-          <a:xfrm>
-            <a:off x="2025725" y="2230800"/>
-            <a:ext cx="6702300" cy="1477500"/>
-          </a:xfrm>
-          <a:prstGeom prst="rect">
-            <a:avLst/>
-          </a:prstGeom>
-          <a:noFill/>
-          <a:ln>
-            <a:noFill/>
-          </a:ln>
-        </p:spPr>
-        <p:txBody>
-          <a:bodyPr anchorCtr="0" anchor="t" bIns="91425" lIns="91425" spcFirstLastPara="1" rIns="91425" wrap="square" tIns="91425">
-            <a:spAutoFit/>
-          </a:bodyPr>
-          <a:lstStyle/>
-          <a:p>
-            <a:pPr indent="0" lvl="0" marL="0" rtl="0" algn="just">
-              <a:spcBef>
-                <a:spcPts val="0"/>
-              </a:spcBef>
-              <a:spcAft>
-                <a:spcPts val="0"/>
-              </a:spcAft>
-              <a:buNone/>
-            </a:pPr>
-            <a:r>
-              <a:rPr lang="fr">
-                <a:solidFill>
-                  <a:schemeClr val="dk1"/>
-                </a:solidFill>
-                <a:latin typeface="Average"/>
-                <a:ea typeface="Average"/>
-                <a:cs typeface="Average"/>
-                <a:sym typeface="Average"/>
-              </a:rPr>
-              <a:t>Choix des colonnes à garder: pour un MVP:</a:t>
-            </a:r>
-            <a:endParaRPr>
-              <a:solidFill>
-                <a:schemeClr val="dk1"/>
-              </a:solidFill>
-              <a:latin typeface="Average"/>
-              <a:ea typeface="Average"/>
-              <a:cs typeface="Average"/>
-              <a:sym typeface="Average"/>
-            </a:endParaRPr>
-          </a:p>
-          <a:p>
-            <a:pPr indent="-317500" lvl="0" marL="457200" rtl="0" algn="just">
-              <a:spcBef>
-                <a:spcPts val="0"/>
-              </a:spcBef>
-              <a:spcAft>
-                <a:spcPts val="0"/>
-              </a:spcAft>
-              <a:buClr>
-                <a:schemeClr val="dk1"/>
-              </a:buClr>
-              <a:buSzPts val="1400"/>
-              <a:buFont typeface="Average"/>
-              <a:buChar char="-"/>
-            </a:pPr>
-            <a:r>
-              <a:rPr lang="fr">
-                <a:solidFill>
-                  <a:schemeClr val="dk1"/>
-                </a:solidFill>
-                <a:latin typeface="Average"/>
-                <a:ea typeface="Average"/>
-                <a:cs typeface="Average"/>
-                <a:sym typeface="Average"/>
-              </a:rPr>
-              <a:t>Toutes les colonnes participant au calcul du Nutri-score.(8 colonnes)</a:t>
-            </a:r>
-            <a:endParaRPr>
-              <a:solidFill>
-                <a:schemeClr val="dk1"/>
-              </a:solidFill>
-              <a:latin typeface="Average"/>
-              <a:ea typeface="Average"/>
-              <a:cs typeface="Average"/>
-              <a:sym typeface="Average"/>
-            </a:endParaRPr>
-          </a:p>
-          <a:p>
-            <a:pPr indent="-317500" lvl="0" marL="457200" rtl="0" algn="just">
-              <a:spcBef>
-                <a:spcPts val="0"/>
-              </a:spcBef>
-              <a:spcAft>
-                <a:spcPts val="0"/>
-              </a:spcAft>
-              <a:buClr>
-                <a:schemeClr val="dk1"/>
-              </a:buClr>
-              <a:buSzPts val="1400"/>
-              <a:buFont typeface="Average"/>
-              <a:buChar char="-"/>
-            </a:pPr>
-            <a:r>
-              <a:rPr lang="fr">
-                <a:solidFill>
-                  <a:schemeClr val="dk1"/>
-                </a:solidFill>
-                <a:latin typeface="Average"/>
-                <a:ea typeface="Average"/>
-                <a:cs typeface="Average"/>
-                <a:sym typeface="Average"/>
-              </a:rPr>
-              <a:t>La dénomination du produit.(1 colonne)</a:t>
-            </a:r>
-            <a:endParaRPr>
-              <a:solidFill>
-                <a:schemeClr val="dk1"/>
-              </a:solidFill>
-              <a:latin typeface="Average"/>
-              <a:ea typeface="Average"/>
-              <a:cs typeface="Average"/>
-              <a:sym typeface="Average"/>
-            </a:endParaRPr>
-          </a:p>
-          <a:p>
-            <a:pPr indent="-317500" lvl="0" marL="457200" rtl="0" algn="just">
-              <a:spcBef>
-                <a:spcPts val="0"/>
-              </a:spcBef>
-              <a:spcAft>
-                <a:spcPts val="0"/>
-              </a:spcAft>
-              <a:buClr>
-                <a:schemeClr val="dk1"/>
-              </a:buClr>
-              <a:buSzPts val="1400"/>
-              <a:buFont typeface="Average"/>
-              <a:buChar char="-"/>
-            </a:pPr>
-            <a:r>
-              <a:rPr lang="fr">
-                <a:solidFill>
-                  <a:schemeClr val="dk1"/>
-                </a:solidFill>
-                <a:latin typeface="Average"/>
-                <a:ea typeface="Average"/>
-                <a:cs typeface="Average"/>
-                <a:sym typeface="Average"/>
-              </a:rPr>
-              <a:t>Le Nutri-score francais</a:t>
-            </a:r>
-            <a:endParaRPr>
-              <a:solidFill>
-                <a:schemeClr val="dk1"/>
-              </a:solidFill>
-              <a:latin typeface="Average"/>
-              <a:ea typeface="Average"/>
-              <a:cs typeface="Average"/>
-              <a:sym typeface="Average"/>
-            </a:endParaRPr>
-          </a:p>
-          <a:p>
-            <a:pPr indent="0" lvl="0" marL="0" rtl="0" algn="just">
-              <a:spcBef>
-                <a:spcPts val="0"/>
-              </a:spcBef>
-              <a:spcAft>
-                <a:spcPts val="0"/>
-              </a:spcAft>
-              <a:buNone/>
-            </a:pPr>
-            <a:r>
-              <a:rPr lang="fr">
-                <a:solidFill>
-                  <a:schemeClr val="dk1"/>
-                </a:solidFill>
-                <a:latin typeface="Average"/>
-                <a:ea typeface="Average"/>
-                <a:cs typeface="Average"/>
-                <a:sym typeface="Average"/>
-              </a:rPr>
-              <a:t>Il n’y a donc pas de colonnes vides à supprimer</a:t>
-            </a:r>
-            <a:endParaRPr>
-              <a:solidFill>
-                <a:schemeClr val="dk1"/>
-              </a:solidFill>
-              <a:latin typeface="Average"/>
-              <a:ea typeface="Average"/>
-              <a:cs typeface="Average"/>
-              <a:sym typeface="Average"/>
-            </a:endParaRPr>
-          </a:p>
-          <a:p>
-            <a:pPr indent="0" lvl="0" marL="0" rtl="0" algn="just">
-              <a:spcBef>
-                <a:spcPts val="0"/>
-              </a:spcBef>
-              <a:spcAft>
-                <a:spcPts val="0"/>
-              </a:spcAft>
-              <a:buNone/>
-            </a:pPr>
-            <a:r>
-              <a:t/>
-            </a:r>
-            <a:endParaRPr>
-              <a:solidFill>
-                <a:schemeClr val="dk1"/>
-              </a:solidFill>
-              <a:latin typeface="Average"/>
-              <a:ea typeface="Average"/>
-              <a:cs typeface="Average"/>
-              <a:sym typeface="Average"/>
-            </a:endParaRPr>
-          </a:p>
-        </p:txBody>
-      </p:sp>
-      <p:sp>
-        <p:nvSpPr>
-          <p:cNvPr id="98" name="Google Shape;98;p18"/>
-          <p:cNvSpPr txBox="1"/>
-          <p:nvPr/>
-        </p:nvSpPr>
-        <p:spPr>
-          <a:xfrm>
-            <a:off x="2043725" y="4453900"/>
-            <a:ext cx="6666300" cy="431100"/>
-          </a:xfrm>
-          <a:prstGeom prst="rect">
-            <a:avLst/>
-          </a:prstGeom>
-          <a:noFill/>
-          <a:ln>
-            <a:noFill/>
-          </a:ln>
-        </p:spPr>
-        <p:txBody>
-          <a:bodyPr anchorCtr="0" anchor="t" bIns="91425" lIns="91425" spcFirstLastPara="1" rIns="91425" wrap="square" tIns="91425">
-            <a:spAutoFit/>
-          </a:bodyPr>
-          <a:lstStyle/>
-          <a:p>
-            <a:pPr indent="0" lvl="0" marL="0" rtl="0" algn="l">
-              <a:spcBef>
-                <a:spcPts val="0"/>
-              </a:spcBef>
-              <a:spcAft>
-                <a:spcPts val="0"/>
-              </a:spcAft>
-              <a:buNone/>
-            </a:pPr>
-            <a:r>
-              <a:rPr lang="fr" sz="1600">
-                <a:solidFill>
-                  <a:schemeClr val="dk1"/>
-                </a:solidFill>
-                <a:latin typeface="Average"/>
-                <a:ea typeface="Average"/>
-                <a:cs typeface="Average"/>
-                <a:sym typeface="Average"/>
-              </a:rPr>
-              <a:t>Le sample final comprend 10 000 lignes et 9 colonnes</a:t>
-            </a:r>
-            <a:endParaRPr sz="1600">
-              <a:solidFill>
-                <a:schemeClr val="dk1"/>
-              </a:solidFill>
-              <a:latin typeface="Average"/>
-              <a:ea typeface="Average"/>
-              <a:cs typeface="Average"/>
-              <a:sym typeface="Average"/>
-            </a:endParaRPr>
-          </a:p>
-        </p:txBody>
-      </p:sp>
-      <p:sp>
-        <p:nvSpPr>
-          <p:cNvPr id="99" name="Google Shape;99;p18"/>
-          <p:cNvSpPr txBox="1"/>
-          <p:nvPr/>
-        </p:nvSpPr>
-        <p:spPr>
-          <a:xfrm>
-            <a:off x="2043725" y="3737100"/>
-            <a:ext cx="6587400" cy="615600"/>
-          </a:xfrm>
-          <a:prstGeom prst="rect">
-            <a:avLst/>
-          </a:prstGeom>
-          <a:noFill/>
-          <a:ln>
-            <a:noFill/>
-          </a:ln>
-        </p:spPr>
-        <p:txBody>
-          <a:bodyPr anchorCtr="0" anchor="t" bIns="91425" lIns="91425" spcFirstLastPara="1" rIns="91425" wrap="square" tIns="91425">
-            <a:spAutoFit/>
-          </a:bodyPr>
-          <a:lstStyle/>
-          <a:p>
-            <a:pPr indent="0" lvl="0" marL="0" rtl="0" algn="l">
-              <a:spcBef>
-                <a:spcPts val="0"/>
-              </a:spcBef>
-              <a:spcAft>
-                <a:spcPts val="0"/>
-              </a:spcAft>
-              <a:buNone/>
-            </a:pPr>
-            <a:r>
-              <a:rPr lang="fr">
-                <a:solidFill>
-                  <a:schemeClr val="dk1"/>
-                </a:solidFill>
-                <a:latin typeface="Average"/>
-                <a:ea typeface="Average"/>
-                <a:cs typeface="Average"/>
-                <a:sym typeface="Average"/>
-              </a:rPr>
-              <a:t>Après</a:t>
-            </a:r>
-            <a:r>
-              <a:rPr lang="fr">
-                <a:solidFill>
-                  <a:schemeClr val="dk1"/>
-                </a:solidFill>
-                <a:latin typeface="Average"/>
-                <a:ea typeface="Average"/>
-                <a:cs typeface="Average"/>
-                <a:sym typeface="Average"/>
-              </a:rPr>
-              <a:t> avoir conservé 9 colonnes il </a:t>
-            </a:r>
-            <a:r>
-              <a:rPr lang="fr">
-                <a:solidFill>
-                  <a:schemeClr val="dk1"/>
-                </a:solidFill>
-                <a:latin typeface="Average"/>
-                <a:ea typeface="Average"/>
-                <a:cs typeface="Average"/>
-                <a:sym typeface="Average"/>
-              </a:rPr>
-              <a:t>apparaît</a:t>
-            </a:r>
-            <a:r>
-              <a:rPr lang="fr">
-                <a:solidFill>
-                  <a:schemeClr val="dk1"/>
-                </a:solidFill>
-                <a:latin typeface="Average"/>
-                <a:ea typeface="Average"/>
-                <a:cs typeface="Average"/>
-                <a:sym typeface="Average"/>
-              </a:rPr>
-              <a:t> que certaine lignes sont vides. Je supprime les lignes vides.</a:t>
-            </a:r>
-            <a:endParaRPr>
-              <a:solidFill>
-                <a:schemeClr val="dk1"/>
-              </a:solidFill>
-              <a:latin typeface="Average"/>
-              <a:ea typeface="Average"/>
-              <a:cs typeface="Average"/>
-              <a:sym typeface="Average"/>
-            </a:endParaRPr>
-          </a:p>
-        </p:txBody>
-      </p:sp>
-    </p:spTree>
-  </p:cSld>
-  <p:clrMapOvr>
-    <a:masterClrMapping/>
-  </p:clrMapOvr>
-</p:sld>
-</file>
-
-<file path=ppt/slides/slide7.xml><?xml version="1.0" encoding="utf-8"?>
-<p:sld xmlns:a="http://schemas.openxmlformats.org/drawingml/2006/main" xmlns:r="http://schemas.openxmlformats.org/officeDocument/2006/relationships" xmlns:mc="http://schemas.openxmlformats.org/markup-compatibility/2006" xmlns:mv="urn:schemas-microsoft-com:mac:vml" xmlns:p="http://schemas.openxmlformats.org/presentationml/2006/main" xmlns:c="http://schemas.openxmlformats.org/drawingml/2006/chart" xmlns:dgm="http://schemas.openxmlformats.org/drawingml/2006/diagram" xmlns:o="urn:schemas-microsoft-com:office:office" xmlns:v="urn:schemas-microsoft-com:vml" xmlns:pvml="urn:schemas-microsoft-com:office:powerpoint" xmlns:com="http://schemas.openxmlformats.org/drawingml/2006/compatibility" xmlns:p14="http://schemas.microsoft.com/office/powerpoint/2010/main" xmlns:p15="http://schemas.microsoft.com/office/powerpoint/2012/main" xmlns:ahyp="http://schemas.microsoft.com/office/drawing/2018/hyperlinkcolor">
-  <p:cSld>
-    <p:spTree>
-      <p:nvGrpSpPr>
-        <p:cNvPr id="103" name="Shape 103"/>
-        <p:cNvGrpSpPr/>
-        <p:nvPr/>
-      </p:nvGrpSpPr>
-      <p:grpSpPr>
-        <a:xfrm>
-          <a:off x="0" y="0"/>
-          <a:ext cx="0" cy="0"/>
-          <a:chOff x="0" y="0"/>
-          <a:chExt cx="0" cy="0"/>
-        </a:xfrm>
-      </p:grpSpPr>
-      <p:sp>
-        <p:nvSpPr>
-          <p:cNvPr id="104" name="Google Shape;104;p19"/>
+          <p:cNvPr id="105" name="Google Shape;105;p20"/>
           <p:cNvSpPr txBox="1"/>
           <p:nvPr>
             <p:ph type="title"/>
@@ -8432,7 +8814,7 @@
             </a:pPr>
             <a:r>
               <a:rPr lang="fr"/>
-              <a:t>analyse des notebooks existants sur kaggle</a:t>
+              <a:t>3. Présentation du jeu de données </a:t>
             </a:r>
             <a:endParaRPr/>
           </a:p>
@@ -8440,7 +8822,7 @@
       </p:sp>
       <p:sp>
         <p:nvSpPr>
-          <p:cNvPr id="105" name="Google Shape;105;p19"/>
+          <p:cNvPr id="106" name="Google Shape;106;p20"/>
           <p:cNvSpPr txBox="1"/>
           <p:nvPr>
             <p:ph idx="1" type="body"/>
@@ -8485,12 +8867,12 @@
 </p:sld>
 </file>
 
-<file path=ppt/slides/slide8.xml><?xml version="1.0" encoding="utf-8"?>
+<file path=ppt/slides/slide9.xml><?xml version="1.0" encoding="utf-8"?>
 <p:sld xmlns:a="http://schemas.openxmlformats.org/drawingml/2006/main" xmlns:r="http://schemas.openxmlformats.org/officeDocument/2006/relationships" xmlns:mc="http://schemas.openxmlformats.org/markup-compatibility/2006" xmlns:mv="urn:schemas-microsoft-com:mac:vml" xmlns:p="http://schemas.openxmlformats.org/presentationml/2006/main" xmlns:c="http://schemas.openxmlformats.org/drawingml/2006/chart" xmlns:dgm="http://schemas.openxmlformats.org/drawingml/2006/diagram" xmlns:o="urn:schemas-microsoft-com:office:office" xmlns:v="urn:schemas-microsoft-com:vml" xmlns:pvml="urn:schemas-microsoft-com:office:powerpoint" xmlns:com="http://schemas.openxmlformats.org/drawingml/2006/compatibility" xmlns:p14="http://schemas.microsoft.com/office/powerpoint/2010/main" xmlns:p15="http://schemas.microsoft.com/office/powerpoint/2012/main" xmlns:ahyp="http://schemas.microsoft.com/office/drawing/2018/hyperlinkcolor">
   <p:cSld>
     <p:spTree>
       <p:nvGrpSpPr>
-        <p:cNvPr id="109" name="Shape 109"/>
+        <p:cNvPr id="110" name="Shape 110"/>
         <p:cNvGrpSpPr/>
         <p:nvPr/>
       </p:nvGrpSpPr>
@@ -8504,7 +8886,7 @@
       </p:grpSpPr>
       <p:sp>
         <p:nvSpPr>
-          <p:cNvPr id="110" name="Google Shape;110;p20"/>
+          <p:cNvPr id="111" name="Google Shape;111;p21"/>
           <p:cNvSpPr txBox="1"/>
           <p:nvPr>
             <p:ph type="title"/>
@@ -8536,7 +8918,7 @@
             </a:pPr>
             <a:r>
               <a:rPr lang="fr"/>
-              <a:t>Data cleaning</a:t>
+              <a:t>4. Nettoyage des données </a:t>
             </a:r>
             <a:endParaRPr/>
           </a:p>
@@ -8544,257 +8926,7 @@
       </p:sp>
       <p:sp>
         <p:nvSpPr>
-          <p:cNvPr id="111" name="Google Shape;111;p20"/>
-          <p:cNvSpPr txBox="1"/>
-          <p:nvPr>
-            <p:ph idx="1" type="body"/>
-          </p:nvPr>
-        </p:nvSpPr>
-        <p:spPr>
-          <a:xfrm>
-            <a:off x="311700" y="1152475"/>
-            <a:ext cx="8520600" cy="3416400"/>
-          </a:xfrm>
-          <a:prstGeom prst="rect">
-            <a:avLst/>
-          </a:prstGeom>
-        </p:spPr>
-        <p:txBody>
-          <a:bodyPr anchorCtr="0" anchor="t" bIns="91425" lIns="91425" spcFirstLastPara="1" rIns="91425" wrap="square" tIns="91425">
-            <a:normAutofit/>
-          </a:bodyPr>
-          <a:lstStyle/>
-          <a:p>
-            <a:pPr indent="0" lvl="0" marL="0" rtl="0" algn="l">
-              <a:spcBef>
-                <a:spcPts val="0"/>
-              </a:spcBef>
-              <a:spcAft>
-                <a:spcPts val="0"/>
-              </a:spcAft>
-              <a:buNone/>
-            </a:pPr>
-            <a:r>
-              <a:t/>
-            </a:r>
-            <a:endParaRPr/>
-          </a:p>
-          <a:p>
-            <a:pPr indent="0" lvl="0" marL="0" rtl="0" algn="l">
-              <a:spcBef>
-                <a:spcPts val="1200"/>
-              </a:spcBef>
-              <a:spcAft>
-                <a:spcPts val="0"/>
-              </a:spcAft>
-              <a:buNone/>
-            </a:pPr>
-            <a:r>
-              <a:t/>
-            </a:r>
-            <a:endParaRPr/>
-          </a:p>
-          <a:p>
-            <a:pPr indent="0" lvl="0" marL="0" rtl="0" algn="l">
-              <a:spcBef>
-                <a:spcPts val="1200"/>
-              </a:spcBef>
-              <a:spcAft>
-                <a:spcPts val="0"/>
-              </a:spcAft>
-              <a:buNone/>
-            </a:pPr>
-            <a:r>
-              <a:t/>
-            </a:r>
-            <a:endParaRPr/>
-          </a:p>
-          <a:p>
-            <a:pPr indent="0" lvl="0" marL="0" rtl="0" algn="l">
-              <a:spcBef>
-                <a:spcPts val="1200"/>
-              </a:spcBef>
-              <a:spcAft>
-                <a:spcPts val="0"/>
-              </a:spcAft>
-              <a:buNone/>
-            </a:pPr>
-            <a:r>
-              <a:t/>
-            </a:r>
-            <a:endParaRPr/>
-          </a:p>
-          <a:p>
-            <a:pPr indent="0" lvl="0" marL="0" rtl="0" algn="l">
-              <a:spcBef>
-                <a:spcPts val="1200"/>
-              </a:spcBef>
-              <a:spcAft>
-                <a:spcPts val="1200"/>
-              </a:spcAft>
-              <a:buNone/>
-            </a:pPr>
-            <a:r>
-              <a:t/>
-            </a:r>
-            <a:endParaRPr/>
-          </a:p>
-        </p:txBody>
-      </p:sp>
-      <p:pic>
-        <p:nvPicPr>
-          <p:cNvPr id="112" name="Google Shape;112;p20"/>
-          <p:cNvPicPr preferRelativeResize="0"/>
-          <p:nvPr/>
-        </p:nvPicPr>
-        <p:blipFill>
-          <a:blip r:embed="rId3">
-            <a:alphaModFix/>
-          </a:blip>
-          <a:stretch>
-            <a:fillRect/>
-          </a:stretch>
-        </p:blipFill>
-        <p:spPr>
-          <a:xfrm>
-            <a:off x="4408261" y="1063175"/>
-            <a:ext cx="4264125" cy="3958200"/>
-          </a:xfrm>
-          <a:prstGeom prst="rect">
-            <a:avLst/>
-          </a:prstGeom>
-          <a:noFill/>
-          <a:ln>
-            <a:noFill/>
-          </a:ln>
-        </p:spPr>
-      </p:pic>
-      <p:sp>
-        <p:nvSpPr>
-          <p:cNvPr id="113" name="Google Shape;113;p20"/>
-          <p:cNvSpPr txBox="1"/>
-          <p:nvPr/>
-        </p:nvSpPr>
-        <p:spPr>
-          <a:xfrm>
-            <a:off x="150850" y="1831825"/>
-            <a:ext cx="4137900" cy="400200"/>
-          </a:xfrm>
-          <a:prstGeom prst="rect">
-            <a:avLst/>
-          </a:prstGeom>
-          <a:noFill/>
-          <a:ln>
-            <a:noFill/>
-          </a:ln>
-        </p:spPr>
-        <p:txBody>
-          <a:bodyPr anchorCtr="0" anchor="t" bIns="91425" lIns="91425" spcFirstLastPara="1" rIns="91425" wrap="square" tIns="91425">
-            <a:spAutoFit/>
-          </a:bodyPr>
-          <a:lstStyle/>
-          <a:p>
-            <a:pPr indent="0" lvl="0" marL="0" rtl="0" algn="l">
-              <a:spcBef>
-                <a:spcPts val="0"/>
-              </a:spcBef>
-              <a:spcAft>
-                <a:spcPts val="0"/>
-              </a:spcAft>
-              <a:buNone/>
-            </a:pPr>
-            <a:r>
-              <a:rPr lang="fr">
-                <a:solidFill>
-                  <a:schemeClr val="dk1"/>
-                </a:solidFill>
-                <a:latin typeface="Average"/>
-                <a:ea typeface="Average"/>
-                <a:cs typeface="Average"/>
-                <a:sym typeface="Average"/>
-              </a:rPr>
-              <a:t>Voir Jupyter notebook : </a:t>
-            </a:r>
-            <a:endParaRPr>
-              <a:solidFill>
-                <a:schemeClr val="dk1"/>
-              </a:solidFill>
-              <a:latin typeface="Average"/>
-              <a:ea typeface="Average"/>
-              <a:cs typeface="Average"/>
-              <a:sym typeface="Average"/>
-            </a:endParaRPr>
-          </a:p>
-        </p:txBody>
-      </p:sp>
-    </p:spTree>
-  </p:cSld>
-  <p:clrMapOvr>
-    <a:masterClrMapping/>
-  </p:clrMapOvr>
-</p:sld>
-</file>
-
-<file path=ppt/slides/slide9.xml><?xml version="1.0" encoding="utf-8"?>
-<p:sld xmlns:a="http://schemas.openxmlformats.org/drawingml/2006/main" xmlns:r="http://schemas.openxmlformats.org/officeDocument/2006/relationships" xmlns:mc="http://schemas.openxmlformats.org/markup-compatibility/2006" xmlns:mv="urn:schemas-microsoft-com:mac:vml" xmlns:p="http://schemas.openxmlformats.org/presentationml/2006/main" xmlns:c="http://schemas.openxmlformats.org/drawingml/2006/chart" xmlns:dgm="http://schemas.openxmlformats.org/drawingml/2006/diagram" xmlns:o="urn:schemas-microsoft-com:office:office" xmlns:v="urn:schemas-microsoft-com:vml" xmlns:pvml="urn:schemas-microsoft-com:office:powerpoint" xmlns:com="http://schemas.openxmlformats.org/drawingml/2006/compatibility" xmlns:p14="http://schemas.microsoft.com/office/powerpoint/2010/main" xmlns:p15="http://schemas.microsoft.com/office/powerpoint/2012/main" xmlns:ahyp="http://schemas.microsoft.com/office/drawing/2018/hyperlinkcolor">
-  <p:cSld>
-    <p:spTree>
-      <p:nvGrpSpPr>
-        <p:cNvPr id="117" name="Shape 117"/>
-        <p:cNvGrpSpPr/>
-        <p:nvPr/>
-      </p:nvGrpSpPr>
-      <p:grpSpPr>
-        <a:xfrm>
-          <a:off x="0" y="0"/>
-          <a:ext cx="0" cy="0"/>
-          <a:chOff x="0" y="0"/>
-          <a:chExt cx="0" cy="0"/>
-        </a:xfrm>
-      </p:grpSpPr>
-      <p:sp>
-        <p:nvSpPr>
-          <p:cNvPr id="118" name="Google Shape;118;p21"/>
-          <p:cNvSpPr txBox="1"/>
-          <p:nvPr>
-            <p:ph type="title"/>
-          </p:nvPr>
-        </p:nvSpPr>
-        <p:spPr>
-          <a:xfrm>
-            <a:off x="311700" y="445025"/>
-            <a:ext cx="8520600" cy="572700"/>
-          </a:xfrm>
-          <a:prstGeom prst="rect">
-            <a:avLst/>
-          </a:prstGeom>
-        </p:spPr>
-        <p:txBody>
-          <a:bodyPr anchorCtr="0" anchor="t" bIns="91425" lIns="91425" spcFirstLastPara="1" rIns="91425" wrap="square" tIns="91425">
-            <a:normAutofit fontScale="90000"/>
-          </a:bodyPr>
-          <a:lstStyle/>
-          <a:p>
-            <a:pPr indent="0" lvl="0" marL="0" rtl="0" algn="l">
-              <a:spcBef>
-                <a:spcPts val="0"/>
-              </a:spcBef>
-              <a:spcAft>
-                <a:spcPts val="0"/>
-              </a:spcAft>
-              <a:buNone/>
-            </a:pPr>
-            <a:r>
-              <a:rPr lang="fr"/>
-              <a:t>livrable n°2: data cleaning </a:t>
-            </a:r>
-            <a:endParaRPr/>
-          </a:p>
-        </p:txBody>
-      </p:sp>
-      <p:sp>
-        <p:nvSpPr>
-          <p:cNvPr id="119" name="Google Shape;119;p21"/>
+          <p:cNvPr id="112" name="Google Shape;112;p21"/>
           <p:cNvSpPr txBox="1"/>
           <p:nvPr>
             <p:ph idx="1" type="body"/>

--- a/FOODFLIX.pptx
+++ b/FOODFLIX.pptx
@@ -19,18 +19,19 @@
     <p:sldId id="264" r:id="rId14"/>
     <p:sldId id="265" r:id="rId15"/>
     <p:sldId id="266" r:id="rId16"/>
+    <p:sldId id="267" r:id="rId17"/>
   </p:sldIdLst>
   <p:sldSz cy="5143500" cx="9144000"/>
   <p:notesSz cx="6858000" cy="9144000"/>
   <p:embeddedFontLst>
     <p:embeddedFont>
       <p:font typeface="Average"/>
-      <p:regular r:id="rId17"/>
+      <p:regular r:id="rId18"/>
     </p:embeddedFont>
     <p:embeddedFont>
       <p:font typeface="Oswald"/>
-      <p:regular r:id="rId18"/>
-      <p:bold r:id="rId19"/>
+      <p:regular r:id="rId19"/>
+      <p:bold r:id="rId20"/>
     </p:embeddedFont>
   </p:embeddedFontLst>
   <p:defaultTextStyle>
@@ -825,7 +826,7 @@
       </p:grpSpPr>
       <p:sp>
         <p:nvSpPr>
-          <p:cNvPr id="114" name="Google Shape;114;gca2beed3b8_0_50:notes"/>
+          <p:cNvPr id="114" name="Google Shape;114;gca2beed3b8_0_45:notes"/>
           <p:cNvSpPr/>
           <p:nvPr>
             <p:ph idx="2" type="sldImg"/>
@@ -860,7 +861,7 @@
       </p:sp>
       <p:sp>
         <p:nvSpPr>
-          <p:cNvPr id="115" name="Google Shape;115;gca2beed3b8_0_50:notes"/>
+          <p:cNvPr id="115" name="Google Shape;115;gca2beed3b8_0_45:notes"/>
           <p:cNvSpPr txBox="1"/>
           <p:nvPr>
             <p:ph idx="1" type="body"/>
@@ -924,7 +925,7 @@
       </p:grpSpPr>
       <p:sp>
         <p:nvSpPr>
-          <p:cNvPr id="120" name="Google Shape;120;gca2beed3b8_0_55:notes"/>
+          <p:cNvPr id="120" name="Google Shape;120;gca2beed3b8_0_50:notes"/>
           <p:cNvSpPr/>
           <p:nvPr>
             <p:ph idx="2" type="sldImg"/>
@@ -959,7 +960,106 @@
       </p:sp>
       <p:sp>
         <p:nvSpPr>
-          <p:cNvPr id="121" name="Google Shape;121;gca2beed3b8_0_55:notes"/>
+          <p:cNvPr id="121" name="Google Shape;121;gca2beed3b8_0_50:notes"/>
+          <p:cNvSpPr txBox="1"/>
+          <p:nvPr>
+            <p:ph idx="1" type="body"/>
+          </p:nvPr>
+        </p:nvSpPr>
+        <p:spPr>
+          <a:xfrm>
+            <a:off x="685800" y="4343400"/>
+            <a:ext cx="5486400" cy="4114800"/>
+          </a:xfrm>
+          <a:prstGeom prst="rect">
+            <a:avLst/>
+          </a:prstGeom>
+        </p:spPr>
+        <p:txBody>
+          <a:bodyPr anchorCtr="0" anchor="t" bIns="91425" lIns="91425" spcFirstLastPara="1" rIns="91425" wrap="square" tIns="91425">
+            <a:noAutofit/>
+          </a:bodyPr>
+          <a:lstStyle/>
+          <a:p>
+            <a:pPr indent="0" lvl="0" marL="0" rtl="0" algn="l">
+              <a:spcBef>
+                <a:spcPts val="0"/>
+              </a:spcBef>
+              <a:spcAft>
+                <a:spcPts val="0"/>
+              </a:spcAft>
+              <a:buNone/>
+            </a:pPr>
+            <a:r>
+              <a:t/>
+            </a:r>
+            <a:endParaRPr/>
+          </a:p>
+        </p:txBody>
+      </p:sp>
+    </p:spTree>
+  </p:cSld>
+  <p:clrMapOvr>
+    <a:masterClrMapping/>
+  </p:clrMapOvr>
+</p:notes>
+</file>
+
+<file path=ppt/notesSlides/notesSlide12.xml><?xml version="1.0" encoding="utf-8"?>
+<p:notes xmlns:a="http://schemas.openxmlformats.org/drawingml/2006/main" xmlns:r="http://schemas.openxmlformats.org/officeDocument/2006/relationships" xmlns:mc="http://schemas.openxmlformats.org/markup-compatibility/2006" xmlns:mv="urn:schemas-microsoft-com:mac:vml" xmlns:p="http://schemas.openxmlformats.org/presentationml/2006/main" xmlns:c="http://schemas.openxmlformats.org/drawingml/2006/chart" xmlns:dgm="http://schemas.openxmlformats.org/drawingml/2006/diagram" xmlns:o="urn:schemas-microsoft-com:office:office" xmlns:v="urn:schemas-microsoft-com:vml" xmlns:pvml="urn:schemas-microsoft-com:office:powerpoint" xmlns:com="http://schemas.openxmlformats.org/drawingml/2006/compatibility" xmlns:p14="http://schemas.microsoft.com/office/powerpoint/2010/main" xmlns:p15="http://schemas.microsoft.com/office/powerpoint/2012/main" xmlns:ahyp="http://schemas.microsoft.com/office/drawing/2018/hyperlinkcolor" showMasterPhAnim="0" showMasterSp="0">
+  <p:cSld>
+    <p:spTree>
+      <p:nvGrpSpPr>
+        <p:cNvPr id="125" name="Shape 125"/>
+        <p:cNvGrpSpPr/>
+        <p:nvPr/>
+      </p:nvGrpSpPr>
+      <p:grpSpPr>
+        <a:xfrm>
+          <a:off x="0" y="0"/>
+          <a:ext cx="0" cy="0"/>
+          <a:chOff x="0" y="0"/>
+          <a:chExt cx="0" cy="0"/>
+        </a:xfrm>
+      </p:grpSpPr>
+      <p:sp>
+        <p:nvSpPr>
+          <p:cNvPr id="126" name="Google Shape;126;gca2beed3b8_0_55:notes"/>
+          <p:cNvSpPr/>
+          <p:nvPr>
+            <p:ph idx="2" type="sldImg"/>
+          </p:nvPr>
+        </p:nvSpPr>
+        <p:spPr>
+          <a:xfrm>
+            <a:off x="381300" y="685800"/>
+            <a:ext cx="6096000" cy="3429000"/>
+          </a:xfrm>
+          <a:custGeom>
+            <a:rect b="b" l="l" r="r" t="t"/>
+            <a:pathLst>
+              <a:path extrusionOk="0" h="120000" w="120000">
+                <a:moveTo>
+                  <a:pt x="0" y="0"/>
+                </a:moveTo>
+                <a:lnTo>
+                  <a:pt x="120000" y="0"/>
+                </a:lnTo>
+                <a:lnTo>
+                  <a:pt x="120000" y="120000"/>
+                </a:lnTo>
+                <a:lnTo>
+                  <a:pt x="0" y="120000"/>
+                </a:lnTo>
+                <a:close/>
+              </a:path>
+            </a:pathLst>
+          </a:custGeom>
+        </p:spPr>
+      </p:sp>
+      <p:sp>
+        <p:nvSpPr>
+          <p:cNvPr id="127" name="Google Shape;127;gca2beed3b8_0_55:notes"/>
           <p:cNvSpPr txBox="1"/>
           <p:nvPr>
             <p:ph idx="1" type="body"/>
@@ -1702,7 +1802,7 @@
   <p:cSld>
     <p:spTree>
       <p:nvGrpSpPr>
-        <p:cNvPr id="107" name="Shape 107"/>
+        <p:cNvPr id="108" name="Shape 108"/>
         <p:cNvGrpSpPr/>
         <p:nvPr/>
       </p:nvGrpSpPr>
@@ -1716,7 +1816,7 @@
       </p:grpSpPr>
       <p:sp>
         <p:nvSpPr>
-          <p:cNvPr id="108" name="Google Shape;108;gca2beed3b8_0_45:notes"/>
+          <p:cNvPr id="109" name="Google Shape;109;gca2beed3b8_1_1:notes"/>
           <p:cNvSpPr/>
           <p:nvPr>
             <p:ph idx="2" type="sldImg"/>
@@ -1751,7 +1851,7 @@
       </p:sp>
       <p:sp>
         <p:nvSpPr>
-          <p:cNvPr id="109" name="Google Shape;109;gca2beed3b8_0_45:notes"/>
+          <p:cNvPr id="110" name="Google Shape;110;gca2beed3b8_1_1:notes"/>
           <p:cNvSpPr txBox="1"/>
           <p:nvPr>
             <p:ph idx="1" type="body"/>
@@ -7177,15 +7277,7 @@
             </a:pPr>
             <a:r>
               <a:rPr lang="fr"/>
-              <a:t>5. </a:t>
-            </a:r>
-            <a:r>
-              <a:rPr lang="fr"/>
-              <a:t>Étapes</a:t>
-            </a:r>
-            <a:r>
-              <a:rPr lang="fr"/>
-              <a:t> suivantes</a:t>
+              <a:t>4. Nettoyage des données </a:t>
             </a:r>
             <a:endParaRPr/>
           </a:p>
@@ -7224,8 +7316,7 @@
               <a:buNone/>
             </a:pPr>
             <a:r>
-              <a:rPr lang="fr"/>
-              <a:t> Il reste à visualiser les données, puis à implémenter un moteur de recommandation</a:t>
+              <a:t/>
             </a:r>
             <a:endParaRPr/>
           </a:p>
@@ -7290,6 +7381,119 @@
             </a:pPr>
             <a:r>
               <a:rPr lang="fr"/>
+              <a:t>5. </a:t>
+            </a:r>
+            <a:r>
+              <a:rPr lang="fr"/>
+              <a:t>Étapes</a:t>
+            </a:r>
+            <a:r>
+              <a:rPr lang="fr"/>
+              <a:t> suivantes</a:t>
+            </a:r>
+            <a:endParaRPr/>
+          </a:p>
+        </p:txBody>
+      </p:sp>
+      <p:sp>
+        <p:nvSpPr>
+          <p:cNvPr id="124" name="Google Shape;124;p23"/>
+          <p:cNvSpPr txBox="1"/>
+          <p:nvPr>
+            <p:ph idx="1" type="body"/>
+          </p:nvPr>
+        </p:nvSpPr>
+        <p:spPr>
+          <a:xfrm>
+            <a:off x="311700" y="1152475"/>
+            <a:ext cx="8520600" cy="3416400"/>
+          </a:xfrm>
+          <a:prstGeom prst="rect">
+            <a:avLst/>
+          </a:prstGeom>
+        </p:spPr>
+        <p:txBody>
+          <a:bodyPr anchorCtr="0" anchor="t" bIns="91425" lIns="91425" spcFirstLastPara="1" rIns="91425" wrap="square" tIns="91425">
+            <a:normAutofit/>
+          </a:bodyPr>
+          <a:lstStyle/>
+          <a:p>
+            <a:pPr indent="0" lvl="0" marL="0" rtl="0" algn="l">
+              <a:spcBef>
+                <a:spcPts val="0"/>
+              </a:spcBef>
+              <a:spcAft>
+                <a:spcPts val="1200"/>
+              </a:spcAft>
+              <a:buNone/>
+            </a:pPr>
+            <a:r>
+              <a:rPr lang="fr"/>
+              <a:t> Il reste à visualiser les données, puis à implémenter un moteur de recommandation</a:t>
+            </a:r>
+            <a:endParaRPr/>
+          </a:p>
+        </p:txBody>
+      </p:sp>
+    </p:spTree>
+  </p:cSld>
+  <p:clrMapOvr>
+    <a:masterClrMapping/>
+  </p:clrMapOvr>
+</p:sld>
+</file>
+
+<file path=ppt/slides/slide12.xml><?xml version="1.0" encoding="utf-8"?>
+<p:sld xmlns:a="http://schemas.openxmlformats.org/drawingml/2006/main" xmlns:r="http://schemas.openxmlformats.org/officeDocument/2006/relationships" xmlns:mc="http://schemas.openxmlformats.org/markup-compatibility/2006" xmlns:mv="urn:schemas-microsoft-com:mac:vml" xmlns:p="http://schemas.openxmlformats.org/presentationml/2006/main" xmlns:c="http://schemas.openxmlformats.org/drawingml/2006/chart" xmlns:dgm="http://schemas.openxmlformats.org/drawingml/2006/diagram" xmlns:o="urn:schemas-microsoft-com:office:office" xmlns:v="urn:schemas-microsoft-com:vml" xmlns:pvml="urn:schemas-microsoft-com:office:powerpoint" xmlns:com="http://schemas.openxmlformats.org/drawingml/2006/compatibility" xmlns:p14="http://schemas.microsoft.com/office/powerpoint/2010/main" xmlns:p15="http://schemas.microsoft.com/office/powerpoint/2012/main" xmlns:ahyp="http://schemas.microsoft.com/office/drawing/2018/hyperlinkcolor">
+  <p:cSld>
+    <p:spTree>
+      <p:nvGrpSpPr>
+        <p:cNvPr id="128" name="Shape 128"/>
+        <p:cNvGrpSpPr/>
+        <p:nvPr/>
+      </p:nvGrpSpPr>
+      <p:grpSpPr>
+        <a:xfrm>
+          <a:off x="0" y="0"/>
+          <a:ext cx="0" cy="0"/>
+          <a:chOff x="0" y="0"/>
+          <a:chExt cx="0" cy="0"/>
+        </a:xfrm>
+      </p:grpSpPr>
+      <p:sp>
+        <p:nvSpPr>
+          <p:cNvPr id="129" name="Google Shape;129;p24"/>
+          <p:cNvSpPr txBox="1"/>
+          <p:nvPr>
+            <p:ph type="title"/>
+          </p:nvPr>
+        </p:nvSpPr>
+        <p:spPr>
+          <a:xfrm>
+            <a:off x="311700" y="445025"/>
+            <a:ext cx="8520600" cy="572700"/>
+          </a:xfrm>
+          <a:prstGeom prst="rect">
+            <a:avLst/>
+          </a:prstGeom>
+        </p:spPr>
+        <p:txBody>
+          <a:bodyPr anchorCtr="0" anchor="t" bIns="91425" lIns="91425" spcFirstLastPara="1" rIns="91425" wrap="square" tIns="91425">
+            <a:normAutofit fontScale="90000"/>
+          </a:bodyPr>
+          <a:lstStyle/>
+          <a:p>
+            <a:pPr indent="0" lvl="0" marL="0" rtl="0" algn="l">
+              <a:spcBef>
+                <a:spcPts val="0"/>
+              </a:spcBef>
+              <a:spcAft>
+                <a:spcPts val="0"/>
+              </a:spcAft>
+              <a:buNone/>
+            </a:pPr>
+            <a:r>
+              <a:rPr lang="fr"/>
               <a:t>8. Annexes</a:t>
             </a:r>
             <a:endParaRPr/>
@@ -7298,7 +7502,7 @@
       </p:sp>
       <p:sp>
         <p:nvSpPr>
-          <p:cNvPr id="124" name="Google Shape;124;p23"/>
+          <p:cNvPr id="130" name="Google Shape;130;p24"/>
           <p:cNvSpPr txBox="1"/>
           <p:nvPr>
             <p:ph idx="1" type="body"/>
@@ -8839,7 +9043,7 @@
         </p:spPr>
         <p:txBody>
           <a:bodyPr anchorCtr="0" anchor="t" bIns="91425" lIns="91425" spcFirstLastPara="1" rIns="91425" wrap="square" tIns="91425">
-            <a:normAutofit/>
+            <a:normAutofit lnSpcReduction="20000"/>
           </a:bodyPr>
           <a:lstStyle/>
           <a:p>
@@ -8848,7 +9052,7 @@
                 <a:spcPts val="0"/>
               </a:spcBef>
               <a:spcAft>
-                <a:spcPts val="1200"/>
+                <a:spcPts val="0"/>
               </a:spcAft>
               <a:buNone/>
             </a:pPr>
@@ -8857,8 +9061,142 @@
             </a:r>
             <a:endParaRPr/>
           </a:p>
+          <a:p>
+            <a:pPr indent="0" lvl="0" marL="0" rtl="0" algn="l">
+              <a:spcBef>
+                <a:spcPts val="1200"/>
+              </a:spcBef>
+              <a:spcAft>
+                <a:spcPts val="0"/>
+              </a:spcAft>
+              <a:buNone/>
+            </a:pPr>
+            <a:r>
+              <a:t/>
+            </a:r>
+            <a:endParaRPr/>
+          </a:p>
+          <a:p>
+            <a:pPr indent="0" lvl="0" marL="0" rtl="0" algn="l">
+              <a:spcBef>
+                <a:spcPts val="1200"/>
+              </a:spcBef>
+              <a:spcAft>
+                <a:spcPts val="0"/>
+              </a:spcAft>
+              <a:buNone/>
+            </a:pPr>
+            <a:r>
+              <a:t/>
+            </a:r>
+            <a:endParaRPr/>
+          </a:p>
+          <a:p>
+            <a:pPr indent="0" lvl="0" marL="0" rtl="0" algn="l">
+              <a:spcBef>
+                <a:spcPts val="1200"/>
+              </a:spcBef>
+              <a:spcAft>
+                <a:spcPts val="0"/>
+              </a:spcAft>
+              <a:buNone/>
+            </a:pPr>
+            <a:r>
+              <a:t/>
+            </a:r>
+            <a:endParaRPr/>
+          </a:p>
+          <a:p>
+            <a:pPr indent="0" lvl="0" marL="0" rtl="0" algn="l">
+              <a:spcBef>
+                <a:spcPts val="1200"/>
+              </a:spcBef>
+              <a:spcAft>
+                <a:spcPts val="0"/>
+              </a:spcAft>
+              <a:buNone/>
+            </a:pPr>
+            <a:r>
+              <a:t/>
+            </a:r>
+            <a:endParaRPr/>
+          </a:p>
+          <a:p>
+            <a:pPr indent="0" lvl="0" marL="0" rtl="0" algn="l">
+              <a:spcBef>
+                <a:spcPts val="1200"/>
+              </a:spcBef>
+              <a:spcAft>
+                <a:spcPts val="0"/>
+              </a:spcAft>
+              <a:buNone/>
+            </a:pPr>
+            <a:r>
+              <a:t/>
+            </a:r>
+            <a:endParaRPr/>
+          </a:p>
+          <a:p>
+            <a:pPr indent="0" lvl="0" marL="0" rtl="0" algn="l">
+              <a:spcBef>
+                <a:spcPts val="1200"/>
+              </a:spcBef>
+              <a:spcAft>
+                <a:spcPts val="0"/>
+              </a:spcAft>
+              <a:buNone/>
+            </a:pPr>
+            <a:r>
+              <a:t/>
+            </a:r>
+            <a:endParaRPr/>
+          </a:p>
+          <a:p>
+            <a:pPr indent="0" lvl="0" marL="0" rtl="0" algn="l">
+              <a:spcBef>
+                <a:spcPts val="1200"/>
+              </a:spcBef>
+              <a:spcAft>
+                <a:spcPts val="1200"/>
+              </a:spcAft>
+              <a:buNone/>
+            </a:pPr>
+            <a:r>
+              <a:rPr lang="fr"/>
+              <a:t> 	141 colonnes à analyser pour choisir un sample cohérent avec notre objectif</a:t>
+            </a:r>
+            <a:endParaRPr/>
+          </a:p>
         </p:txBody>
       </p:sp>
+      <p:pic>
+        <p:nvPicPr>
+          <p:cNvPr id="107" name="Google Shape;107;p20"/>
+          <p:cNvPicPr preferRelativeResize="0"/>
+          <p:nvPr/>
+        </p:nvPicPr>
+        <p:blipFill>
+          <a:blip r:embed="rId3">
+            <a:alphaModFix/>
+          </a:blip>
+          <a:stretch>
+            <a:fillRect/>
+          </a:stretch>
+        </p:blipFill>
+        <p:spPr>
+          <a:xfrm>
+            <a:off x="474125" y="1017726"/>
+            <a:ext cx="7653826" cy="3015150"/>
+          </a:xfrm>
+          <a:prstGeom prst="rect">
+            <a:avLst/>
+          </a:prstGeom>
+          <a:noFill/>
+          <a:ln>
+            <a:noFill/>
+          </a:ln>
+        </p:spPr>
+      </p:pic>
     </p:spTree>
   </p:cSld>
   <p:clrMapOvr>
@@ -8872,7 +9210,7 @@
   <p:cSld>
     <p:spTree>
       <p:nvGrpSpPr>
-        <p:cNvPr id="110" name="Shape 110"/>
+        <p:cNvPr id="111" name="Shape 111"/>
         <p:cNvGrpSpPr/>
         <p:nvPr/>
       </p:nvGrpSpPr>
@@ -8886,46 +9224,6 @@
       </p:grpSpPr>
       <p:sp>
         <p:nvSpPr>
-          <p:cNvPr id="111" name="Google Shape;111;p21"/>
-          <p:cNvSpPr txBox="1"/>
-          <p:nvPr>
-            <p:ph type="title"/>
-          </p:nvPr>
-        </p:nvSpPr>
-        <p:spPr>
-          <a:xfrm>
-            <a:off x="311700" y="445025"/>
-            <a:ext cx="8520600" cy="572700"/>
-          </a:xfrm>
-          <a:prstGeom prst="rect">
-            <a:avLst/>
-          </a:prstGeom>
-        </p:spPr>
-        <p:txBody>
-          <a:bodyPr anchorCtr="0" anchor="t" bIns="91425" lIns="91425" spcFirstLastPara="1" rIns="91425" wrap="square" tIns="91425">
-            <a:normAutofit fontScale="90000"/>
-          </a:bodyPr>
-          <a:lstStyle/>
-          <a:p>
-            <a:pPr indent="0" lvl="0" marL="0" rtl="0" algn="l">
-              <a:spcBef>
-                <a:spcPts val="0"/>
-              </a:spcBef>
-              <a:spcAft>
-                <a:spcPts val="0"/>
-              </a:spcAft>
-              <a:buNone/>
-            </a:pPr>
-            <a:r>
-              <a:rPr lang="fr"/>
-              <a:t>4. Nettoyage des données </a:t>
-            </a:r>
-            <a:endParaRPr/>
-          </a:p>
-        </p:txBody>
-      </p:sp>
-      <p:sp>
-        <p:nvSpPr>
           <p:cNvPr id="112" name="Google Shape;112;p21"/>
           <p:cNvSpPr txBox="1"/>
           <p:nvPr>
@@ -8934,8 +9232,8 @@
         </p:nvSpPr>
         <p:spPr>
           <a:xfrm>
-            <a:off x="311700" y="1152475"/>
-            <a:ext cx="8520600" cy="3416400"/>
+            <a:off x="311700" y="466950"/>
+            <a:ext cx="8520600" cy="4101900"/>
           </a:xfrm>
           <a:prstGeom prst="rect">
             <a:avLst/>
@@ -8952,12 +9250,103 @@
                 <a:spcPts val="0"/>
               </a:spcBef>
               <a:spcAft>
+                <a:spcPts val="0"/>
+              </a:spcAft>
+              <a:buNone/>
+            </a:pPr>
+            <a:r>
+              <a:rPr lang="fr"/>
+              <a:t>Création du sample de travail (voir Data_Analyse.ipynb)</a:t>
+            </a:r>
+            <a:endParaRPr/>
+          </a:p>
+          <a:p>
+            <a:pPr indent="-342900" lvl="0" marL="457200" rtl="0" algn="l">
+              <a:spcBef>
                 <a:spcPts val="1200"/>
+              </a:spcBef>
+              <a:spcAft>
+                <a:spcPts val="0"/>
+              </a:spcAft>
+              <a:buSzPts val="1800"/>
+              <a:buChar char="-"/>
+            </a:pPr>
+            <a:r>
+              <a:rPr lang="fr"/>
+              <a:t>données </a:t>
+            </a:r>
+            <a:r>
+              <a:rPr lang="fr"/>
+              <a:t>françaises</a:t>
+            </a:r>
+            <a:r>
+              <a:rPr lang="fr"/>
+              <a:t> uniquement</a:t>
+            </a:r>
+            <a:endParaRPr/>
+          </a:p>
+          <a:p>
+            <a:pPr indent="-342900" lvl="0" marL="457200" rtl="0" algn="l">
+              <a:spcBef>
+                <a:spcPts val="0"/>
+              </a:spcBef>
+              <a:spcAft>
+                <a:spcPts val="0"/>
+              </a:spcAft>
+              <a:buSzPts val="1800"/>
+              <a:buChar char="-"/>
+            </a:pPr>
+            <a:r>
+              <a:rPr lang="fr"/>
+              <a:t>colonnes nécessaires au calcul du nutri-score</a:t>
+            </a:r>
+            <a:endParaRPr/>
+          </a:p>
+          <a:p>
+            <a:pPr indent="-342900" lvl="0" marL="457200" rtl="0" algn="l">
+              <a:spcBef>
+                <a:spcPts val="0"/>
+              </a:spcBef>
+              <a:spcAft>
+                <a:spcPts val="0"/>
+              </a:spcAft>
+              <a:buSzPts val="1800"/>
+              <a:buChar char="-"/>
+            </a:pPr>
+            <a:r>
+              <a:rPr lang="fr"/>
+              <a:t>colonne product_name</a:t>
+            </a:r>
+            <a:endParaRPr/>
+          </a:p>
+          <a:p>
+            <a:pPr indent="0" lvl="0" marL="0" rtl="0" algn="l">
+              <a:spcBef>
+                <a:spcPts val="1200"/>
+              </a:spcBef>
+              <a:spcAft>
+                <a:spcPts val="0"/>
               </a:spcAft>
               <a:buNone/>
             </a:pPr>
             <a:r>
               <a:t/>
+            </a:r>
+            <a:endParaRPr/>
+          </a:p>
+          <a:p>
+            <a:pPr indent="0" lvl="0" marL="0" rtl="0" algn="l">
+              <a:spcBef>
+                <a:spcPts val="1200"/>
+              </a:spcBef>
+              <a:spcAft>
+                <a:spcPts val="1200"/>
+              </a:spcAft>
+              <a:buNone/>
+            </a:pPr>
+            <a:r>
+              <a:rPr lang="fr"/>
+              <a:t>reste</a:t>
             </a:r>
             <a:endParaRPr/>
           </a:p>

--- a/FOODFLIX.pptx
+++ b/FOODFLIX.pptx
@@ -7311,12 +7311,92 @@
                 <a:spcPts val="0"/>
               </a:spcBef>
               <a:spcAft>
+                <a:spcPts val="0"/>
+              </a:spcAft>
+              <a:buNone/>
+            </a:pPr>
+            <a:r>
+              <a:rPr lang="fr"/>
+              <a:t>Voir data_clean.ipynb</a:t>
+            </a:r>
+            <a:endParaRPr/>
+          </a:p>
+          <a:p>
+            <a:pPr indent="0" lvl="0" marL="0" rtl="0" algn="l">
+              <a:spcBef>
                 <a:spcPts val="1200"/>
+              </a:spcBef>
+              <a:spcAft>
+                <a:spcPts val="0"/>
+              </a:spcAft>
+              <a:buNone/>
+            </a:pPr>
+            <a:r>
+              <a:rPr lang="fr"/>
+              <a:t>1- suppression des lignes en doublon parfait -&gt; reste 29166 lignes, 9 colonnes</a:t>
+            </a:r>
+            <a:endParaRPr/>
+          </a:p>
+          <a:p>
+            <a:pPr indent="0" lvl="0" marL="0" rtl="0" algn="l">
+              <a:spcBef>
+                <a:spcPts val="1200"/>
+              </a:spcBef>
+              <a:spcAft>
+                <a:spcPts val="0"/>
+              </a:spcAft>
+              <a:buNone/>
+            </a:pPr>
+            <a:r>
+              <a:rPr lang="fr"/>
+              <a:t>2- comme il s’agit ici de calculs de scores, tous les Nan sont transformés en 0.</a:t>
+            </a:r>
+            <a:endParaRPr/>
+          </a:p>
+          <a:p>
+            <a:pPr indent="0" lvl="0" marL="0" rtl="0" algn="l">
+              <a:spcBef>
+                <a:spcPts val="1200"/>
+              </a:spcBef>
+              <a:spcAft>
+                <a:spcPts val="0"/>
+              </a:spcAft>
+              <a:buNone/>
+            </a:pPr>
+            <a:r>
+              <a:rPr lang="fr"/>
+              <a:t>3- suppression des lignes en doublon (ex: 22 lignes ‘mayonnaise’) et remplacées par une valeur moyenne</a:t>
+            </a:r>
+            <a:endParaRPr/>
+          </a:p>
+          <a:p>
+            <a:pPr indent="0" lvl="0" marL="0" rtl="0" algn="l">
+              <a:spcBef>
+                <a:spcPts val="1200"/>
+              </a:spcBef>
+              <a:spcAft>
+                <a:spcPts val="0"/>
               </a:spcAft>
               <a:buNone/>
             </a:pPr>
             <a:r>
               <a:t/>
+            </a:r>
+            <a:endParaRPr/>
+          </a:p>
+          <a:p>
+            <a:pPr indent="0" lvl="0" marL="0" rtl="0" algn="l">
+              <a:spcBef>
+                <a:spcPts val="1200"/>
+              </a:spcBef>
+              <a:spcAft>
+                <a:spcPts val="1200"/>
+              </a:spcAft>
+              <a:buNone/>
+            </a:pPr>
+            <a:r>
+              <a:rPr lang="fr"/>
+              <a:t> </a:t>
             </a:r>
             <a:endParaRPr/>
           </a:p>
@@ -8121,7 +8201,7 @@
         </p:spPr>
         <p:txBody>
           <a:bodyPr anchorCtr="0" anchor="t" bIns="91425" lIns="91425" spcFirstLastPara="1" rIns="91425" wrap="square" tIns="91425">
-            <a:normAutofit fontScale="70000" lnSpcReduction="20000"/>
+            <a:normAutofit fontScale="55000" lnSpcReduction="10000"/>
           </a:bodyPr>
           <a:lstStyle/>
           <a:p>
@@ -8268,6 +8348,49 @@
                 </a:solidFill>
               </a:rPr>
               <a:t>est un projet collaboratif en ligne et mobile dont le but est de constituer une base de données libre et ouverte sur les produits alimentaires commercialisés dans le monde entier.</a:t>
+            </a:r>
+            <a:endParaRPr sz="2318">
+              <a:solidFill>
+                <a:schemeClr val="dk1"/>
+              </a:solidFill>
+            </a:endParaRPr>
+          </a:p>
+          <a:p>
+            <a:pPr indent="0" lvl="0" marL="0" rtl="0" algn="l">
+              <a:spcBef>
+                <a:spcPts val="1200"/>
+              </a:spcBef>
+              <a:spcAft>
+                <a:spcPts val="0"/>
+              </a:spcAft>
+              <a:buNone/>
+            </a:pPr>
+            <a:r>
+              <a:t/>
+            </a:r>
+            <a:endParaRPr sz="2318">
+              <a:solidFill>
+                <a:schemeClr val="dk1"/>
+              </a:solidFill>
+            </a:endParaRPr>
+          </a:p>
+          <a:p>
+            <a:pPr indent="0" lvl="0" marL="0" rtl="0" algn="l">
+              <a:spcBef>
+                <a:spcPts val="1200"/>
+              </a:spcBef>
+              <a:spcAft>
+                <a:spcPts val="0"/>
+              </a:spcAft>
+              <a:buNone/>
+            </a:pPr>
+            <a:r>
+              <a:rPr lang="fr" sz="2318">
+                <a:solidFill>
+                  <a:schemeClr val="dk1"/>
+                </a:solidFill>
+              </a:rPr>
+              <a:t>Initialement 163 colonnes et 356 027 lugnes</a:t>
             </a:r>
             <a:endParaRPr sz="2318">
               <a:solidFill>
@@ -9256,7 +9379,7 @@
             </a:pPr>
             <a:r>
               <a:rPr lang="fr"/>
-              <a:t>Création du sample de travail (voir Data_Analyse.ipynb)</a:t>
+              <a:t>Création du sample de travail (voir Data_Analyse.ipynb) démarrage avec 100 000 lignes  sur les 356027 initiales</a:t>
             </a:r>
             <a:endParaRPr/>
           </a:p>
@@ -9315,7 +9438,7 @@
             </a:pPr>
             <a:r>
               <a:rPr lang="fr"/>
-              <a:t>colonne product_name</a:t>
+              <a:t>colonne product_name (not null)</a:t>
             </a:r>
             <a:endParaRPr/>
           </a:p>
@@ -9346,7 +9469,7 @@
             </a:pPr>
             <a:r>
               <a:rPr lang="fr"/>
-              <a:t>reste</a:t>
+              <a:t>reste 29 535 lignes et 9 colonnes.</a:t>
             </a:r>
             <a:endParaRPr/>
           </a:p>

--- a/FOODFLIX.pptx
+++ b/FOODFLIX.pptx
@@ -20,18 +20,19 @@
     <p:sldId id="265" r:id="rId15"/>
     <p:sldId id="266" r:id="rId16"/>
     <p:sldId id="267" r:id="rId17"/>
+    <p:sldId id="268" r:id="rId18"/>
   </p:sldIdLst>
   <p:sldSz cy="5143500" cx="9144000"/>
   <p:notesSz cx="6858000" cy="9144000"/>
   <p:embeddedFontLst>
     <p:embeddedFont>
       <p:font typeface="Average"/>
-      <p:regular r:id="rId18"/>
+      <p:regular r:id="rId19"/>
     </p:embeddedFont>
     <p:embeddedFont>
       <p:font typeface="Oswald"/>
-      <p:regular r:id="rId19"/>
-      <p:bold r:id="rId20"/>
+      <p:regular r:id="rId20"/>
+      <p:bold r:id="rId21"/>
     </p:embeddedFont>
   </p:embeddedFontLst>
   <p:defaultTextStyle>
@@ -925,7 +926,7 @@
       </p:grpSpPr>
       <p:sp>
         <p:nvSpPr>
-          <p:cNvPr id="120" name="Google Shape;120;gca2beed3b8_0_50:notes"/>
+          <p:cNvPr id="120" name="Google Shape;120;gca35881703_0_1:notes"/>
           <p:cNvSpPr/>
           <p:nvPr>
             <p:ph idx="2" type="sldImg"/>
@@ -960,7 +961,7 @@
       </p:sp>
       <p:sp>
         <p:nvSpPr>
-          <p:cNvPr id="121" name="Google Shape;121;gca2beed3b8_0_50:notes"/>
+          <p:cNvPr id="121" name="Google Shape;121;gca35881703_0_1:notes"/>
           <p:cNvSpPr txBox="1"/>
           <p:nvPr>
             <p:ph idx="1" type="body"/>
@@ -1024,7 +1025,7 @@
       </p:grpSpPr>
       <p:sp>
         <p:nvSpPr>
-          <p:cNvPr id="126" name="Google Shape;126;gca2beed3b8_0_55:notes"/>
+          <p:cNvPr id="126" name="Google Shape;126;gca2beed3b8_0_50:notes"/>
           <p:cNvSpPr/>
           <p:nvPr>
             <p:ph idx="2" type="sldImg"/>
@@ -1059,7 +1060,106 @@
       </p:sp>
       <p:sp>
         <p:nvSpPr>
-          <p:cNvPr id="127" name="Google Shape;127;gca2beed3b8_0_55:notes"/>
+          <p:cNvPr id="127" name="Google Shape;127;gca2beed3b8_0_50:notes"/>
+          <p:cNvSpPr txBox="1"/>
+          <p:nvPr>
+            <p:ph idx="1" type="body"/>
+          </p:nvPr>
+        </p:nvSpPr>
+        <p:spPr>
+          <a:xfrm>
+            <a:off x="685800" y="4343400"/>
+            <a:ext cx="5486400" cy="4114800"/>
+          </a:xfrm>
+          <a:prstGeom prst="rect">
+            <a:avLst/>
+          </a:prstGeom>
+        </p:spPr>
+        <p:txBody>
+          <a:bodyPr anchorCtr="0" anchor="t" bIns="91425" lIns="91425" spcFirstLastPara="1" rIns="91425" wrap="square" tIns="91425">
+            <a:noAutofit/>
+          </a:bodyPr>
+          <a:lstStyle/>
+          <a:p>
+            <a:pPr indent="0" lvl="0" marL="0" rtl="0" algn="l">
+              <a:spcBef>
+                <a:spcPts val="0"/>
+              </a:spcBef>
+              <a:spcAft>
+                <a:spcPts val="0"/>
+              </a:spcAft>
+              <a:buNone/>
+            </a:pPr>
+            <a:r>
+              <a:t/>
+            </a:r>
+            <a:endParaRPr/>
+          </a:p>
+        </p:txBody>
+      </p:sp>
+    </p:spTree>
+  </p:cSld>
+  <p:clrMapOvr>
+    <a:masterClrMapping/>
+  </p:clrMapOvr>
+</p:notes>
+</file>
+
+<file path=ppt/notesSlides/notesSlide13.xml><?xml version="1.0" encoding="utf-8"?>
+<p:notes xmlns:a="http://schemas.openxmlformats.org/drawingml/2006/main" xmlns:r="http://schemas.openxmlformats.org/officeDocument/2006/relationships" xmlns:mc="http://schemas.openxmlformats.org/markup-compatibility/2006" xmlns:mv="urn:schemas-microsoft-com:mac:vml" xmlns:p="http://schemas.openxmlformats.org/presentationml/2006/main" xmlns:c="http://schemas.openxmlformats.org/drawingml/2006/chart" xmlns:dgm="http://schemas.openxmlformats.org/drawingml/2006/diagram" xmlns:o="urn:schemas-microsoft-com:office:office" xmlns:v="urn:schemas-microsoft-com:vml" xmlns:pvml="urn:schemas-microsoft-com:office:powerpoint" xmlns:com="http://schemas.openxmlformats.org/drawingml/2006/compatibility" xmlns:p14="http://schemas.microsoft.com/office/powerpoint/2010/main" xmlns:p15="http://schemas.microsoft.com/office/powerpoint/2012/main" xmlns:ahyp="http://schemas.microsoft.com/office/drawing/2018/hyperlinkcolor" showMasterPhAnim="0" showMasterSp="0">
+  <p:cSld>
+    <p:spTree>
+      <p:nvGrpSpPr>
+        <p:cNvPr id="131" name="Shape 131"/>
+        <p:cNvGrpSpPr/>
+        <p:nvPr/>
+      </p:nvGrpSpPr>
+      <p:grpSpPr>
+        <a:xfrm>
+          <a:off x="0" y="0"/>
+          <a:ext cx="0" cy="0"/>
+          <a:chOff x="0" y="0"/>
+          <a:chExt cx="0" cy="0"/>
+        </a:xfrm>
+      </p:grpSpPr>
+      <p:sp>
+        <p:nvSpPr>
+          <p:cNvPr id="132" name="Google Shape;132;gca2beed3b8_0_55:notes"/>
+          <p:cNvSpPr/>
+          <p:nvPr>
+            <p:ph idx="2" type="sldImg"/>
+          </p:nvPr>
+        </p:nvSpPr>
+        <p:spPr>
+          <a:xfrm>
+            <a:off x="381300" y="685800"/>
+            <a:ext cx="6096000" cy="3429000"/>
+          </a:xfrm>
+          <a:custGeom>
+            <a:rect b="b" l="l" r="r" t="t"/>
+            <a:pathLst>
+              <a:path extrusionOk="0" h="120000" w="120000">
+                <a:moveTo>
+                  <a:pt x="0" y="0"/>
+                </a:moveTo>
+                <a:lnTo>
+                  <a:pt x="120000" y="0"/>
+                </a:lnTo>
+                <a:lnTo>
+                  <a:pt x="120000" y="120000"/>
+                </a:lnTo>
+                <a:lnTo>
+                  <a:pt x="0" y="120000"/>
+                </a:lnTo>
+                <a:close/>
+              </a:path>
+            </a:pathLst>
+          </a:custGeom>
+        </p:spPr>
+      </p:sp>
+      <p:sp>
+        <p:nvSpPr>
+          <p:cNvPr id="133" name="Google Shape;133;gca2beed3b8_0_55:notes"/>
           <p:cNvSpPr txBox="1"/>
           <p:nvPr>
             <p:ph idx="1" type="body"/>
@@ -7302,7 +7402,7 @@
         </p:spPr>
         <p:txBody>
           <a:bodyPr anchorCtr="0" anchor="t" bIns="91425" lIns="91425" spcFirstLastPara="1" rIns="91425" wrap="square" tIns="91425">
-            <a:normAutofit/>
+            <a:normAutofit lnSpcReduction="10000"/>
           </a:bodyPr>
           <a:lstStyle/>
           <a:p>
@@ -7366,6 +7466,21 @@
             <a:r>
               <a:rPr lang="fr"/>
               <a:t>3- suppression des lignes en doublon (ex: 22 lignes ‘mayonnaise’) et remplacées par une valeur moyenne</a:t>
+            </a:r>
+            <a:endParaRPr/>
+          </a:p>
+          <a:p>
+            <a:pPr indent="0" lvl="0" marL="0" rtl="0" algn="l">
+              <a:spcBef>
+                <a:spcPts val="1200"/>
+              </a:spcBef>
+              <a:spcAft>
+                <a:spcPts val="0"/>
+              </a:spcAft>
+              <a:buNone/>
+            </a:pPr>
+            <a:r>
+              <a:t/>
             </a:r>
             <a:endParaRPr/>
           </a:p>
@@ -7432,13 +7547,13 @@
           <p:cNvPr id="123" name="Google Shape;123;p23"/>
           <p:cNvSpPr txBox="1"/>
           <p:nvPr>
-            <p:ph type="title"/>
+            <p:ph idx="1" type="body"/>
           </p:nvPr>
         </p:nvSpPr>
         <p:spPr>
           <a:xfrm>
-            <a:off x="311700" y="445025"/>
-            <a:ext cx="8520600" cy="572700"/>
+            <a:off x="311700" y="4310225"/>
+            <a:ext cx="8520600" cy="452700"/>
           </a:xfrm>
           <a:prstGeom prst="rect">
             <a:avLst/>
@@ -7446,7 +7561,7 @@
         </p:spPr>
         <p:txBody>
           <a:bodyPr anchorCtr="0" anchor="t" bIns="91425" lIns="91425" spcFirstLastPara="1" rIns="91425" wrap="square" tIns="91425">
-            <a:normAutofit fontScale="90000"/>
+            <a:normAutofit lnSpcReduction="20000"/>
           </a:bodyPr>
           <a:lstStyle/>
           <a:p>
@@ -7455,66 +7570,46 @@
                 <a:spcPts val="0"/>
               </a:spcBef>
               <a:spcAft>
-                <a:spcPts val="0"/>
+                <a:spcPts val="1200"/>
               </a:spcAft>
               <a:buNone/>
             </a:pPr>
             <a:r>
               <a:rPr lang="fr"/>
-              <a:t>5. </a:t>
-            </a:r>
-            <a:r>
-              <a:rPr lang="fr"/>
-              <a:t>Étapes</a:t>
-            </a:r>
-            <a:r>
-              <a:rPr lang="fr"/>
-              <a:t> suivantes</a:t>
+              <a:t>forme finale de la data</a:t>
             </a:r>
             <a:endParaRPr/>
           </a:p>
         </p:txBody>
       </p:sp>
-      <p:sp>
-        <p:nvSpPr>
+      <p:pic>
+        <p:nvPicPr>
           <p:cNvPr id="124" name="Google Shape;124;p23"/>
-          <p:cNvSpPr txBox="1"/>
-          <p:nvPr>
-            <p:ph idx="1" type="body"/>
-          </p:nvPr>
-        </p:nvSpPr>
+          <p:cNvPicPr preferRelativeResize="0"/>
+          <p:nvPr/>
+        </p:nvPicPr>
+        <p:blipFill>
+          <a:blip r:embed="rId3">
+            <a:alphaModFix/>
+          </a:blip>
+          <a:stretch>
+            <a:fillRect/>
+          </a:stretch>
+        </p:blipFill>
         <p:spPr>
           <a:xfrm>
-            <a:off x="311700" y="1152475"/>
-            <a:ext cx="8520600" cy="3416400"/>
+            <a:off x="311700" y="626175"/>
+            <a:ext cx="8625425" cy="3684050"/>
           </a:xfrm>
           <a:prstGeom prst="rect">
             <a:avLst/>
           </a:prstGeom>
+          <a:noFill/>
+          <a:ln>
+            <a:noFill/>
+          </a:ln>
         </p:spPr>
-        <p:txBody>
-          <a:bodyPr anchorCtr="0" anchor="t" bIns="91425" lIns="91425" spcFirstLastPara="1" rIns="91425" wrap="square" tIns="91425">
-            <a:normAutofit/>
-          </a:bodyPr>
-          <a:lstStyle/>
-          <a:p>
-            <a:pPr indent="0" lvl="0" marL="0" rtl="0" algn="l">
-              <a:spcBef>
-                <a:spcPts val="0"/>
-              </a:spcBef>
-              <a:spcAft>
-                <a:spcPts val="1200"/>
-              </a:spcAft>
-              <a:buNone/>
-            </a:pPr>
-            <a:r>
-              <a:rPr lang="fr"/>
-              <a:t> Il reste à visualiser les données, puis à implémenter un moteur de recommandation</a:t>
-            </a:r>
-            <a:endParaRPr/>
-          </a:p>
-        </p:txBody>
-      </p:sp>
+      </p:pic>
     </p:spTree>
   </p:cSld>
   <p:clrMapOvr>
@@ -7574,6 +7669,119 @@
             </a:pPr>
             <a:r>
               <a:rPr lang="fr"/>
+              <a:t>5. </a:t>
+            </a:r>
+            <a:r>
+              <a:rPr lang="fr"/>
+              <a:t>Étapes</a:t>
+            </a:r>
+            <a:r>
+              <a:rPr lang="fr"/>
+              <a:t> suivantes</a:t>
+            </a:r>
+            <a:endParaRPr/>
+          </a:p>
+        </p:txBody>
+      </p:sp>
+      <p:sp>
+        <p:nvSpPr>
+          <p:cNvPr id="130" name="Google Shape;130;p24"/>
+          <p:cNvSpPr txBox="1"/>
+          <p:nvPr>
+            <p:ph idx="1" type="body"/>
+          </p:nvPr>
+        </p:nvSpPr>
+        <p:spPr>
+          <a:xfrm>
+            <a:off x="311700" y="1152475"/>
+            <a:ext cx="8520600" cy="3416400"/>
+          </a:xfrm>
+          <a:prstGeom prst="rect">
+            <a:avLst/>
+          </a:prstGeom>
+        </p:spPr>
+        <p:txBody>
+          <a:bodyPr anchorCtr="0" anchor="t" bIns="91425" lIns="91425" spcFirstLastPara="1" rIns="91425" wrap="square" tIns="91425">
+            <a:normAutofit/>
+          </a:bodyPr>
+          <a:lstStyle/>
+          <a:p>
+            <a:pPr indent="0" lvl="0" marL="0" rtl="0" algn="l">
+              <a:spcBef>
+                <a:spcPts val="0"/>
+              </a:spcBef>
+              <a:spcAft>
+                <a:spcPts val="1200"/>
+              </a:spcAft>
+              <a:buNone/>
+            </a:pPr>
+            <a:r>
+              <a:rPr lang="fr"/>
+              <a:t> Il reste à visualiser les données, puis à implémenter un moteur de recommandation</a:t>
+            </a:r>
+            <a:endParaRPr/>
+          </a:p>
+        </p:txBody>
+      </p:sp>
+    </p:spTree>
+  </p:cSld>
+  <p:clrMapOvr>
+    <a:masterClrMapping/>
+  </p:clrMapOvr>
+</p:sld>
+</file>
+
+<file path=ppt/slides/slide13.xml><?xml version="1.0" encoding="utf-8"?>
+<p:sld xmlns:a="http://schemas.openxmlformats.org/drawingml/2006/main" xmlns:r="http://schemas.openxmlformats.org/officeDocument/2006/relationships" xmlns:mc="http://schemas.openxmlformats.org/markup-compatibility/2006" xmlns:mv="urn:schemas-microsoft-com:mac:vml" xmlns:p="http://schemas.openxmlformats.org/presentationml/2006/main" xmlns:c="http://schemas.openxmlformats.org/drawingml/2006/chart" xmlns:dgm="http://schemas.openxmlformats.org/drawingml/2006/diagram" xmlns:o="urn:schemas-microsoft-com:office:office" xmlns:v="urn:schemas-microsoft-com:vml" xmlns:pvml="urn:schemas-microsoft-com:office:powerpoint" xmlns:com="http://schemas.openxmlformats.org/drawingml/2006/compatibility" xmlns:p14="http://schemas.microsoft.com/office/powerpoint/2010/main" xmlns:p15="http://schemas.microsoft.com/office/powerpoint/2012/main" xmlns:ahyp="http://schemas.microsoft.com/office/drawing/2018/hyperlinkcolor">
+  <p:cSld>
+    <p:spTree>
+      <p:nvGrpSpPr>
+        <p:cNvPr id="134" name="Shape 134"/>
+        <p:cNvGrpSpPr/>
+        <p:nvPr/>
+      </p:nvGrpSpPr>
+      <p:grpSpPr>
+        <a:xfrm>
+          <a:off x="0" y="0"/>
+          <a:ext cx="0" cy="0"/>
+          <a:chOff x="0" y="0"/>
+          <a:chExt cx="0" cy="0"/>
+        </a:xfrm>
+      </p:grpSpPr>
+      <p:sp>
+        <p:nvSpPr>
+          <p:cNvPr id="135" name="Google Shape;135;p25"/>
+          <p:cNvSpPr txBox="1"/>
+          <p:nvPr>
+            <p:ph type="title"/>
+          </p:nvPr>
+        </p:nvSpPr>
+        <p:spPr>
+          <a:xfrm>
+            <a:off x="311700" y="445025"/>
+            <a:ext cx="8520600" cy="572700"/>
+          </a:xfrm>
+          <a:prstGeom prst="rect">
+            <a:avLst/>
+          </a:prstGeom>
+        </p:spPr>
+        <p:txBody>
+          <a:bodyPr anchorCtr="0" anchor="t" bIns="91425" lIns="91425" spcFirstLastPara="1" rIns="91425" wrap="square" tIns="91425">
+            <a:normAutofit fontScale="90000"/>
+          </a:bodyPr>
+          <a:lstStyle/>
+          <a:p>
+            <a:pPr indent="0" lvl="0" marL="0" rtl="0" algn="l">
+              <a:spcBef>
+                <a:spcPts val="0"/>
+              </a:spcBef>
+              <a:spcAft>
+                <a:spcPts val="0"/>
+              </a:spcAft>
+              <a:buNone/>
+            </a:pPr>
+            <a:r>
+              <a:rPr lang="fr"/>
               <a:t>8. Annexes</a:t>
             </a:r>
             <a:endParaRPr/>
@@ -7582,7 +7790,7 @@
       </p:sp>
       <p:sp>
         <p:nvSpPr>
-          <p:cNvPr id="130" name="Google Shape;130;p24"/>
+          <p:cNvPr id="136" name="Google Shape;136;p25"/>
           <p:cNvSpPr txBox="1"/>
           <p:nvPr>
             <p:ph idx="1" type="body"/>
@@ -9484,6 +9692,285 @@
 </file>
 
 <file path=ppt/theme/theme1.xml><?xml version="1.0" encoding="utf-8"?>
+<a:theme xmlns:a="http://schemas.openxmlformats.org/drawingml/2006/main" xmlns:r="http://schemas.openxmlformats.org/officeDocument/2006/relationships">
+  <a:themeElements>
+    <a:clrScheme name="Default">
+      <a:dk1>
+        <a:srgbClr val="000000"/>
+      </a:dk1>
+      <a:lt1>
+        <a:srgbClr val="FFFFFF"/>
+      </a:lt1>
+      <a:dk2>
+        <a:srgbClr val="158158"/>
+      </a:dk2>
+      <a:lt2>
+        <a:srgbClr val="F3F3F3"/>
+      </a:lt2>
+      <a:accent1>
+        <a:srgbClr val="058DC7"/>
+      </a:accent1>
+      <a:accent2>
+        <a:srgbClr val="50B432"/>
+      </a:accent2>
+      <a:accent3>
+        <a:srgbClr val="ED561B"/>
+      </a:accent3>
+      <a:accent4>
+        <a:srgbClr val="EDEF00"/>
+      </a:accent4>
+      <a:accent5>
+        <a:srgbClr val="24CBE5"/>
+      </a:accent5>
+      <a:accent6>
+        <a:srgbClr val="64E572"/>
+      </a:accent6>
+      <a:hlink>
+        <a:srgbClr val="2200CC"/>
+      </a:hlink>
+      <a:folHlink>
+        <a:srgbClr val="551A8B"/>
+      </a:folHlink>
+    </a:clrScheme>
+    <a:fontScheme name="Office">
+      <a:majorFont>
+        <a:latin typeface="Arial"/>
+        <a:ea typeface=""/>
+        <a:cs typeface=""/>
+        <a:font script="Jpan" typeface="ＭＳ Ｐゴシック"/>
+        <a:font script="Hang" typeface="맑은 고딕"/>
+        <a:font script="Hans" typeface="宋体"/>
+        <a:font script="Hant" typeface="新細明體"/>
+        <a:font script="Arab" typeface="Times New Roman"/>
+        <a:font script="Hebr" typeface="Times New Roman"/>
+        <a:font script="Thai" typeface="Angsana New"/>
+        <a:font script="Ethi" typeface="Nyala"/>
+        <a:font script="Beng" typeface="Vrinda"/>
+        <a:font script="Gujr" typeface="Shruti"/>
+        <a:font script="Khmr" typeface="MoolBoran"/>
+        <a:font script="Knda" typeface="Tunga"/>
+        <a:font script="Guru" typeface="Raavi"/>
+        <a:font script="Cans" typeface="Euphemia"/>
+        <a:font script="Cher" typeface="Plantagenet Cherokee"/>
+        <a:font script="Yiii" typeface="Microsoft Yi Baiti"/>
+        <a:font script="Tibt" typeface="Microsoft Himalaya"/>
+        <a:font script="Thaa" typeface="MV Boli"/>
+        <a:font script="Deva" typeface="Mangal"/>
+        <a:font script="Telu" typeface="Gautami"/>
+        <a:font script="Taml" typeface="Latha"/>
+        <a:font script="Syrc" typeface="Estrangelo Edessa"/>
+        <a:font script="Orya" typeface="Kalinga"/>
+        <a:font script="Mlym" typeface="Kartika"/>
+        <a:font script="Laoo" typeface="DokChampa"/>
+        <a:font script="Sinh" typeface="Iskoola Pota"/>
+        <a:font script="Mong" typeface="Mongolian Baiti"/>
+        <a:font script="Viet" typeface="Times New Roman"/>
+        <a:font script="Uigh" typeface="Microsoft Uighur"/>
+        <a:font script="Geor" typeface="Sylfaen"/>
+      </a:majorFont>
+      <a:minorFont>
+        <a:latin typeface="Arial"/>
+        <a:ea typeface=""/>
+        <a:cs typeface=""/>
+        <a:font script="Jpan" typeface="ＭＳ Ｐゴシック"/>
+        <a:font script="Hang" typeface="맑은 고딕"/>
+        <a:font script="Hans" typeface="宋体"/>
+        <a:font script="Hant" typeface="新細明體"/>
+        <a:font script="Arab" typeface="Arial"/>
+        <a:font script="Hebr" typeface="Arial"/>
+        <a:font script="Thai" typeface="Cordia New"/>
+        <a:font script="Ethi" typeface="Nyala"/>
+        <a:font script="Beng" typeface="Vrinda"/>
+        <a:font script="Gujr" typeface="Shruti"/>
+        <a:font script="Khmr" typeface="DaunPenh"/>
+        <a:font script="Knda" typeface="Tunga"/>
+        <a:font script="Guru" typeface="Raavi"/>
+        <a:font script="Cans" typeface="Euphemia"/>
+        <a:font script="Cher" typeface="Plantagenet Cherokee"/>
+        <a:font script="Yiii" typeface="Microsoft Yi Baiti"/>
+        <a:font script="Tibt" typeface="Microsoft Himalaya"/>
+        <a:font script="Thaa" typeface="MV Boli"/>
+        <a:font script="Deva" typeface="Mangal"/>
+        <a:font script="Telu" typeface="Gautami"/>
+        <a:font script="Taml" typeface="Latha"/>
+        <a:font script="Syrc" typeface="Estrangelo Edessa"/>
+        <a:font script="Orya" typeface="Kalinga"/>
+        <a:font script="Mlym" typeface="Kartika"/>
+        <a:font script="Laoo" typeface="DokChampa"/>
+        <a:font script="Sinh" typeface="Iskoola Pota"/>
+        <a:font script="Mong" typeface="Mongolian Baiti"/>
+        <a:font script="Viet" typeface="Arial"/>
+        <a:font script="Uigh" typeface="Microsoft Uighur"/>
+        <a:font script="Geor" typeface="Sylfaen"/>
+      </a:minorFont>
+    </a:fontScheme>
+    <a:fmtScheme name="Office">
+      <a:fillStyleLst>
+        <a:solidFill>
+          <a:schemeClr val="phClr"/>
+        </a:solidFill>
+        <a:gradFill rotWithShape="1">
+          <a:gsLst>
+            <a:gs pos="0">
+              <a:schemeClr val="phClr">
+                <a:tint val="50000"/>
+                <a:satMod val="300000"/>
+              </a:schemeClr>
+            </a:gs>
+            <a:gs pos="35000">
+              <a:schemeClr val="phClr">
+                <a:tint val="37000"/>
+                <a:satMod val="300000"/>
+              </a:schemeClr>
+            </a:gs>
+            <a:gs pos="100000">
+              <a:schemeClr val="phClr">
+                <a:tint val="15000"/>
+                <a:satMod val="350000"/>
+              </a:schemeClr>
+            </a:gs>
+          </a:gsLst>
+          <a:lin ang="16200000" scaled="1"/>
+        </a:gradFill>
+        <a:gradFill rotWithShape="1">
+          <a:gsLst>
+            <a:gs pos="0">
+              <a:schemeClr val="phClr">
+                <a:tint val="100000"/>
+                <a:shade val="100000"/>
+                <a:satMod val="130000"/>
+              </a:schemeClr>
+            </a:gs>
+            <a:gs pos="100000">
+              <a:schemeClr val="phClr">
+                <a:tint val="50000"/>
+                <a:shade val="100000"/>
+                <a:satMod val="350000"/>
+              </a:schemeClr>
+            </a:gs>
+          </a:gsLst>
+          <a:lin ang="16200000" scaled="0"/>
+        </a:gradFill>
+      </a:fillStyleLst>
+      <a:lnStyleLst>
+        <a:ln w="9525" cap="flat" cmpd="sng" algn="ctr">
+          <a:solidFill>
+            <a:schemeClr val="phClr">
+              <a:shade val="95000"/>
+              <a:satMod val="105000"/>
+            </a:schemeClr>
+          </a:solidFill>
+          <a:prstDash val="solid"/>
+        </a:ln>
+        <a:ln w="25400" cap="flat" cmpd="sng" algn="ctr">
+          <a:solidFill>
+            <a:schemeClr val="phClr"/>
+          </a:solidFill>
+          <a:prstDash val="solid"/>
+        </a:ln>
+        <a:ln w="38100" cap="flat" cmpd="sng" algn="ctr">
+          <a:solidFill>
+            <a:schemeClr val="phClr"/>
+          </a:solidFill>
+          <a:prstDash val="solid"/>
+        </a:ln>
+      </a:lnStyleLst>
+      <a:effectStyleLst>
+        <a:effectStyle>
+          <a:effectLst>
+            <a:outerShdw blurRad="40000" dist="20000" dir="5400000" rotWithShape="0">
+              <a:srgbClr val="000000">
+                <a:alpha val="38000"/>
+              </a:srgbClr>
+            </a:outerShdw>
+          </a:effectLst>
+        </a:effectStyle>
+        <a:effectStyle>
+          <a:effectLst>
+            <a:outerShdw blurRad="40000" dist="23000" dir="5400000" rotWithShape="0">
+              <a:srgbClr val="000000">
+                <a:alpha val="35000"/>
+              </a:srgbClr>
+            </a:outerShdw>
+          </a:effectLst>
+        </a:effectStyle>
+        <a:effectStyle>
+          <a:effectLst>
+            <a:outerShdw blurRad="40000" dist="23000" dir="5400000" rotWithShape="0">
+              <a:srgbClr val="000000">
+                <a:alpha val="35000"/>
+              </a:srgbClr>
+            </a:outerShdw>
+          </a:effectLst>
+          <a:scene3d>
+            <a:camera prst="orthographicFront">
+              <a:rot lat="0" lon="0" rev="0"/>
+            </a:camera>
+            <a:lightRig rig="threePt" dir="t">
+              <a:rot lat="0" lon="0" rev="1200000"/>
+            </a:lightRig>
+          </a:scene3d>
+          <a:sp3d>
+            <a:bevelT w="63500" h="25400"/>
+          </a:sp3d>
+        </a:effectStyle>
+      </a:effectStyleLst>
+      <a:bgFillStyleLst>
+        <a:solidFill>
+          <a:schemeClr val="phClr"/>
+        </a:solidFill>
+        <a:gradFill rotWithShape="1">
+          <a:gsLst>
+            <a:gs pos="0">
+              <a:schemeClr val="phClr">
+                <a:tint val="40000"/>
+                <a:satMod val="350000"/>
+              </a:schemeClr>
+            </a:gs>
+            <a:gs pos="40000">
+              <a:schemeClr val="phClr">
+                <a:tint val="45000"/>
+                <a:shade val="99000"/>
+                <a:satMod val="350000"/>
+              </a:schemeClr>
+            </a:gs>
+            <a:gs pos="100000">
+              <a:schemeClr val="phClr">
+                <a:shade val="20000"/>
+                <a:satMod val="255000"/>
+              </a:schemeClr>
+            </a:gs>
+          </a:gsLst>
+          <a:path path="circle">
+            <a:fillToRect l="50000" t="-80000" r="50000" b="180000"/>
+          </a:path>
+        </a:gradFill>
+        <a:gradFill rotWithShape="1">
+          <a:gsLst>
+            <a:gs pos="0">
+              <a:schemeClr val="phClr">
+                <a:tint val="80000"/>
+                <a:satMod val="300000"/>
+              </a:schemeClr>
+            </a:gs>
+            <a:gs pos="100000">
+              <a:schemeClr val="phClr">
+                <a:shade val="30000"/>
+                <a:satMod val="200000"/>
+              </a:schemeClr>
+            </a:gs>
+          </a:gsLst>
+          <a:path path="circle">
+            <a:fillToRect l="50000" t="50000" r="50000" b="50000"/>
+          </a:path>
+        </a:gradFill>
+      </a:bgFillStyleLst>
+    </a:fmtScheme>
+  </a:themeElements>
+</a:theme>
+</file>
+
+<file path=ppt/theme/theme2.xml><?xml version="1.0" encoding="utf-8"?>
 <a:theme xmlns:a="http://schemas.openxmlformats.org/drawingml/2006/main" xmlns:r="http://schemas.openxmlformats.org/officeDocument/2006/relationships" name="Slate">
   <a:themeElements>
     <a:clrScheme name="Slate">
@@ -9760,283 +10247,4 @@
     </a:fmtScheme>
   </a:themeElements>
 </a:theme>
-</file>
-
-<file path=ppt/theme/theme2.xml><?xml version="1.0" encoding="utf-8"?>
-<a:theme xmlns:a="http://schemas.openxmlformats.org/drawingml/2006/main" xmlns:r="http://schemas.openxmlformats.org/officeDocument/2006/relationships">
-  <a:themeElements>
-    <a:clrScheme name="Default">
-      <a:dk1>
-        <a:srgbClr val="000000"/>
-      </a:dk1>
-      <a:lt1>
-        <a:srgbClr val="FFFFFF"/>
-      </a:lt1>
-      <a:dk2>
-        <a:srgbClr val="158158"/>
-      </a:dk2>
-      <a:lt2>
-        <a:srgbClr val="F3F3F3"/>
-      </a:lt2>
-      <a:accent1>
-        <a:srgbClr val="058DC7"/>
-      </a:accent1>
-      <a:accent2>
-        <a:srgbClr val="50B432"/>
-      </a:accent2>
-      <a:accent3>
-        <a:srgbClr val="ED561B"/>
-      </a:accent3>
-      <a:accent4>
-        <a:srgbClr val="EDEF00"/>
-      </a:accent4>
-      <a:accent5>
-        <a:srgbClr val="24CBE5"/>
-      </a:accent5>
-      <a:accent6>
-        <a:srgbClr val="64E572"/>
-      </a:accent6>
-      <a:hlink>
-        <a:srgbClr val="2200CC"/>
-      </a:hlink>
-      <a:folHlink>
-        <a:srgbClr val="551A8B"/>
-      </a:folHlink>
-    </a:clrScheme>
-    <a:fontScheme name="Office">
-      <a:majorFont>
-        <a:latin typeface="Arial"/>
-        <a:ea typeface=""/>
-        <a:cs typeface=""/>
-        <a:font script="Jpan" typeface="ＭＳ Ｐゴシック"/>
-        <a:font script="Hang" typeface="맑은 고딕"/>
-        <a:font script="Hans" typeface="宋体"/>
-        <a:font script="Hant" typeface="新細明體"/>
-        <a:font script="Arab" typeface="Times New Roman"/>
-        <a:font script="Hebr" typeface="Times New Roman"/>
-        <a:font script="Thai" typeface="Angsana New"/>
-        <a:font script="Ethi" typeface="Nyala"/>
-        <a:font script="Beng" typeface="Vrinda"/>
-        <a:font script="Gujr" typeface="Shruti"/>
-        <a:font script="Khmr" typeface="MoolBoran"/>
-        <a:font script="Knda" typeface="Tunga"/>
-        <a:font script="Guru" typeface="Raavi"/>
-        <a:font script="Cans" typeface="Euphemia"/>
-        <a:font script="Cher" typeface="Plantagenet Cherokee"/>
-        <a:font script="Yiii" typeface="Microsoft Yi Baiti"/>
-        <a:font script="Tibt" typeface="Microsoft Himalaya"/>
-        <a:font script="Thaa" typeface="MV Boli"/>
-        <a:font script="Deva" typeface="Mangal"/>
-        <a:font script="Telu" typeface="Gautami"/>
-        <a:font script="Taml" typeface="Latha"/>
-        <a:font script="Syrc" typeface="Estrangelo Edessa"/>
-        <a:font script="Orya" typeface="Kalinga"/>
-        <a:font script="Mlym" typeface="Kartika"/>
-        <a:font script="Laoo" typeface="DokChampa"/>
-        <a:font script="Sinh" typeface="Iskoola Pota"/>
-        <a:font script="Mong" typeface="Mongolian Baiti"/>
-        <a:font script="Viet" typeface="Times New Roman"/>
-        <a:font script="Uigh" typeface="Microsoft Uighur"/>
-        <a:font script="Geor" typeface="Sylfaen"/>
-      </a:majorFont>
-      <a:minorFont>
-        <a:latin typeface="Arial"/>
-        <a:ea typeface=""/>
-        <a:cs typeface=""/>
-        <a:font script="Jpan" typeface="ＭＳ Ｐゴシック"/>
-        <a:font script="Hang" typeface="맑은 고딕"/>
-        <a:font script="Hans" typeface="宋体"/>
-        <a:font script="Hant" typeface="新細明體"/>
-        <a:font script="Arab" typeface="Arial"/>
-        <a:font script="Hebr" typeface="Arial"/>
-        <a:font script="Thai" typeface="Cordia New"/>
-        <a:font script="Ethi" typeface="Nyala"/>
-        <a:font script="Beng" typeface="Vrinda"/>
-        <a:font script="Gujr" typeface="Shruti"/>
-        <a:font script="Khmr" typeface="DaunPenh"/>
-        <a:font script="Knda" typeface="Tunga"/>
-        <a:font script="Guru" typeface="Raavi"/>
-        <a:font script="Cans" typeface="Euphemia"/>
-        <a:font script="Cher" typeface="Plantagenet Cherokee"/>
-        <a:font script="Yiii" typeface="Microsoft Yi Baiti"/>
-        <a:font script="Tibt" typeface="Microsoft Himalaya"/>
-        <a:font script="Thaa" typeface="MV Boli"/>
-        <a:font script="Deva" typeface="Mangal"/>
-        <a:font script="Telu" typeface="Gautami"/>
-        <a:font script="Taml" typeface="Latha"/>
-        <a:font script="Syrc" typeface="Estrangelo Edessa"/>
-        <a:font script="Orya" typeface="Kalinga"/>
-        <a:font script="Mlym" typeface="Kartika"/>
-        <a:font script="Laoo" typeface="DokChampa"/>
-        <a:font script="Sinh" typeface="Iskoola Pota"/>
-        <a:font script="Mong" typeface="Mongolian Baiti"/>
-        <a:font script="Viet" typeface="Arial"/>
-        <a:font script="Uigh" typeface="Microsoft Uighur"/>
-        <a:font script="Geor" typeface="Sylfaen"/>
-      </a:minorFont>
-    </a:fontScheme>
-    <a:fmtScheme name="Office">
-      <a:fillStyleLst>
-        <a:solidFill>
-          <a:schemeClr val="phClr"/>
-        </a:solidFill>
-        <a:gradFill rotWithShape="1">
-          <a:gsLst>
-            <a:gs pos="0">
-              <a:schemeClr val="phClr">
-                <a:tint val="50000"/>
-                <a:satMod val="300000"/>
-              </a:schemeClr>
-            </a:gs>
-            <a:gs pos="35000">
-              <a:schemeClr val="phClr">
-                <a:tint val="37000"/>
-                <a:satMod val="300000"/>
-              </a:schemeClr>
-            </a:gs>
-            <a:gs pos="100000">
-              <a:schemeClr val="phClr">
-                <a:tint val="15000"/>
-                <a:satMod val="350000"/>
-              </a:schemeClr>
-            </a:gs>
-          </a:gsLst>
-          <a:lin ang="16200000" scaled="1"/>
-        </a:gradFill>
-        <a:gradFill rotWithShape="1">
-          <a:gsLst>
-            <a:gs pos="0">
-              <a:schemeClr val="phClr">
-                <a:tint val="100000"/>
-                <a:shade val="100000"/>
-                <a:satMod val="130000"/>
-              </a:schemeClr>
-            </a:gs>
-            <a:gs pos="100000">
-              <a:schemeClr val="phClr">
-                <a:tint val="50000"/>
-                <a:shade val="100000"/>
-                <a:satMod val="350000"/>
-              </a:schemeClr>
-            </a:gs>
-          </a:gsLst>
-          <a:lin ang="16200000" scaled="0"/>
-        </a:gradFill>
-      </a:fillStyleLst>
-      <a:lnStyleLst>
-        <a:ln w="9525" cap="flat" cmpd="sng" algn="ctr">
-          <a:solidFill>
-            <a:schemeClr val="phClr">
-              <a:shade val="95000"/>
-              <a:satMod val="105000"/>
-            </a:schemeClr>
-          </a:solidFill>
-          <a:prstDash val="solid"/>
-        </a:ln>
-        <a:ln w="25400" cap="flat" cmpd="sng" algn="ctr">
-          <a:solidFill>
-            <a:schemeClr val="phClr"/>
-          </a:solidFill>
-          <a:prstDash val="solid"/>
-        </a:ln>
-        <a:ln w="38100" cap="flat" cmpd="sng" algn="ctr">
-          <a:solidFill>
-            <a:schemeClr val="phClr"/>
-          </a:solidFill>
-          <a:prstDash val="solid"/>
-        </a:ln>
-      </a:lnStyleLst>
-      <a:effectStyleLst>
-        <a:effectStyle>
-          <a:effectLst>
-            <a:outerShdw blurRad="40000" dist="20000" dir="5400000" rotWithShape="0">
-              <a:srgbClr val="000000">
-                <a:alpha val="38000"/>
-              </a:srgbClr>
-            </a:outerShdw>
-          </a:effectLst>
-        </a:effectStyle>
-        <a:effectStyle>
-          <a:effectLst>
-            <a:outerShdw blurRad="40000" dist="23000" dir="5400000" rotWithShape="0">
-              <a:srgbClr val="000000">
-                <a:alpha val="35000"/>
-              </a:srgbClr>
-            </a:outerShdw>
-          </a:effectLst>
-        </a:effectStyle>
-        <a:effectStyle>
-          <a:effectLst>
-            <a:outerShdw blurRad="40000" dist="23000" dir="5400000" rotWithShape="0">
-              <a:srgbClr val="000000">
-                <a:alpha val="35000"/>
-              </a:srgbClr>
-            </a:outerShdw>
-          </a:effectLst>
-          <a:scene3d>
-            <a:camera prst="orthographicFront">
-              <a:rot lat="0" lon="0" rev="0"/>
-            </a:camera>
-            <a:lightRig rig="threePt" dir="t">
-              <a:rot lat="0" lon="0" rev="1200000"/>
-            </a:lightRig>
-          </a:scene3d>
-          <a:sp3d>
-            <a:bevelT w="63500" h="25400"/>
-          </a:sp3d>
-        </a:effectStyle>
-      </a:effectStyleLst>
-      <a:bgFillStyleLst>
-        <a:solidFill>
-          <a:schemeClr val="phClr"/>
-        </a:solidFill>
-        <a:gradFill rotWithShape="1">
-          <a:gsLst>
-            <a:gs pos="0">
-              <a:schemeClr val="phClr">
-                <a:tint val="40000"/>
-                <a:satMod val="350000"/>
-              </a:schemeClr>
-            </a:gs>
-            <a:gs pos="40000">
-              <a:schemeClr val="phClr">
-                <a:tint val="45000"/>
-                <a:shade val="99000"/>
-                <a:satMod val="350000"/>
-              </a:schemeClr>
-            </a:gs>
-            <a:gs pos="100000">
-              <a:schemeClr val="phClr">
-                <a:shade val="20000"/>
-                <a:satMod val="255000"/>
-              </a:schemeClr>
-            </a:gs>
-          </a:gsLst>
-          <a:path path="circle">
-            <a:fillToRect l="50000" t="-80000" r="50000" b="180000"/>
-          </a:path>
-        </a:gradFill>
-        <a:gradFill rotWithShape="1">
-          <a:gsLst>
-            <a:gs pos="0">
-              <a:schemeClr val="phClr">
-                <a:tint val="80000"/>
-                <a:satMod val="300000"/>
-              </a:schemeClr>
-            </a:gs>
-            <a:gs pos="100000">
-              <a:schemeClr val="phClr">
-                <a:shade val="30000"/>
-                <a:satMod val="200000"/>
-              </a:schemeClr>
-            </a:gs>
-          </a:gsLst>
-          <a:path path="circle">
-            <a:fillToRect l="50000" t="50000" r="50000" b="50000"/>
-          </a:path>
-        </a:gradFill>
-      </a:bgFillStyleLst>
-    </a:fmtScheme>
-  </a:themeElements>
-</a:theme>
 </file>